--- a/Teaching/Chemistry/Labs/FCC Chem 3A Expt 9a Solutions and Dilutions.pptx
+++ b/Teaching/Chemistry/Labs/FCC Chem 3A Expt 9a Solutions and Dilutions.pptx
@@ -5,22 +5,24 @@
     <p:sldMasterId id="2147483803" r:id="rId1"/>
   </p:sldMasterIdLst>
   <p:notesMasterIdLst>
-    <p:notesMasterId r:id="rId15"/>
+    <p:notesMasterId r:id="rId17"/>
   </p:notesMasterIdLst>
   <p:sldIdLst>
     <p:sldId id="608" r:id="rId2"/>
     <p:sldId id="609" r:id="rId3"/>
     <p:sldId id="616" r:id="rId4"/>
-    <p:sldId id="618" r:id="rId5"/>
-    <p:sldId id="619" r:id="rId6"/>
-    <p:sldId id="620" r:id="rId7"/>
-    <p:sldId id="613" r:id="rId8"/>
-    <p:sldId id="610" r:id="rId9"/>
-    <p:sldId id="617" r:id="rId10"/>
-    <p:sldId id="622" r:id="rId11"/>
-    <p:sldId id="621" r:id="rId12"/>
-    <p:sldId id="623" r:id="rId13"/>
-    <p:sldId id="612" r:id="rId14"/>
+    <p:sldId id="624" r:id="rId5"/>
+    <p:sldId id="613" r:id="rId6"/>
+    <p:sldId id="625" r:id="rId7"/>
+    <p:sldId id="610" r:id="rId8"/>
+    <p:sldId id="626" r:id="rId9"/>
+    <p:sldId id="612" r:id="rId10"/>
+    <p:sldId id="621" r:id="rId11"/>
+    <p:sldId id="627" r:id="rId12"/>
+    <p:sldId id="628" r:id="rId13"/>
+    <p:sldId id="629" r:id="rId14"/>
+    <p:sldId id="630" r:id="rId15"/>
+    <p:sldId id="631" r:id="rId16"/>
   </p:sldIdLst>
   <p:sldSz cx="9144000" cy="6858000" type="screen4x3"/>
   <p:notesSz cx="7315200" cy="9601200"/>
@@ -679,6 +681,91 @@
         </p:txBody>
       </p:sp>
     </p:spTree>
+  </p:cSld>
+  <p:clrMapOvr>
+    <a:masterClrMapping/>
+  </p:clrMapOvr>
+</p:notes>
+</file>
+
+<file path=ppt/notesSlides/notesSlide2.xml><?xml version="1.0" encoding="utf-8"?>
+<p:notes xmlns:a="http://schemas.openxmlformats.org/drawingml/2006/main" xmlns:r="http://schemas.openxmlformats.org/officeDocument/2006/relationships" xmlns:p="http://schemas.openxmlformats.org/presentationml/2006/main">
+  <p:cSld>
+    <p:spTree>
+      <p:nvGrpSpPr>
+        <p:cNvPr id="1" name=""/>
+        <p:cNvGrpSpPr/>
+        <p:nvPr/>
+      </p:nvGrpSpPr>
+      <p:grpSpPr>
+        <a:xfrm>
+          <a:off x="0" y="0"/>
+          <a:ext cx="0" cy="0"/>
+          <a:chOff x="0" y="0"/>
+          <a:chExt cx="0" cy="0"/>
+        </a:xfrm>
+      </p:grpSpPr>
+      <p:sp>
+        <p:nvSpPr>
+          <p:cNvPr id="2" name="Slide Image Placeholder 1"/>
+          <p:cNvSpPr>
+            <a:spLocks noGrp="1" noRot="1" noChangeAspect="1"/>
+          </p:cNvSpPr>
+          <p:nvPr>
+            <p:ph type="sldImg"/>
+          </p:nvPr>
+        </p:nvSpPr>
+        <p:spPr/>
+      </p:sp>
+      <p:sp>
+        <p:nvSpPr>
+          <p:cNvPr id="3" name="Notes Placeholder 2"/>
+          <p:cNvSpPr>
+            <a:spLocks noGrp="1"/>
+          </p:cNvSpPr>
+          <p:nvPr>
+            <p:ph type="body" idx="1"/>
+          </p:nvPr>
+        </p:nvSpPr>
+        <p:spPr/>
+        <p:txBody>
+          <a:bodyPr/>
+          <a:lstStyle/>
+          <a:p>
+            <a:endParaRPr lang="en-US" dirty="0"/>
+          </a:p>
+        </p:txBody>
+      </p:sp>
+      <p:sp>
+        <p:nvSpPr>
+          <p:cNvPr id="4" name="Slide Number Placeholder 3"/>
+          <p:cNvSpPr>
+            <a:spLocks noGrp="1"/>
+          </p:cNvSpPr>
+          <p:nvPr>
+            <p:ph type="sldNum" sz="quarter" idx="5"/>
+          </p:nvPr>
+        </p:nvSpPr>
+        <p:spPr/>
+        <p:txBody>
+          <a:bodyPr/>
+          <a:lstStyle/>
+          <a:p>
+            <a:fld id="{F80B39F9-9779-49E4-9061-3C452DBF8DE4}" type="slidenum">
+              <a:rPr lang="en-US" smtClean="0"/>
+              <a:pPr/>
+              <a:t>4</a:t>
+            </a:fld>
+            <a:endParaRPr lang="en-US"/>
+          </a:p>
+        </p:txBody>
+      </p:sp>
+    </p:spTree>
+    <p:extLst>
+      <p:ext uri="{BB962C8B-B14F-4D97-AF65-F5344CB8AC3E}">
+        <p14:creationId xmlns:p14="http://schemas.microsoft.com/office/powerpoint/2010/main" val="3706828845"/>
+      </p:ext>
+    </p:extLst>
   </p:cSld>
   <p:clrMapOvr>
     <a:masterClrMapping/>
@@ -10496,292 +10583,6 @@
         <p:cNvPr id="1" name="">
           <a:extLst>
             <a:ext uri="{FF2B5EF4-FFF2-40B4-BE49-F238E27FC236}">
-              <a16:creationId xmlns:a16="http://schemas.microsoft.com/office/drawing/2014/main" id="{80032430-C568-9444-018A-4A293518DCCA}"/>
-            </a:ext>
-          </a:extLst>
-        </p:cNvPr>
-        <p:cNvGrpSpPr/>
-        <p:nvPr/>
-      </p:nvGrpSpPr>
-      <p:grpSpPr>
-        <a:xfrm>
-          <a:off x="0" y="0"/>
-          <a:ext cx="0" cy="0"/>
-          <a:chOff x="0" y="0"/>
-          <a:chExt cx="0" cy="0"/>
-        </a:xfrm>
-      </p:grpSpPr>
-      <p:sp>
-        <p:nvSpPr>
-          <p:cNvPr id="2" name="Title 1">
-            <a:extLst>
-              <a:ext uri="{FF2B5EF4-FFF2-40B4-BE49-F238E27FC236}">
-                <a16:creationId xmlns:a16="http://schemas.microsoft.com/office/drawing/2014/main" id="{8B652173-3E63-7A53-DF9E-053FCE100E99}"/>
-              </a:ext>
-            </a:extLst>
-          </p:cNvPr>
-          <p:cNvSpPr>
-            <a:spLocks noGrp="1"/>
-          </p:cNvSpPr>
-          <p:nvPr>
-            <p:ph type="title"/>
-          </p:nvPr>
-        </p:nvSpPr>
-        <p:spPr>
-          <a:xfrm>
-            <a:off x="338666" y="183025"/>
-            <a:ext cx="8421512" cy="769441"/>
-          </a:xfrm>
-        </p:spPr>
-        <p:txBody>
-          <a:bodyPr/>
-          <a:lstStyle/>
-          <a:p>
-            <a:r>
-              <a:rPr lang="en-US" sz="4400" dirty="0"/>
-              <a:t>Procedure</a:t>
-            </a:r>
-          </a:p>
-        </p:txBody>
-      </p:sp>
-      <p:sp>
-        <p:nvSpPr>
-          <p:cNvPr id="6" name="Content Placeholder 5">
-            <a:extLst>
-              <a:ext uri="{FF2B5EF4-FFF2-40B4-BE49-F238E27FC236}">
-                <a16:creationId xmlns:a16="http://schemas.microsoft.com/office/drawing/2014/main" id="{2D45A565-8AD4-F37F-9436-FAD0B19DA96C}"/>
-              </a:ext>
-            </a:extLst>
-          </p:cNvPr>
-          <p:cNvSpPr>
-            <a:spLocks noGrp="1"/>
-          </p:cNvSpPr>
-          <p:nvPr>
-            <p:ph idx="1"/>
-          </p:nvPr>
-        </p:nvSpPr>
-        <p:spPr>
-          <a:xfrm>
-            <a:off x="372533" y="952466"/>
-            <a:ext cx="8387645" cy="5595089"/>
-          </a:xfrm>
-        </p:spPr>
-        <p:txBody>
-          <a:bodyPr/>
-          <a:lstStyle/>
-          <a:p>
-            <a:pPr marL="0" indent="0">
-              <a:buNone/>
-            </a:pPr>
-            <a:r>
-              <a:rPr lang="en-US" sz="2800" i="1" dirty="0">
-                <a:solidFill>
-                  <a:srgbClr val="00FF00"/>
-                </a:solidFill>
-              </a:rPr>
-              <a:t>Reaction</a:t>
-            </a:r>
-          </a:p>
-          <a:p>
-            <a:pPr marL="457200" indent="-457200">
-              <a:buFont typeface="+mj-lt"/>
-              <a:buAutoNum type="arabicPeriod"/>
-            </a:pPr>
-            <a:r>
-              <a:rPr lang="en-US" sz="2200" dirty="0"/>
-              <a:t>Heat the contents with a </a:t>
-            </a:r>
-            <a:r>
-              <a:rPr lang="en-US" sz="2200" dirty="0">
-                <a:solidFill>
-                  <a:schemeClr val="accent1">
-                    <a:lumMod val="60000"/>
-                    <a:lumOff val="40000"/>
-                  </a:schemeClr>
-                </a:solidFill>
-              </a:rPr>
-              <a:t>blue flame </a:t>
-            </a:r>
-            <a:r>
-              <a:rPr lang="en-US" sz="2200" dirty="0"/>
-              <a:t>of the </a:t>
-            </a:r>
-            <a:r>
-              <a:rPr lang="en-US" sz="2200" dirty="0">
-                <a:solidFill>
-                  <a:schemeClr val="accent1">
-                    <a:lumMod val="60000"/>
-                    <a:lumOff val="40000"/>
-                  </a:schemeClr>
-                </a:solidFill>
-              </a:rPr>
-              <a:t>Bunsen burner</a:t>
-            </a:r>
-            <a:r>
-              <a:rPr lang="en-US" sz="2200" dirty="0"/>
-              <a:t>. The </a:t>
-            </a:r>
-            <a:r>
-              <a:rPr lang="en-US" sz="2200" dirty="0">
-                <a:solidFill>
-                  <a:srgbClr val="FFFF00"/>
-                </a:solidFill>
-              </a:rPr>
-              <a:t>sulfur</a:t>
-            </a:r>
-            <a:r>
-              <a:rPr lang="en-US" sz="2200" dirty="0"/>
-              <a:t> will melt within about a minute.</a:t>
-            </a:r>
-          </a:p>
-          <a:p>
-            <a:pPr marL="457200" indent="-457200">
-              <a:buFont typeface="+mj-lt"/>
-              <a:buAutoNum type="arabicPeriod"/>
-            </a:pPr>
-            <a:r>
-              <a:rPr lang="en-US" sz="2200" dirty="0"/>
-              <a:t>Use the </a:t>
-            </a:r>
-            <a:r>
-              <a:rPr lang="en-US" sz="2200" dirty="0">
-                <a:solidFill>
-                  <a:schemeClr val="accent1">
-                    <a:lumMod val="60000"/>
-                    <a:lumOff val="40000"/>
-                  </a:schemeClr>
-                </a:solidFill>
-              </a:rPr>
-              <a:t>crucible tongs </a:t>
-            </a:r>
-            <a:r>
-              <a:rPr lang="en-US" sz="2200" dirty="0"/>
-              <a:t>to transfer the crucible to the </a:t>
-            </a:r>
-            <a:r>
-              <a:rPr lang="en-US" sz="2200" dirty="0">
-                <a:solidFill>
-                  <a:schemeClr val="accent1">
-                    <a:lumMod val="60000"/>
-                    <a:lumOff val="40000"/>
-                  </a:schemeClr>
-                </a:solidFill>
-              </a:rPr>
-              <a:t>wire mesh. </a:t>
-            </a:r>
-            <a:r>
-              <a:rPr lang="en-US" sz="2200" dirty="0"/>
-              <a:t>The</a:t>
-            </a:r>
-            <a:r>
-              <a:rPr lang="en-US" sz="2200" dirty="0">
-                <a:solidFill>
-                  <a:schemeClr val="accent1">
-                    <a:lumMod val="60000"/>
-                    <a:lumOff val="40000"/>
-                  </a:schemeClr>
-                </a:solidFill>
-              </a:rPr>
-              <a:t> </a:t>
-            </a:r>
-            <a:r>
-              <a:rPr lang="en-US" sz="2200" dirty="0"/>
-              <a:t>melted sulfur reacts with the copper during this time.</a:t>
-            </a:r>
-          </a:p>
-          <a:p>
-            <a:pPr marL="457200" indent="-457200">
-              <a:buFont typeface="+mj-lt"/>
-              <a:buAutoNum type="arabicPeriod"/>
-            </a:pPr>
-            <a:r>
-              <a:rPr lang="en-US" sz="2200" dirty="0"/>
-              <a:t>Put the crucible back on the flame: the unreacted sulfur will burn off, forming sulfur dioxide (SO</a:t>
-            </a:r>
-            <a:r>
-              <a:rPr lang="en-US" sz="2200" baseline="-25000" dirty="0"/>
-              <a:t>2</a:t>
-            </a:r>
-            <a:r>
-              <a:rPr lang="en-US" sz="2200" dirty="0"/>
-              <a:t>) gas, vented in the hood. The crucible looks clean and dry except for the coil of copper sulfide.</a:t>
-            </a:r>
-          </a:p>
-          <a:p>
-            <a:pPr marL="457200" indent="-457200">
-              <a:buFont typeface="+mj-lt"/>
-              <a:buAutoNum type="arabicPeriod"/>
-            </a:pPr>
-            <a:r>
-              <a:rPr lang="en-US" sz="2200" dirty="0"/>
-              <a:t>Set the crucible again on the wire mesh to cool</a:t>
-            </a:r>
-          </a:p>
-          <a:p>
-            <a:pPr marL="457200" indent="-457200">
-              <a:buFont typeface="+mj-lt"/>
-              <a:buAutoNum type="arabicPeriod"/>
-            </a:pPr>
-            <a:r>
-              <a:rPr lang="en-US" sz="2200" dirty="0"/>
-              <a:t>Record mass of crucible with the new compound (</a:t>
-            </a:r>
-            <a:r>
-              <a:rPr lang="en-US" sz="2200" b="1" dirty="0"/>
-              <a:t>D</a:t>
-            </a:r>
-            <a:r>
-              <a:rPr lang="en-US" sz="2200" dirty="0"/>
-              <a:t>)</a:t>
-            </a:r>
-          </a:p>
-          <a:p>
-            <a:pPr marL="457200" indent="-457200">
-              <a:buFont typeface="+mj-lt"/>
-              <a:buAutoNum type="arabicPeriod"/>
-            </a:pPr>
-            <a:r>
-              <a:rPr lang="en-US" sz="2200" dirty="0"/>
-              <a:t>Carefully tip crucible contents on to watch glass and make observations of physical properties</a:t>
-            </a:r>
-          </a:p>
-          <a:p>
-            <a:pPr marL="457200" indent="-457200">
-              <a:buFont typeface="+mj-lt"/>
-              <a:buAutoNum type="arabicPeriod"/>
-            </a:pPr>
-            <a:endParaRPr lang="en-US" dirty="0"/>
-          </a:p>
-          <a:p>
-            <a:pPr marL="457200" indent="-457200">
-              <a:buFont typeface="+mj-lt"/>
-              <a:buAutoNum type="arabicPeriod"/>
-            </a:pPr>
-            <a:endParaRPr lang="en-US" sz="2800" dirty="0"/>
-          </a:p>
-        </p:txBody>
-      </p:sp>
-    </p:spTree>
-    <p:extLst>
-      <p:ext uri="{BB962C8B-B14F-4D97-AF65-F5344CB8AC3E}">
-        <p14:creationId xmlns:p14="http://schemas.microsoft.com/office/powerpoint/2010/main" val="943315025"/>
-      </p:ext>
-    </p:extLst>
-  </p:cSld>
-  <p:clrMapOvr>
-    <a:masterClrMapping/>
-  </p:clrMapOvr>
-</p:sld>
-</file>
-
-<file path=ppt/slides/slide11.xml><?xml version="1.0" encoding="utf-8"?>
-<p:sld xmlns:a="http://schemas.openxmlformats.org/drawingml/2006/main" xmlns:r="http://schemas.openxmlformats.org/officeDocument/2006/relationships" xmlns:p="http://schemas.openxmlformats.org/presentationml/2006/main">
-  <p:cSld>
-    <p:spTree>
-      <p:nvGrpSpPr>
-        <p:cNvPr id="1" name="">
-          <a:extLst>
-            <a:ext uri="{FF2B5EF4-FFF2-40B4-BE49-F238E27FC236}">
               <a16:creationId xmlns:a16="http://schemas.microsoft.com/office/drawing/2014/main" id="{BA86FC53-DF32-CE64-DFB5-7C8645A52D75}"/>
             </a:ext>
           </a:extLst>
@@ -10856,67 +10657,12 @@
           <a:bodyPr/>
           <a:lstStyle/>
           <a:p>
-            <a:pPr marL="457200" indent="-457200">
-              <a:buFont typeface="+mj-lt"/>
-              <a:buAutoNum type="arabicPeriod"/>
+            <a:pPr marL="0" indent="0">
+              <a:buNone/>
             </a:pPr>
             <a:r>
               <a:rPr lang="en-US" dirty="0"/>
-              <a:t>Suppose A=23.7584 g, B=34.3532 g,</a:t>
-            </a:r>
-            <a:br>
-              <a:rPr lang="en-US" dirty="0"/>
-            </a:br>
-            <a:r>
-              <a:rPr lang="en-US" dirty="0"/>
-              <a:t>C=37.5732 g. After the reaction, D=36.7841 g</a:t>
-            </a:r>
-          </a:p>
-          <a:p>
-            <a:pPr marL="457200" indent="-457200">
-              <a:buFont typeface="+mj-lt"/>
-              <a:buAutoNum type="arabicPeriod"/>
-            </a:pPr>
-            <a:r>
-              <a:rPr lang="en-US" dirty="0"/>
-              <a:t>[B-A]=10.5948 g, [C-B]=3.2200 g,</a:t>
-            </a:r>
-            <a:br>
-              <a:rPr lang="en-US" dirty="0"/>
-            </a:br>
-            <a:r>
-              <a:rPr lang="en-US" dirty="0"/>
-              <a:t>[D-A]=13.0257 g</a:t>
-            </a:r>
-          </a:p>
-          <a:p>
-            <a:pPr marL="457200" indent="-457200">
-              <a:buFont typeface="+mj-lt"/>
-              <a:buAutoNum type="arabicPeriod"/>
-            </a:pPr>
-            <a:r>
-              <a:rPr lang="en-US" dirty="0"/>
-              <a:t>Copper reacted should be same as initial copper, because copper doesn’t go anywhere</a:t>
-            </a:r>
-          </a:p>
-          <a:p>
-            <a:pPr marL="457200" indent="-457200">
-              <a:buFont typeface="+mj-lt"/>
-              <a:buAutoNum type="arabicPeriod"/>
-            </a:pPr>
-            <a:r>
-              <a:rPr lang="en-US" dirty="0"/>
-              <a:t>Sulfur reacted should be [D-A]-[B-A]=13.0257 g - 10.5948 g= 2.4309 g</a:t>
-            </a:r>
-          </a:p>
-          <a:p>
-            <a:pPr marL="457200" indent="-457200">
-              <a:buFont typeface="+mj-lt"/>
-              <a:buAutoNum type="arabicPeriod"/>
-            </a:pPr>
-            <a:r>
-              <a:rPr lang="en-US" dirty="0"/>
-              <a:t>Excess sulfur = [C-B]-2.4309 g = 3.2200 g – 2.4309 g =0.7891 g </a:t>
+              <a:t>Make sure that you use the significant digits of for the volumes in the flasks and pipets shown on p 97: 10.00 mL, 25.00 mL, 50.00 mL</a:t>
             </a:r>
           </a:p>
           <a:p>
@@ -10926,40 +10672,38 @@
             </a:pPr>
             <a:endParaRPr lang="en-US" dirty="0"/>
           </a:p>
-          <a:p>
-            <a:pPr marL="0" indent="0">
-              <a:buNone/>
-            </a:pPr>
-            <a:r>
-              <a:rPr lang="en-US" dirty="0"/>
-              <a:t>Mass ratio </a:t>
-            </a:r>
-            <a:r>
-              <a:rPr lang="en-US" sz="2000" dirty="0"/>
-              <a:t>= </a:t>
-            </a:r>
-            <a:r>
-              <a:rPr lang="en-US" sz="1800" dirty="0"/>
-              <a:t>c</a:t>
-            </a:r>
-            <a:r>
-              <a:rPr lang="en-US" sz="2000" dirty="0"/>
-              <a:t>opper/sulfur reacted =</a:t>
-            </a:r>
-            <a:r>
-              <a:rPr lang="en-US" dirty="0"/>
-              <a:t> 10.5948 g/2.4309 g</a:t>
-            </a:r>
-            <a:br>
-              <a:rPr lang="en-US" dirty="0"/>
-            </a:br>
-            <a:r>
-              <a:rPr lang="en-US" dirty="0"/>
-              <a:t>= 4.3583</a:t>
-            </a:r>
-          </a:p>
         </p:txBody>
       </p:sp>
+      <p:pic>
+        <p:nvPicPr>
+          <p:cNvPr id="7" name="Picture 6">
+            <a:extLst>
+              <a:ext uri="{FF2B5EF4-FFF2-40B4-BE49-F238E27FC236}">
+                <a16:creationId xmlns:a16="http://schemas.microsoft.com/office/drawing/2014/main" id="{42AEE12B-C357-3B15-5B19-9ED3A9518CFB}"/>
+              </a:ext>
+            </a:extLst>
+          </p:cNvPr>
+          <p:cNvPicPr>
+            <a:picLocks noChangeAspect="1"/>
+          </p:cNvPicPr>
+          <p:nvPr/>
+        </p:nvPicPr>
+        <p:blipFill>
+          <a:blip r:embed="rId2"/>
+          <a:stretch>
+            <a:fillRect/>
+          </a:stretch>
+        </p:blipFill>
+        <p:spPr>
+          <a:xfrm>
+            <a:off x="691405" y="2531975"/>
+            <a:ext cx="7506748" cy="3829584"/>
+          </a:xfrm>
+          <a:prstGeom prst="rect">
+            <a:avLst/>
+          </a:prstGeom>
+        </p:spPr>
+      </p:pic>
     </p:spTree>
     <p:extLst>
       <p:ext uri="{BB962C8B-B14F-4D97-AF65-F5344CB8AC3E}">
@@ -10973,7 +10717,7 @@
 </p:sld>
 </file>
 
-<file path=ppt/slides/slide12.xml><?xml version="1.0" encoding="utf-8"?>
+<file path=ppt/slides/slide11.xml><?xml version="1.0" encoding="utf-8"?>
 <p:sld xmlns:a="http://schemas.openxmlformats.org/drawingml/2006/main" xmlns:r="http://schemas.openxmlformats.org/officeDocument/2006/relationships" xmlns:p="http://schemas.openxmlformats.org/presentationml/2006/main">
   <p:cSld>
     <p:spTree>
@@ -10981,7 +10725,7 @@
         <p:cNvPr id="1" name="">
           <a:extLst>
             <a:ext uri="{FF2B5EF4-FFF2-40B4-BE49-F238E27FC236}">
-              <a16:creationId xmlns:a16="http://schemas.microsoft.com/office/drawing/2014/main" id="{F9605A24-FE88-1B37-6F21-A6AE688FD93A}"/>
+              <a16:creationId xmlns:a16="http://schemas.microsoft.com/office/drawing/2014/main" id="{82DD2893-5E0D-C71F-0370-004867D6DCC5}"/>
             </a:ext>
           </a:extLst>
         </p:cNvPr>
@@ -11001,7 +10745,7 @@
           <p:cNvPr id="2" name="Title 1">
             <a:extLst>
               <a:ext uri="{FF2B5EF4-FFF2-40B4-BE49-F238E27FC236}">
-                <a16:creationId xmlns:a16="http://schemas.microsoft.com/office/drawing/2014/main" id="{1473B395-B63F-4CB7-0692-A64546C69508}"/>
+                <a16:creationId xmlns:a16="http://schemas.microsoft.com/office/drawing/2014/main" id="{26F78524-CCB1-42E0-CD29-E77EDF106F71}"/>
               </a:ext>
             </a:extLst>
           </p:cNvPr>
@@ -11029,534 +10773,50 @@
           </a:p>
         </p:txBody>
       </p:sp>
-      <mc:AlternateContent xmlns:mc="http://schemas.openxmlformats.org/markup-compatibility/2006" xmlns:a14="http://schemas.microsoft.com/office/drawing/2010/main">
-        <mc:Choice Requires="a14">
-          <p:sp>
-            <p:nvSpPr>
-              <p:cNvPr id="6" name="Content Placeholder 5">
-                <a:extLst>
-                  <a:ext uri="{FF2B5EF4-FFF2-40B4-BE49-F238E27FC236}">
-                    <a16:creationId xmlns:a16="http://schemas.microsoft.com/office/drawing/2014/main" id="{A7219B4E-9803-A35C-5535-085CE995377D}"/>
-                  </a:ext>
-                </a:extLst>
-              </p:cNvPr>
-              <p:cNvSpPr>
-                <a:spLocks noGrp="1"/>
-              </p:cNvSpPr>
-              <p:nvPr>
-                <p:ph idx="1"/>
-              </p:nvPr>
-            </p:nvSpPr>
-            <p:spPr>
-              <a:xfrm>
-                <a:off x="372533" y="952466"/>
-                <a:ext cx="8387645" cy="5595089"/>
-              </a:xfrm>
-            </p:spPr>
-            <p:txBody>
-              <a:bodyPr/>
-              <a:lstStyle/>
-              <a:p>
-                <a:pPr marL="0" indent="0">
-                  <a:buNone/>
-                </a:pPr>
-                <a:r>
-                  <a:rPr lang="en-US" dirty="0"/>
-                  <a:t>What does the mass ratio show?</a:t>
-                </a:r>
-              </a:p>
-              <a:p>
-                <a:pPr marL="0" indent="0">
-                  <a:buNone/>
-                </a:pPr>
-                <a:r>
-                  <a:rPr lang="en-US" dirty="0"/>
-                  <a:t>For every 1 g of S, there are about 4.4 g Cu</a:t>
-                </a:r>
-              </a:p>
-              <a:p>
-                <a:pPr marL="0" indent="0">
-                  <a:buNone/>
-                </a:pPr>
-                <a:endParaRPr lang="en-US" sz="1200" dirty="0"/>
-              </a:p>
-              <a:p>
-                <a:pPr marL="0" indent="0">
-                  <a:buNone/>
-                </a:pPr>
-                <a:r>
-                  <a:rPr lang="en-US" dirty="0"/>
-                  <a:t>Look at the molar masses of S and Cu.</a:t>
-                </a:r>
-              </a:p>
-              <a:p>
-                <a:pPr marL="0" indent="0">
-                  <a:buNone/>
-                </a:pPr>
-                <a:endParaRPr lang="en-US" sz="1200" dirty="0"/>
-              </a:p>
-              <a:p>
-                <a:pPr marL="0" indent="0">
-                  <a:buNone/>
-                </a:pPr>
-                <a:r>
-                  <a:rPr lang="en-US" dirty="0"/>
-                  <a:t>If there are 32.065 g/mol S and 63.546 g/mol Cu, and there are 2 mol Cu and 1 mol S in Cu</a:t>
-                </a:r>
-                <a:r>
-                  <a:rPr lang="en-US" baseline="-25000" dirty="0"/>
-                  <a:t>2</a:t>
-                </a:r>
-                <a:r>
-                  <a:rPr lang="en-US" dirty="0"/>
-                  <a:t>S, then what is the theoretical mass ratio of S to Cu in Cu</a:t>
-                </a:r>
-                <a:r>
-                  <a:rPr lang="en-US" baseline="-25000" dirty="0"/>
-                  <a:t>2</a:t>
-                </a:r>
-                <a:r>
-                  <a:rPr lang="en-US" dirty="0"/>
-                  <a:t>S?</a:t>
-                </a:r>
-              </a:p>
-              <a:p>
-                <a:pPr marL="0" indent="0">
-                  <a:buNone/>
-                </a:pPr>
-                <a:endParaRPr lang="en-US" dirty="0"/>
-              </a:p>
-              <a:p>
-                <a:pPr marL="0" indent="0">
-                  <a:buNone/>
-                </a:pPr>
-                <a14:m>
-                  <m:oMathPara xmlns:m="http://schemas.openxmlformats.org/officeDocument/2006/math">
-                    <m:oMathParaPr>
-                      <m:jc m:val="centerGroup"/>
-                    </m:oMathParaPr>
-                    <m:oMath xmlns:m="http://schemas.openxmlformats.org/officeDocument/2006/math">
-                      <m:f>
-                        <m:fPr>
-                          <m:ctrlPr>
-                            <a:rPr lang="en-US" i="1" smtClean="0">
-                              <a:latin typeface="Cambria Math" panose="02040503050406030204" pitchFamily="18" charset="0"/>
-                            </a:rPr>
-                          </m:ctrlPr>
-                        </m:fPr>
-                        <m:num>
-                          <m:f>
-                            <m:fPr>
-                              <m:ctrlPr>
-                                <a:rPr lang="en-US" i="1" smtClean="0">
-                                  <a:latin typeface="Cambria Math" panose="02040503050406030204" pitchFamily="18" charset="0"/>
-                                </a:rPr>
-                              </m:ctrlPr>
-                            </m:fPr>
-                            <m:num>
-                              <m:r>
-                                <m:rPr>
-                                  <m:nor/>
-                                </m:rPr>
-                                <a:rPr lang="en-US" b="0" i="0" smtClean="0">
-                                  <a:latin typeface="Cambria Math" panose="02040503050406030204" pitchFamily="18" charset="0"/>
-                                </a:rPr>
-                                <m:t>63.546 </m:t>
-                              </m:r>
-                              <m:r>
-                                <m:rPr>
-                                  <m:nor/>
-                                </m:rPr>
-                                <a:rPr lang="en-US" b="0" i="0" smtClean="0">
-                                  <a:latin typeface="Cambria Math" panose="02040503050406030204" pitchFamily="18" charset="0"/>
-                                </a:rPr>
-                                <m:t>g</m:t>
-                              </m:r>
-                              <m:r>
-                                <m:rPr>
-                                  <m:nor/>
-                                </m:rPr>
-                                <a:rPr lang="en-US" b="0" i="0" smtClean="0">
-                                  <a:latin typeface="Cambria Math" panose="02040503050406030204" pitchFamily="18" charset="0"/>
-                                </a:rPr>
-                                <m:t> </m:t>
-                              </m:r>
-                              <m:r>
-                                <m:rPr>
-                                  <m:nor/>
-                                </m:rPr>
-                                <a:rPr lang="en-US" b="0" i="0" smtClean="0">
-                                  <a:latin typeface="Cambria Math" panose="02040503050406030204" pitchFamily="18" charset="0"/>
-                                </a:rPr>
-                                <m:t>Cu</m:t>
-                              </m:r>
-                            </m:num>
-                            <m:den>
-                              <m:r>
-                                <m:rPr>
-                                  <m:nor/>
-                                </m:rPr>
-                                <a:rPr lang="en-US" b="0" i="0" smtClean="0">
-                                  <a:latin typeface="Cambria Math" panose="02040503050406030204" pitchFamily="18" charset="0"/>
-                                </a:rPr>
-                                <m:t>mol</m:t>
-                              </m:r>
-                              <m:r>
-                                <m:rPr>
-                                  <m:nor/>
-                                </m:rPr>
-                                <a:rPr lang="en-US" b="0" i="0" smtClean="0">
-                                  <a:latin typeface="Cambria Math" panose="02040503050406030204" pitchFamily="18" charset="0"/>
-                                </a:rPr>
-                                <m:t> </m:t>
-                              </m:r>
-                              <m:r>
-                                <m:rPr>
-                                  <m:nor/>
-                                </m:rPr>
-                                <a:rPr lang="en-US" b="0" i="0" smtClean="0">
-                                  <a:latin typeface="Cambria Math" panose="02040503050406030204" pitchFamily="18" charset="0"/>
-                                </a:rPr>
-                                <m:t>Cu</m:t>
-                              </m:r>
-                            </m:den>
-                          </m:f>
-                          <m:r>
-                            <m:rPr>
-                              <m:nor/>
-                            </m:rPr>
-                            <a:rPr lang="en-US" i="0" smtClean="0">
-                              <a:latin typeface="Cambria Math" panose="02040503050406030204" pitchFamily="18" charset="0"/>
-                              <a:ea typeface="Cambria Math" panose="02040503050406030204" pitchFamily="18" charset="0"/>
-                            </a:rPr>
-                            <m:t>×</m:t>
-                          </m:r>
-                          <m:r>
-                            <m:rPr>
-                              <m:nor/>
-                            </m:rPr>
-                            <a:rPr lang="en-US" b="0" i="0" smtClean="0">
-                              <a:latin typeface="Cambria Math" panose="02040503050406030204" pitchFamily="18" charset="0"/>
-                              <a:ea typeface="Cambria Math" panose="02040503050406030204" pitchFamily="18" charset="0"/>
-                            </a:rPr>
-                            <m:t>2 </m:t>
-                          </m:r>
-                          <m:r>
-                            <m:rPr>
-                              <m:nor/>
-                            </m:rPr>
-                            <a:rPr lang="en-US" b="0" i="0" smtClean="0">
-                              <a:latin typeface="Cambria Math" panose="02040503050406030204" pitchFamily="18" charset="0"/>
-                              <a:ea typeface="Cambria Math" panose="02040503050406030204" pitchFamily="18" charset="0"/>
-                            </a:rPr>
-                            <m:t>mol</m:t>
-                          </m:r>
-                          <m:r>
-                            <m:rPr>
-                              <m:nor/>
-                            </m:rPr>
-                            <a:rPr lang="en-US" b="0" i="0" smtClean="0">
-                              <a:latin typeface="Cambria Math" panose="02040503050406030204" pitchFamily="18" charset="0"/>
-                              <a:ea typeface="Cambria Math" panose="02040503050406030204" pitchFamily="18" charset="0"/>
-                            </a:rPr>
-                            <m:t> </m:t>
-                          </m:r>
-                          <m:r>
-                            <m:rPr>
-                              <m:nor/>
-                            </m:rPr>
-                            <a:rPr lang="en-US" b="0" i="0" smtClean="0">
-                              <a:latin typeface="Cambria Math" panose="02040503050406030204" pitchFamily="18" charset="0"/>
-                              <a:ea typeface="Cambria Math" panose="02040503050406030204" pitchFamily="18" charset="0"/>
-                            </a:rPr>
-                            <m:t>Cu</m:t>
-                          </m:r>
-                        </m:num>
-                        <m:den>
-                          <m:f>
-                            <m:fPr>
-                              <m:ctrlPr>
-                                <a:rPr lang="en-US" i="1" smtClean="0">
-                                  <a:latin typeface="Cambria Math" panose="02040503050406030204" pitchFamily="18" charset="0"/>
-                                </a:rPr>
-                              </m:ctrlPr>
-                            </m:fPr>
-                            <m:num>
-                              <m:r>
-                                <m:rPr>
-                                  <m:nor/>
-                                </m:rPr>
-                                <a:rPr lang="en-US" i="0">
-                                  <a:latin typeface="Cambria Math" panose="02040503050406030204" pitchFamily="18" charset="0"/>
-                                </a:rPr>
-                                <m:t>32.065 </m:t>
-                              </m:r>
-                              <m:r>
-                                <m:rPr>
-                                  <m:nor/>
-                                </m:rPr>
-                                <a:rPr lang="en-US" i="0">
-                                  <a:latin typeface="Cambria Math" panose="02040503050406030204" pitchFamily="18" charset="0"/>
-                                </a:rPr>
-                                <m:t>g</m:t>
-                              </m:r>
-                              <m:r>
-                                <m:rPr>
-                                  <m:nor/>
-                                </m:rPr>
-                                <a:rPr lang="en-US" i="0">
-                                  <a:latin typeface="Cambria Math" panose="02040503050406030204" pitchFamily="18" charset="0"/>
-                                </a:rPr>
-                                <m:t> </m:t>
-                              </m:r>
-                              <m:r>
-                                <m:rPr>
-                                  <m:nor/>
-                                </m:rPr>
-                                <a:rPr lang="en-US" i="0">
-                                  <a:latin typeface="Cambria Math" panose="02040503050406030204" pitchFamily="18" charset="0"/>
-                                </a:rPr>
-                                <m:t>S</m:t>
-                              </m:r>
-                            </m:num>
-                            <m:den>
-                              <m:r>
-                                <m:rPr>
-                                  <m:nor/>
-                                </m:rPr>
-                                <a:rPr lang="en-US" b="0" i="0" smtClean="0">
-                                  <a:latin typeface="Cambria Math" panose="02040503050406030204" pitchFamily="18" charset="0"/>
-                                </a:rPr>
-                                <m:t>mol</m:t>
-                              </m:r>
-                              <m:r>
-                                <m:rPr>
-                                  <m:nor/>
-                                </m:rPr>
-                                <a:rPr lang="en-US" b="0" i="0" smtClean="0">
-                                  <a:latin typeface="Cambria Math" panose="02040503050406030204" pitchFamily="18" charset="0"/>
-                                </a:rPr>
-                                <m:t> </m:t>
-                              </m:r>
-                              <m:r>
-                                <m:rPr>
-                                  <m:nor/>
-                                </m:rPr>
-                                <a:rPr lang="en-US" b="0" i="0" smtClean="0">
-                                  <a:latin typeface="Cambria Math" panose="02040503050406030204" pitchFamily="18" charset="0"/>
-                                </a:rPr>
-                                <m:t>S</m:t>
-                              </m:r>
-                            </m:den>
-                          </m:f>
-                          <m:r>
-                            <m:rPr>
-                              <m:nor/>
-                            </m:rPr>
-                            <a:rPr lang="en-US" i="0" smtClean="0">
-                              <a:latin typeface="Cambria Math" panose="02040503050406030204" pitchFamily="18" charset="0"/>
-                              <a:ea typeface="Cambria Math" panose="02040503050406030204" pitchFamily="18" charset="0"/>
-                            </a:rPr>
-                            <m:t>×</m:t>
-                          </m:r>
-                          <m:r>
-                            <m:rPr>
-                              <m:nor/>
-                            </m:rPr>
-                            <a:rPr lang="en-US" b="0" i="0" smtClean="0">
-                              <a:latin typeface="Cambria Math" panose="02040503050406030204" pitchFamily="18" charset="0"/>
-                              <a:ea typeface="Cambria Math" panose="02040503050406030204" pitchFamily="18" charset="0"/>
-                            </a:rPr>
-                            <m:t>1 </m:t>
-                          </m:r>
-                          <m:r>
-                            <m:rPr>
-                              <m:nor/>
-                            </m:rPr>
-                            <a:rPr lang="en-US" b="0" i="0" smtClean="0">
-                              <a:latin typeface="Cambria Math" panose="02040503050406030204" pitchFamily="18" charset="0"/>
-                              <a:ea typeface="Cambria Math" panose="02040503050406030204" pitchFamily="18" charset="0"/>
-                            </a:rPr>
-                            <m:t>mol</m:t>
-                          </m:r>
-                          <m:r>
-                            <m:rPr>
-                              <m:nor/>
-                            </m:rPr>
-                            <a:rPr lang="en-US" b="0" i="0" smtClean="0">
-                              <a:latin typeface="Cambria Math" panose="02040503050406030204" pitchFamily="18" charset="0"/>
-                              <a:ea typeface="Cambria Math" panose="02040503050406030204" pitchFamily="18" charset="0"/>
-                            </a:rPr>
-                            <m:t> </m:t>
-                          </m:r>
-                          <m:r>
-                            <m:rPr>
-                              <m:nor/>
-                            </m:rPr>
-                            <a:rPr lang="en-US" b="0" i="0" smtClean="0">
-                              <a:latin typeface="Cambria Math" panose="02040503050406030204" pitchFamily="18" charset="0"/>
-                              <a:ea typeface="Cambria Math" panose="02040503050406030204" pitchFamily="18" charset="0"/>
-                            </a:rPr>
-                            <m:t>S</m:t>
-                          </m:r>
-                        </m:den>
-                      </m:f>
-                      <m:r>
-                        <a:rPr lang="en-US" b="0" i="1" smtClean="0">
-                          <a:latin typeface="Cambria Math" panose="02040503050406030204" pitchFamily="18" charset="0"/>
-                        </a:rPr>
-                        <m:t>=</m:t>
-                      </m:r>
-                      <m:f>
-                        <m:fPr>
-                          <m:ctrlPr>
-                            <a:rPr lang="en-US" b="0" i="1" smtClean="0">
-                              <a:latin typeface="Cambria Math" panose="02040503050406030204" pitchFamily="18" charset="0"/>
-                            </a:rPr>
-                          </m:ctrlPr>
-                        </m:fPr>
-                        <m:num>
-                          <m:r>
-                            <m:rPr>
-                              <m:nor/>
-                            </m:rPr>
-                            <a:rPr lang="en-US" i="0">
-                              <a:latin typeface="Cambria Math" panose="02040503050406030204" pitchFamily="18" charset="0"/>
-                            </a:rPr>
-                            <m:t>3.9636 </m:t>
-                          </m:r>
-                          <m:r>
-                            <m:rPr>
-                              <m:nor/>
-                            </m:rPr>
-                            <a:rPr lang="en-US" i="0">
-                              <a:latin typeface="Cambria Math" panose="02040503050406030204" pitchFamily="18" charset="0"/>
-                            </a:rPr>
-                            <m:t>g</m:t>
-                          </m:r>
-                          <m:r>
-                            <m:rPr>
-                              <m:nor/>
-                            </m:rPr>
-                            <a:rPr lang="en-US" i="0">
-                              <a:latin typeface="Cambria Math" panose="02040503050406030204" pitchFamily="18" charset="0"/>
-                            </a:rPr>
-                            <m:t> </m:t>
-                          </m:r>
-                          <m:r>
-                            <m:rPr>
-                              <m:nor/>
-                            </m:rPr>
-                            <a:rPr lang="en-US" i="0">
-                              <a:latin typeface="Cambria Math" panose="02040503050406030204" pitchFamily="18" charset="0"/>
-                            </a:rPr>
-                            <m:t>Cu</m:t>
-                          </m:r>
-                        </m:num>
-                        <m:den>
-                          <m:r>
-                            <m:rPr>
-                              <m:nor/>
-                            </m:rPr>
-                            <a:rPr lang="en-US" b="0" i="0" smtClean="0">
-                              <a:latin typeface="Cambria Math" panose="02040503050406030204" pitchFamily="18" charset="0"/>
-                            </a:rPr>
-                            <m:t>1 </m:t>
-                          </m:r>
-                          <m:r>
-                            <m:rPr>
-                              <m:nor/>
-                            </m:rPr>
-                            <a:rPr lang="en-US" b="0" i="0" smtClean="0">
-                              <a:latin typeface="Cambria Math" panose="02040503050406030204" pitchFamily="18" charset="0"/>
-                            </a:rPr>
-                            <m:t>g</m:t>
-                          </m:r>
-                          <m:r>
-                            <m:rPr>
-                              <m:nor/>
-                            </m:rPr>
-                            <a:rPr lang="en-US" b="0" i="0" smtClean="0">
-                              <a:latin typeface="Cambria Math" panose="02040503050406030204" pitchFamily="18" charset="0"/>
-                            </a:rPr>
-                            <m:t> </m:t>
-                          </m:r>
-                          <m:r>
-                            <m:rPr>
-                              <m:nor/>
-                            </m:rPr>
-                            <a:rPr lang="en-US" b="0" i="0" smtClean="0">
-                              <a:latin typeface="Cambria Math" panose="02040503050406030204" pitchFamily="18" charset="0"/>
-                            </a:rPr>
-                            <m:t>S</m:t>
-                          </m:r>
-                        </m:den>
-                      </m:f>
-                    </m:oMath>
-                  </m:oMathPara>
-                </a14:m>
-                <a:endParaRPr lang="en-US" dirty="0"/>
-              </a:p>
-              <a:p>
-                <a:pPr marL="0" indent="0">
-                  <a:buNone/>
-                </a:pPr>
-                <a:r>
-                  <a:rPr lang="en-US" dirty="0"/>
-                  <a:t>4.4 g Cu/g S seems close to 4.0 g Cu/g S. How close can you get?</a:t>
-                </a:r>
-              </a:p>
-            </p:txBody>
-          </p:sp>
-        </mc:Choice>
-        <mc:Fallback xmlns="">
-          <p:sp>
-            <p:nvSpPr>
-              <p:cNvPr id="6" name="Content Placeholder 5">
-                <a:extLst>
-                  <a:ext uri="{FF2B5EF4-FFF2-40B4-BE49-F238E27FC236}">
-                    <a16:creationId xmlns:a16="http://schemas.microsoft.com/office/drawing/2014/main" id="{A7219B4E-9803-A35C-5535-085CE995377D}"/>
-                  </a:ext>
-                </a:extLst>
-              </p:cNvPr>
-              <p:cNvSpPr>
-                <a:spLocks noGrp="1" noRot="1" noChangeAspect="1" noMove="1" noResize="1" noEditPoints="1" noAdjustHandles="1" noChangeArrowheads="1" noChangeShapeType="1" noTextEdit="1"/>
-              </p:cNvSpPr>
-              <p:nvPr>
-                <p:ph idx="1"/>
-              </p:nvPr>
-            </p:nvSpPr>
-            <p:spPr>
-              <a:xfrm>
-                <a:off x="372533" y="952466"/>
-                <a:ext cx="8387645" cy="5595089"/>
-              </a:xfrm>
-              <a:blipFill>
-                <a:blip r:embed="rId2"/>
-                <a:stretch>
-                  <a:fillRect l="-1090" t="-871" r="-1817"/>
-                </a:stretch>
-              </a:blipFill>
-            </p:spPr>
-            <p:txBody>
-              <a:bodyPr/>
-              <a:lstStyle/>
-              <a:p>
-                <a:r>
-                  <a:rPr lang="en-US">
-                    <a:noFill/>
-                  </a:rPr>
-                  <a:t> </a:t>
-                </a:r>
-              </a:p>
-            </p:txBody>
-          </p:sp>
-        </mc:Fallback>
-      </mc:AlternateContent>
+      <p:pic>
+        <p:nvPicPr>
+          <p:cNvPr id="4" name="Content Placeholder 3">
+            <a:extLst>
+              <a:ext uri="{FF2B5EF4-FFF2-40B4-BE49-F238E27FC236}">
+                <a16:creationId xmlns:a16="http://schemas.microsoft.com/office/drawing/2014/main" id="{7BD0078A-E5FE-45F2-B771-A86FCDF7C9E3}"/>
+              </a:ext>
+            </a:extLst>
+          </p:cNvPr>
+          <p:cNvPicPr>
+            <a:picLocks noGrp="1" noChangeAspect="1"/>
+          </p:cNvPicPr>
+          <p:nvPr>
+            <p:ph idx="1"/>
+          </p:nvPr>
+        </p:nvPicPr>
+        <p:blipFill>
+          <a:blip r:embed="rId2"/>
+          <a:stretch>
+            <a:fillRect/>
+          </a:stretch>
+        </p:blipFill>
+        <p:spPr bwMode="auto">
+          <a:xfrm>
+            <a:off x="580121" y="1284109"/>
+            <a:ext cx="7983758" cy="4785010"/>
+          </a:xfrm>
+          <a:prstGeom prst="rect">
+            <a:avLst/>
+          </a:prstGeom>
+          <a:noFill/>
+          <a:ln w="9525">
+            <a:noFill/>
+            <a:miter lim="800000"/>
+            <a:headEnd/>
+            <a:tailEnd/>
+          </a:ln>
+          <a:effectLst/>
+        </p:spPr>
+      </p:pic>
     </p:spTree>
     <p:extLst>
       <p:ext uri="{BB962C8B-B14F-4D97-AF65-F5344CB8AC3E}">
-        <p14:creationId xmlns:p14="http://schemas.microsoft.com/office/powerpoint/2010/main" val="830215486"/>
+        <p14:creationId xmlns:p14="http://schemas.microsoft.com/office/powerpoint/2010/main" val="1455730710"/>
       </p:ext>
     </p:extLst>
   </p:cSld>
@@ -11566,12 +10826,18 @@
 </p:sld>
 </file>
 
-<file path=ppt/slides/slide13.xml><?xml version="1.0" encoding="utf-8"?>
+<file path=ppt/slides/slide12.xml><?xml version="1.0" encoding="utf-8"?>
 <p:sld xmlns:a="http://schemas.openxmlformats.org/drawingml/2006/main" xmlns:r="http://schemas.openxmlformats.org/officeDocument/2006/relationships" xmlns:p="http://schemas.openxmlformats.org/presentationml/2006/main">
   <p:cSld>
     <p:spTree>
       <p:nvGrpSpPr>
-        <p:cNvPr id="1" name=""/>
+        <p:cNvPr id="1" name="">
+          <a:extLst>
+            <a:ext uri="{FF2B5EF4-FFF2-40B4-BE49-F238E27FC236}">
+              <a16:creationId xmlns:a16="http://schemas.microsoft.com/office/drawing/2014/main" id="{8B9D47C4-8E65-6B17-B3DF-2672A39E96FF}"/>
+            </a:ext>
+          </a:extLst>
+        </p:cNvPr>
         <p:cNvGrpSpPr/>
         <p:nvPr/>
       </p:nvGrpSpPr>
@@ -11588,7 +10854,7 @@
           <p:cNvPr id="2" name="Title 1">
             <a:extLst>
               <a:ext uri="{FF2B5EF4-FFF2-40B4-BE49-F238E27FC236}">
-                <a16:creationId xmlns:a16="http://schemas.microsoft.com/office/drawing/2014/main" id="{4E7C79B0-B384-1533-BACA-0EA95D4089F9}"/>
+                <a16:creationId xmlns:a16="http://schemas.microsoft.com/office/drawing/2014/main" id="{954DD93C-093F-A00C-F816-0C24EA71B8DF}"/>
               </a:ext>
             </a:extLst>
           </p:cNvPr>
@@ -11599,24 +10865,29 @@
             <p:ph type="title"/>
           </p:nvPr>
         </p:nvSpPr>
-        <p:spPr/>
+        <p:spPr>
+          <a:xfrm>
+            <a:off x="338666" y="183025"/>
+            <a:ext cx="8421512" cy="769441"/>
+          </a:xfrm>
+        </p:spPr>
         <p:txBody>
           <a:bodyPr/>
           <a:lstStyle/>
           <a:p>
             <a:r>
-              <a:rPr lang="en-US" dirty="0"/>
-              <a:t>Clean Up</a:t>
+              <a:rPr lang="en-US" sz="4400" dirty="0"/>
+              <a:t>Example Data Analysis</a:t>
             </a:r>
           </a:p>
         </p:txBody>
       </p:sp>
       <p:sp>
         <p:nvSpPr>
-          <p:cNvPr id="3" name="Content Placeholder 2">
+          <p:cNvPr id="5" name="Content Placeholder 4">
             <a:extLst>
               <a:ext uri="{FF2B5EF4-FFF2-40B4-BE49-F238E27FC236}">
-                <a16:creationId xmlns:a16="http://schemas.microsoft.com/office/drawing/2014/main" id="{F122473B-F6C9-7A59-3DAB-7CBF32F68EB5}"/>
+                <a16:creationId xmlns:a16="http://schemas.microsoft.com/office/drawing/2014/main" id="{2316747C-FBBC-7C04-D833-4DCBBC8799C2}"/>
               </a:ext>
             </a:extLst>
           </p:cNvPr>
@@ -11632,35 +10903,416 @@
           <a:bodyPr/>
           <a:lstStyle/>
           <a:p>
-            <a:r>
-              <a:rPr lang="en-US" dirty="0"/>
-              <a:t>The copper sulfide product goes into solids waste container</a:t>
-            </a:r>
-          </a:p>
-          <a:p>
-            <a:r>
-              <a:rPr lang="en-US" dirty="0"/>
-              <a:t>WITHOUT AT ALL GETTING CRUCIBLE WET WITH ANY WATER, wipe crucible with dry paper towel</a:t>
-            </a:r>
-          </a:p>
-          <a:p>
-            <a:r>
-              <a:rPr lang="en-US" dirty="0"/>
-              <a:t>Use soapy water to clean the watch glass</a:t>
-            </a:r>
-          </a:p>
-          <a:p>
-            <a:r>
-              <a:rPr lang="en-US" dirty="0"/>
-              <a:t>Place all other items in appropriate locations</a:t>
-            </a:r>
+            <a:endParaRPr lang="en-US"/>
           </a:p>
         </p:txBody>
       </p:sp>
+      <p:pic>
+        <p:nvPicPr>
+          <p:cNvPr id="9" name="Picture 8">
+            <a:extLst>
+              <a:ext uri="{FF2B5EF4-FFF2-40B4-BE49-F238E27FC236}">
+                <a16:creationId xmlns:a16="http://schemas.microsoft.com/office/drawing/2014/main" id="{B738AC04-E570-32AE-3823-4CB7DA9EC74F}"/>
+              </a:ext>
+            </a:extLst>
+          </p:cNvPr>
+          <p:cNvPicPr>
+            <a:picLocks noChangeAspect="1"/>
+          </p:cNvPicPr>
+          <p:nvPr/>
+        </p:nvPicPr>
+        <p:blipFill>
+          <a:blip r:embed="rId2"/>
+          <a:stretch>
+            <a:fillRect/>
+          </a:stretch>
+        </p:blipFill>
+        <p:spPr>
+          <a:xfrm>
+            <a:off x="940705" y="1155463"/>
+            <a:ext cx="7251299" cy="5568717"/>
+          </a:xfrm>
+          <a:prstGeom prst="rect">
+            <a:avLst/>
+          </a:prstGeom>
+        </p:spPr>
+      </p:pic>
     </p:spTree>
     <p:extLst>
       <p:ext uri="{BB962C8B-B14F-4D97-AF65-F5344CB8AC3E}">
-        <p14:creationId xmlns:p14="http://schemas.microsoft.com/office/powerpoint/2010/main" val="3469914632"/>
+        <p14:creationId xmlns:p14="http://schemas.microsoft.com/office/powerpoint/2010/main" val="350806670"/>
+      </p:ext>
+    </p:extLst>
+  </p:cSld>
+  <p:clrMapOvr>
+    <a:masterClrMapping/>
+  </p:clrMapOvr>
+</p:sld>
+</file>
+
+<file path=ppt/slides/slide13.xml><?xml version="1.0" encoding="utf-8"?>
+<p:sld xmlns:a="http://schemas.openxmlformats.org/drawingml/2006/main" xmlns:r="http://schemas.openxmlformats.org/officeDocument/2006/relationships" xmlns:p="http://schemas.openxmlformats.org/presentationml/2006/main">
+  <p:cSld>
+    <p:spTree>
+      <p:nvGrpSpPr>
+        <p:cNvPr id="1" name="">
+          <a:extLst>
+            <a:ext uri="{FF2B5EF4-FFF2-40B4-BE49-F238E27FC236}">
+              <a16:creationId xmlns:a16="http://schemas.microsoft.com/office/drawing/2014/main" id="{68914AE3-3BF4-1F97-5C05-11CB421F8FB2}"/>
+            </a:ext>
+          </a:extLst>
+        </p:cNvPr>
+        <p:cNvGrpSpPr/>
+        <p:nvPr/>
+      </p:nvGrpSpPr>
+      <p:grpSpPr>
+        <a:xfrm>
+          <a:off x="0" y="0"/>
+          <a:ext cx="0" cy="0"/>
+          <a:chOff x="0" y="0"/>
+          <a:chExt cx="0" cy="0"/>
+        </a:xfrm>
+      </p:grpSpPr>
+      <p:sp>
+        <p:nvSpPr>
+          <p:cNvPr id="2" name="Title 1">
+            <a:extLst>
+              <a:ext uri="{FF2B5EF4-FFF2-40B4-BE49-F238E27FC236}">
+                <a16:creationId xmlns:a16="http://schemas.microsoft.com/office/drawing/2014/main" id="{AC4786DF-B782-C3E5-0E6C-2677E9ABAC09}"/>
+              </a:ext>
+            </a:extLst>
+          </p:cNvPr>
+          <p:cNvSpPr>
+            <a:spLocks noGrp="1"/>
+          </p:cNvSpPr>
+          <p:nvPr>
+            <p:ph type="title"/>
+          </p:nvPr>
+        </p:nvSpPr>
+        <p:spPr>
+          <a:xfrm>
+            <a:off x="338666" y="183025"/>
+            <a:ext cx="8421512" cy="769441"/>
+          </a:xfrm>
+        </p:spPr>
+        <p:txBody>
+          <a:bodyPr/>
+          <a:lstStyle/>
+          <a:p>
+            <a:r>
+              <a:rPr lang="en-US" sz="4400" dirty="0"/>
+              <a:t>Example Data Analysis</a:t>
+            </a:r>
+          </a:p>
+        </p:txBody>
+      </p:sp>
+      <p:sp>
+        <p:nvSpPr>
+          <p:cNvPr id="5" name="Content Placeholder 4">
+            <a:extLst>
+              <a:ext uri="{FF2B5EF4-FFF2-40B4-BE49-F238E27FC236}">
+                <a16:creationId xmlns:a16="http://schemas.microsoft.com/office/drawing/2014/main" id="{8C50CE22-D672-E5F5-E832-F7249EC6B463}"/>
+              </a:ext>
+            </a:extLst>
+          </p:cNvPr>
+          <p:cNvSpPr>
+            <a:spLocks noGrp="1"/>
+          </p:cNvSpPr>
+          <p:nvPr>
+            <p:ph idx="1"/>
+          </p:nvPr>
+        </p:nvSpPr>
+        <p:spPr/>
+        <p:txBody>
+          <a:bodyPr/>
+          <a:lstStyle/>
+          <a:p>
+            <a:endParaRPr lang="en-US"/>
+          </a:p>
+        </p:txBody>
+      </p:sp>
+      <p:pic>
+        <p:nvPicPr>
+          <p:cNvPr id="4" name="Picture 3">
+            <a:extLst>
+              <a:ext uri="{FF2B5EF4-FFF2-40B4-BE49-F238E27FC236}">
+                <a16:creationId xmlns:a16="http://schemas.microsoft.com/office/drawing/2014/main" id="{7447C9A5-4122-301F-4D99-162ABE2A5B31}"/>
+              </a:ext>
+            </a:extLst>
+          </p:cNvPr>
+          <p:cNvPicPr>
+            <a:picLocks noChangeAspect="1"/>
+          </p:cNvPicPr>
+          <p:nvPr/>
+        </p:nvPicPr>
+        <p:blipFill>
+          <a:blip r:embed="rId2"/>
+          <a:stretch>
+            <a:fillRect/>
+          </a:stretch>
+        </p:blipFill>
+        <p:spPr>
+          <a:xfrm>
+            <a:off x="806823" y="1104861"/>
+            <a:ext cx="7810052" cy="5570114"/>
+          </a:xfrm>
+          <a:prstGeom prst="rect">
+            <a:avLst/>
+          </a:prstGeom>
+        </p:spPr>
+      </p:pic>
+    </p:spTree>
+    <p:extLst>
+      <p:ext uri="{BB962C8B-B14F-4D97-AF65-F5344CB8AC3E}">
+        <p14:creationId xmlns:p14="http://schemas.microsoft.com/office/powerpoint/2010/main" val="3803922405"/>
+      </p:ext>
+    </p:extLst>
+  </p:cSld>
+  <p:clrMapOvr>
+    <a:masterClrMapping/>
+  </p:clrMapOvr>
+</p:sld>
+</file>
+
+<file path=ppt/slides/slide14.xml><?xml version="1.0" encoding="utf-8"?>
+<p:sld xmlns:a="http://schemas.openxmlformats.org/drawingml/2006/main" xmlns:r="http://schemas.openxmlformats.org/officeDocument/2006/relationships" xmlns:p="http://schemas.openxmlformats.org/presentationml/2006/main">
+  <p:cSld>
+    <p:spTree>
+      <p:nvGrpSpPr>
+        <p:cNvPr id="1" name="">
+          <a:extLst>
+            <a:ext uri="{FF2B5EF4-FFF2-40B4-BE49-F238E27FC236}">
+              <a16:creationId xmlns:a16="http://schemas.microsoft.com/office/drawing/2014/main" id="{1C602B87-FF32-14BE-4A45-9C49F9EE7E66}"/>
+            </a:ext>
+          </a:extLst>
+        </p:cNvPr>
+        <p:cNvGrpSpPr/>
+        <p:nvPr/>
+      </p:nvGrpSpPr>
+      <p:grpSpPr>
+        <a:xfrm>
+          <a:off x="0" y="0"/>
+          <a:ext cx="0" cy="0"/>
+          <a:chOff x="0" y="0"/>
+          <a:chExt cx="0" cy="0"/>
+        </a:xfrm>
+      </p:grpSpPr>
+      <p:sp>
+        <p:nvSpPr>
+          <p:cNvPr id="2" name="Title 1">
+            <a:extLst>
+              <a:ext uri="{FF2B5EF4-FFF2-40B4-BE49-F238E27FC236}">
+                <a16:creationId xmlns:a16="http://schemas.microsoft.com/office/drawing/2014/main" id="{C85F23E0-C43C-66DB-F3D1-F7F55620AFAF}"/>
+              </a:ext>
+            </a:extLst>
+          </p:cNvPr>
+          <p:cNvSpPr>
+            <a:spLocks noGrp="1"/>
+          </p:cNvSpPr>
+          <p:nvPr>
+            <p:ph type="title"/>
+          </p:nvPr>
+        </p:nvSpPr>
+        <p:spPr>
+          <a:xfrm>
+            <a:off x="338666" y="183025"/>
+            <a:ext cx="8421512" cy="769441"/>
+          </a:xfrm>
+        </p:spPr>
+        <p:txBody>
+          <a:bodyPr/>
+          <a:lstStyle/>
+          <a:p>
+            <a:r>
+              <a:rPr lang="en-US" sz="4400" dirty="0"/>
+              <a:t>Example Data Analysis</a:t>
+            </a:r>
+          </a:p>
+        </p:txBody>
+      </p:sp>
+      <p:sp>
+        <p:nvSpPr>
+          <p:cNvPr id="5" name="Content Placeholder 4">
+            <a:extLst>
+              <a:ext uri="{FF2B5EF4-FFF2-40B4-BE49-F238E27FC236}">
+                <a16:creationId xmlns:a16="http://schemas.microsoft.com/office/drawing/2014/main" id="{514828F9-75AC-3B07-415C-4E3ECCA81ACA}"/>
+              </a:ext>
+            </a:extLst>
+          </p:cNvPr>
+          <p:cNvSpPr>
+            <a:spLocks noGrp="1"/>
+          </p:cNvSpPr>
+          <p:nvPr>
+            <p:ph idx="1"/>
+          </p:nvPr>
+        </p:nvSpPr>
+        <p:spPr/>
+        <p:txBody>
+          <a:bodyPr/>
+          <a:lstStyle/>
+          <a:p>
+            <a:endParaRPr lang="en-US"/>
+          </a:p>
+        </p:txBody>
+      </p:sp>
+      <p:pic>
+        <p:nvPicPr>
+          <p:cNvPr id="6" name="Picture 5">
+            <a:extLst>
+              <a:ext uri="{FF2B5EF4-FFF2-40B4-BE49-F238E27FC236}">
+                <a16:creationId xmlns:a16="http://schemas.microsoft.com/office/drawing/2014/main" id="{F83E77BA-B00C-9679-875B-56DD392622C0}"/>
+              </a:ext>
+            </a:extLst>
+          </p:cNvPr>
+          <p:cNvPicPr>
+            <a:picLocks noChangeAspect="1"/>
+          </p:cNvPicPr>
+          <p:nvPr/>
+        </p:nvPicPr>
+        <p:blipFill>
+          <a:blip r:embed="rId2"/>
+          <a:stretch>
+            <a:fillRect/>
+          </a:stretch>
+        </p:blipFill>
+        <p:spPr>
+          <a:xfrm>
+            <a:off x="1011218" y="1194394"/>
+            <a:ext cx="6883574" cy="5353161"/>
+          </a:xfrm>
+          <a:prstGeom prst="rect">
+            <a:avLst/>
+          </a:prstGeom>
+        </p:spPr>
+      </p:pic>
+    </p:spTree>
+    <p:extLst>
+      <p:ext uri="{BB962C8B-B14F-4D97-AF65-F5344CB8AC3E}">
+        <p14:creationId xmlns:p14="http://schemas.microsoft.com/office/powerpoint/2010/main" val="2941610372"/>
+      </p:ext>
+    </p:extLst>
+  </p:cSld>
+  <p:clrMapOvr>
+    <a:masterClrMapping/>
+  </p:clrMapOvr>
+</p:sld>
+</file>
+
+<file path=ppt/slides/slide15.xml><?xml version="1.0" encoding="utf-8"?>
+<p:sld xmlns:a="http://schemas.openxmlformats.org/drawingml/2006/main" xmlns:r="http://schemas.openxmlformats.org/officeDocument/2006/relationships" xmlns:p="http://schemas.openxmlformats.org/presentationml/2006/main">
+  <p:cSld>
+    <p:spTree>
+      <p:nvGrpSpPr>
+        <p:cNvPr id="1" name="">
+          <a:extLst>
+            <a:ext uri="{FF2B5EF4-FFF2-40B4-BE49-F238E27FC236}">
+              <a16:creationId xmlns:a16="http://schemas.microsoft.com/office/drawing/2014/main" id="{9B912A9D-ACD3-0110-1C9F-15681429B160}"/>
+            </a:ext>
+          </a:extLst>
+        </p:cNvPr>
+        <p:cNvGrpSpPr/>
+        <p:nvPr/>
+      </p:nvGrpSpPr>
+      <p:grpSpPr>
+        <a:xfrm>
+          <a:off x="0" y="0"/>
+          <a:ext cx="0" cy="0"/>
+          <a:chOff x="0" y="0"/>
+          <a:chExt cx="0" cy="0"/>
+        </a:xfrm>
+      </p:grpSpPr>
+      <p:sp>
+        <p:nvSpPr>
+          <p:cNvPr id="2" name="Title 1">
+            <a:extLst>
+              <a:ext uri="{FF2B5EF4-FFF2-40B4-BE49-F238E27FC236}">
+                <a16:creationId xmlns:a16="http://schemas.microsoft.com/office/drawing/2014/main" id="{F2B8E746-75BE-A547-1D34-5A2673065D90}"/>
+              </a:ext>
+            </a:extLst>
+          </p:cNvPr>
+          <p:cNvSpPr>
+            <a:spLocks noGrp="1"/>
+          </p:cNvSpPr>
+          <p:nvPr>
+            <p:ph type="title"/>
+          </p:nvPr>
+        </p:nvSpPr>
+        <p:spPr>
+          <a:xfrm>
+            <a:off x="338666" y="183025"/>
+            <a:ext cx="8421512" cy="769441"/>
+          </a:xfrm>
+        </p:spPr>
+        <p:txBody>
+          <a:bodyPr/>
+          <a:lstStyle/>
+          <a:p>
+            <a:r>
+              <a:rPr lang="en-US" sz="4400" dirty="0"/>
+              <a:t>Example Data Analysis</a:t>
+            </a:r>
+          </a:p>
+        </p:txBody>
+      </p:sp>
+      <p:sp>
+        <p:nvSpPr>
+          <p:cNvPr id="5" name="Content Placeholder 4">
+            <a:extLst>
+              <a:ext uri="{FF2B5EF4-FFF2-40B4-BE49-F238E27FC236}">
+                <a16:creationId xmlns:a16="http://schemas.microsoft.com/office/drawing/2014/main" id="{701CC136-6A36-BDEE-B626-4C2BA808D8EC}"/>
+              </a:ext>
+            </a:extLst>
+          </p:cNvPr>
+          <p:cNvSpPr>
+            <a:spLocks noGrp="1"/>
+          </p:cNvSpPr>
+          <p:nvPr>
+            <p:ph idx="1"/>
+          </p:nvPr>
+        </p:nvSpPr>
+        <p:spPr/>
+        <p:txBody>
+          <a:bodyPr/>
+          <a:lstStyle/>
+          <a:p>
+            <a:endParaRPr lang="en-US"/>
+          </a:p>
+        </p:txBody>
+      </p:sp>
+      <p:pic>
+        <p:nvPicPr>
+          <p:cNvPr id="4" name="Picture 3">
+            <a:extLst>
+              <a:ext uri="{FF2B5EF4-FFF2-40B4-BE49-F238E27FC236}">
+                <a16:creationId xmlns:a16="http://schemas.microsoft.com/office/drawing/2014/main" id="{E69D2BA6-50D0-3AAA-CD99-5A358327D365}"/>
+              </a:ext>
+            </a:extLst>
+          </p:cNvPr>
+          <p:cNvPicPr>
+            <a:picLocks noChangeAspect="1"/>
+          </p:cNvPicPr>
+          <p:nvPr/>
+        </p:nvPicPr>
+        <p:blipFill>
+          <a:blip r:embed="rId2"/>
+          <a:stretch>
+            <a:fillRect/>
+          </a:stretch>
+        </p:blipFill>
+        <p:spPr>
+          <a:xfrm>
+            <a:off x="228600" y="1172534"/>
+            <a:ext cx="8648700" cy="5163078"/>
+          </a:xfrm>
+          <a:prstGeom prst="rect">
+            <a:avLst/>
+          </a:prstGeom>
+        </p:spPr>
+      </p:pic>
+    </p:spTree>
+    <p:extLst>
+      <p:ext uri="{BB962C8B-B14F-4D97-AF65-F5344CB8AC3E}">
+        <p14:creationId xmlns:p14="http://schemas.microsoft.com/office/powerpoint/2010/main" val="2626682513"/>
       </p:ext>
     </p:extLst>
   </p:cSld>
@@ -11746,81 +11398,70 @@
           <a:bodyPr/>
           <a:lstStyle/>
           <a:p>
-            <a:pPr marL="0" indent="0">
-              <a:buNone/>
-            </a:pPr>
             <a:r>
               <a:rPr lang="en-US" dirty="0"/>
-              <a:t>Observe</a:t>
-            </a:r>
-          </a:p>
-          <a:p>
+              <a:t>Making </a:t>
+            </a:r>
+            <a:r>
+              <a:rPr lang="en-US" dirty="0">
+                <a:solidFill>
+                  <a:schemeClr val="accent1">
+                    <a:lumMod val="60000"/>
+                    <a:lumOff val="40000"/>
+                  </a:schemeClr>
+                </a:solidFill>
+              </a:rPr>
+              <a:t>concentrated</a:t>
+            </a:r>
             <a:r>
               <a:rPr lang="en-US" dirty="0"/>
-              <a:t>physical properties of PURE elements: copper wire and solid sulfur</a:t>
-            </a:r>
-          </a:p>
-          <a:p>
-            <a:pPr marL="236538" lvl="1" indent="0">
-              <a:buNone/>
-            </a:pPr>
-            <a:r>
-              <a:rPr lang="en-US" sz="2400" i="1" dirty="0">
+              <a:t> (“stock”) </a:t>
+            </a:r>
+            <a:r>
+              <a:rPr lang="en-US" b="1" dirty="0">
                 <a:solidFill>
-                  <a:srgbClr val="CC99FF"/>
+                  <a:srgbClr val="00FF00"/>
                 </a:solidFill>
-                <a:latin typeface="Times New Roman" panose="02020603050405020304" pitchFamily="18" charset="0"/>
-                <a:cs typeface="Times New Roman" panose="02020603050405020304" pitchFamily="18" charset="0"/>
               </a:rPr>
-              <a:t>What are the symbols? What is the proposed chemical reaction?</a:t>
-            </a:r>
-          </a:p>
-          <a:p>
-            <a:pPr marL="342900" indent="-342900"/>
+              <a:t>solutions</a:t>
+            </a:r>
             <a:r>
               <a:rPr lang="en-US" dirty="0"/>
-              <a:t>physical properties of compound formed from a chemical reaction of these elements</a:t>
-            </a:r>
-            <a:endParaRPr lang="en-US" sz="2000" i="1" dirty="0">
-              <a:solidFill>
-                <a:srgbClr val="CC99FF"/>
-              </a:solidFill>
-              <a:latin typeface="Times New Roman" panose="02020603050405020304" pitchFamily="18" charset="0"/>
-              <a:cs typeface="Times New Roman" panose="02020603050405020304" pitchFamily="18" charset="0"/>
-            </a:endParaRPr>
+              <a:t> and then diluting them to make </a:t>
+            </a:r>
+            <a:r>
+              <a:rPr lang="en-US" dirty="0">
+                <a:solidFill>
+                  <a:srgbClr val="FFFF00"/>
+                </a:solidFill>
+              </a:rPr>
+              <a:t>less</a:t>
+            </a:r>
+            <a:r>
+              <a:rPr lang="en-US" dirty="0"/>
+              <a:t> concentrated solutions—</a:t>
+            </a:r>
+            <a:r>
+              <a:rPr lang="en-US" b="1" dirty="0">
+                <a:solidFill>
+                  <a:srgbClr val="00FF00"/>
+                </a:solidFill>
+              </a:rPr>
+              <a:t>dilutions</a:t>
+            </a:r>
+            <a:r>
+              <a:rPr lang="en-US" dirty="0"/>
+              <a:t>—is one of the most common and important things done in the chemistry laboratory</a:t>
+            </a:r>
+          </a:p>
+          <a:p>
+            <a:r>
+              <a:rPr lang="en-US" dirty="0"/>
+              <a:t>Being able to make calculations related to preparing solutions and making dilutions of the solutions is the most important thing</a:t>
+            </a:r>
           </a:p>
         </p:txBody>
       </p:sp>
-      <p:pic>
-        <p:nvPicPr>
-          <p:cNvPr id="7" name="Picture 6">
-            <a:extLst>
-              <a:ext uri="{FF2B5EF4-FFF2-40B4-BE49-F238E27FC236}">
-                <a16:creationId xmlns:a16="http://schemas.microsoft.com/office/drawing/2014/main" id="{F8DB96C6-A975-B61F-73F4-8AC25ECD277E}"/>
-              </a:ext>
-            </a:extLst>
-          </p:cNvPr>
-          <p:cNvPicPr>
-            <a:picLocks noChangeAspect="1"/>
-          </p:cNvPicPr>
-          <p:nvPr/>
-        </p:nvPicPr>
-        <p:blipFill>
-          <a:blip r:embed="rId2"/>
-          <a:stretch>
-            <a:fillRect/>
-          </a:stretch>
-        </p:blipFill>
-        <p:spPr>
-          <a:xfrm>
-            <a:off x="169331" y="3605417"/>
-            <a:ext cx="8794045" cy="3119903"/>
-          </a:xfrm>
-          <a:prstGeom prst="rect">
-            <a:avLst/>
-          </a:prstGeom>
-        </p:spPr>
-      </p:pic>
     </p:spTree>
     <p:extLst>
       <p:ext uri="{BB962C8B-B14F-4D97-AF65-F5344CB8AC3E}">
@@ -11906,27 +11547,85 @@
           <a:bodyPr/>
           <a:lstStyle/>
           <a:p>
+            <a:r>
+              <a:rPr lang="en-US" sz="2000" dirty="0"/>
+              <a:t>Did you know the amount of salt dissolved in natural waters can have concentrations that qualify them as fresh, brackish, briny or the “normal saline” level in blood?</a:t>
+            </a:r>
+          </a:p>
+          <a:p>
+            <a:r>
+              <a:rPr lang="en-US" sz="2000" dirty="0"/>
+              <a:t>Brines are</a:t>
+            </a:r>
+          </a:p>
+          <a:p>
+            <a:pPr lvl="1"/>
+            <a:r>
+              <a:rPr lang="en-US" sz="1600" dirty="0"/>
+              <a:t>solutions that vary from saturated to a bit less than saturated</a:t>
+            </a:r>
+          </a:p>
+          <a:p>
+            <a:pPr lvl="1"/>
+            <a:r>
+              <a:rPr lang="en-US" sz="1600" dirty="0"/>
+              <a:t>Used to preserve food by pickling it</a:t>
+            </a:r>
+          </a:p>
+          <a:p>
             <a:pPr marL="0" indent="0">
               <a:buNone/>
             </a:pPr>
             <a:r>
               <a:rPr lang="en-US" sz="2000" dirty="0"/>
-              <a:t>Joseph Proust (1797) stated any sample of a particular compound would be made of same elements in same proportion by mass. This is the Law of Constant Composition.</a:t>
-            </a:r>
-          </a:p>
-          <a:p>
-            <a:pPr marL="0" indent="0">
-              <a:buNone/>
-            </a:pPr>
-            <a:endParaRPr lang="en-US" sz="2000" dirty="0"/>
-          </a:p>
-          <a:p>
-            <a:pPr marL="0" indent="0">
-              <a:buNone/>
-            </a:pPr>
+              <a:t>Two solutions of sodium chloride (NaCl) will be prepared</a:t>
+            </a:r>
+          </a:p>
+          <a:p>
             <a:r>
               <a:rPr lang="en-US" sz="2000" dirty="0"/>
-              <a:t>This principle is connected with the Law of the Conservation of Mass and also Dalton’s Atomic Theory concerning how the atoms of elements are never destroyed or created, but just rearranged in chemical reactions forming new compounds.</a:t>
+              <a:t>Solution 1</a:t>
+            </a:r>
+          </a:p>
+          <a:p>
+            <a:pPr lvl="1"/>
+            <a:r>
+              <a:rPr lang="en-US" sz="1600" dirty="0"/>
+              <a:t>This is a “stock concentrated” solution in which solid NaCl is weighed out and dissolved</a:t>
+            </a:r>
+          </a:p>
+          <a:p>
+            <a:pPr lvl="1"/>
+            <a:r>
+              <a:rPr lang="en-US" sz="1600" dirty="0"/>
+              <a:t>These solutions are usually stored long-term</a:t>
+            </a:r>
+          </a:p>
+          <a:p>
+            <a:r>
+              <a:rPr lang="en-US" sz="2000" dirty="0"/>
+              <a:t>Solution 2</a:t>
+            </a:r>
+          </a:p>
+          <a:p>
+            <a:pPr lvl="1"/>
+            <a:r>
+              <a:rPr lang="en-US" sz="1600" dirty="0"/>
+              <a:t>This a “working” solution made as a dilution from the stock solution</a:t>
+            </a:r>
+          </a:p>
+          <a:p>
+            <a:pPr lvl="1"/>
+            <a:r>
+              <a:rPr lang="en-US" sz="1600" dirty="0"/>
+              <a:t>These solutions are made for temporary use and discarded</a:t>
+            </a:r>
+          </a:p>
+          <a:p>
+            <a:pPr lvl="1"/>
+            <a:r>
+              <a:rPr lang="en-US" sz="1600" dirty="0"/>
+              <a:t>These solutions should be made at the right concentration and volume with attention to minimizing waste</a:t>
             </a:r>
           </a:p>
         </p:txBody>
@@ -11952,7 +11651,7 @@
         <p:cNvPr id="1" name="">
           <a:extLst>
             <a:ext uri="{FF2B5EF4-FFF2-40B4-BE49-F238E27FC236}">
-              <a16:creationId xmlns:a16="http://schemas.microsoft.com/office/drawing/2014/main" id="{3DAB1E55-1723-E0EE-7EFD-D02607EA16A9}"/>
+              <a16:creationId xmlns:a16="http://schemas.microsoft.com/office/drawing/2014/main" id="{BFD98C54-44BC-BF76-3C58-03FEFD687A76}"/>
             </a:ext>
           </a:extLst>
         </p:cNvPr>
@@ -11972,7 +11671,7 @@
           <p:cNvPr id="2" name="Title 1">
             <a:extLst>
               <a:ext uri="{FF2B5EF4-FFF2-40B4-BE49-F238E27FC236}">
-                <a16:creationId xmlns:a16="http://schemas.microsoft.com/office/drawing/2014/main" id="{D903C2D8-8186-46AC-8E06-7D4D7AEDE47B}"/>
+                <a16:creationId xmlns:a16="http://schemas.microsoft.com/office/drawing/2014/main" id="{4F7B4F57-F24D-EB60-7222-BA1155B533A4}"/>
               </a:ext>
             </a:extLst>
           </p:cNvPr>
@@ -11983,334 +11682,19 @@
             <p:ph type="title"/>
           </p:nvPr>
         </p:nvSpPr>
-        <p:spPr/>
+        <p:spPr>
+          <a:xfrm>
+            <a:off x="338666" y="167321"/>
+            <a:ext cx="8421512" cy="830997"/>
+          </a:xfrm>
+        </p:spPr>
         <p:txBody>
           <a:bodyPr/>
           <a:lstStyle/>
           <a:p>
             <a:r>
               <a:rPr lang="en-US" dirty="0"/>
-              <a:t>Limiting &amp; Excess Reagents</a:t>
-            </a:r>
-          </a:p>
-        </p:txBody>
-      </p:sp>
-      <p:sp>
-        <p:nvSpPr>
-          <p:cNvPr id="3" name="Content Placeholder 2">
-            <a:extLst>
-              <a:ext uri="{FF2B5EF4-FFF2-40B4-BE49-F238E27FC236}">
-                <a16:creationId xmlns:a16="http://schemas.microsoft.com/office/drawing/2014/main" id="{CFC3C184-A6E1-15DB-1130-302523D67542}"/>
-              </a:ext>
-            </a:extLst>
-          </p:cNvPr>
-          <p:cNvSpPr>
-            <a:spLocks noGrp="1"/>
-          </p:cNvSpPr>
-          <p:nvPr>
-            <p:ph idx="1"/>
-          </p:nvPr>
-        </p:nvSpPr>
-        <p:spPr/>
-        <p:txBody>
-          <a:bodyPr/>
-          <a:lstStyle/>
-          <a:p>
-            <a:r>
-              <a:rPr lang="en-US" dirty="0"/>
-              <a:t>You will learn a very useful concept in chemistry, which is that of the </a:t>
-            </a:r>
-            <a:r>
-              <a:rPr lang="en-US" dirty="0">
-                <a:solidFill>
-                  <a:srgbClr val="00FF00"/>
-                </a:solidFill>
-              </a:rPr>
-              <a:t>limiting</a:t>
-            </a:r>
-            <a:r>
-              <a:rPr lang="en-US" dirty="0"/>
-              <a:t> and </a:t>
-            </a:r>
-            <a:r>
-              <a:rPr lang="en-US" dirty="0">
-                <a:solidFill>
-                  <a:srgbClr val="00FF00"/>
-                </a:solidFill>
-              </a:rPr>
-              <a:t>excess</a:t>
-            </a:r>
-            <a:r>
-              <a:rPr lang="en-US" dirty="0"/>
-              <a:t> </a:t>
-            </a:r>
-            <a:r>
-              <a:rPr lang="en-US" dirty="0">
-                <a:solidFill>
-                  <a:srgbClr val="00FF00"/>
-                </a:solidFill>
-              </a:rPr>
-              <a:t>reagents</a:t>
-            </a:r>
-            <a:r>
-              <a:rPr lang="en-US" dirty="0"/>
-              <a:t>.</a:t>
-            </a:r>
-          </a:p>
-          <a:p>
-            <a:r>
-              <a:rPr lang="en-US" dirty="0"/>
-              <a:t>In this experiment, the copper solid mass will be the limiting reagent, and sulfur will be the excess reagent.</a:t>
-            </a:r>
-          </a:p>
-          <a:p>
-            <a:r>
-              <a:rPr lang="en-US" dirty="0"/>
-              <a:t>This means we want ALL the copper mass to completely react with an excess amount of sulfur</a:t>
-            </a:r>
-          </a:p>
-          <a:p>
-            <a:pPr marL="0" indent="0">
-              <a:buNone/>
-            </a:pPr>
-            <a:r>
-              <a:rPr lang="en-US" i="1" dirty="0">
-                <a:solidFill>
-                  <a:srgbClr val="FFC000"/>
-                </a:solidFill>
-              </a:rPr>
-              <a:t>So how do we know if all the copper will react?</a:t>
-            </a:r>
-          </a:p>
-          <a:p>
-            <a:endParaRPr lang="en-US" dirty="0"/>
-          </a:p>
-        </p:txBody>
-      </p:sp>
-    </p:spTree>
-    <p:extLst>
-      <p:ext uri="{BB962C8B-B14F-4D97-AF65-F5344CB8AC3E}">
-        <p14:creationId xmlns:p14="http://schemas.microsoft.com/office/powerpoint/2010/main" val="3100576228"/>
-      </p:ext>
-    </p:extLst>
-  </p:cSld>
-  <p:clrMapOvr>
-    <a:masterClrMapping/>
-  </p:clrMapOvr>
-</p:sld>
-</file>
-
-<file path=ppt/slides/slide5.xml><?xml version="1.0" encoding="utf-8"?>
-<p:sld xmlns:a="http://schemas.openxmlformats.org/drawingml/2006/main" xmlns:r="http://schemas.openxmlformats.org/officeDocument/2006/relationships" xmlns:p="http://schemas.openxmlformats.org/presentationml/2006/main">
-  <p:cSld>
-    <p:spTree>
-      <p:nvGrpSpPr>
-        <p:cNvPr id="1" name="">
-          <a:extLst>
-            <a:ext uri="{FF2B5EF4-FFF2-40B4-BE49-F238E27FC236}">
-              <a16:creationId xmlns:a16="http://schemas.microsoft.com/office/drawing/2014/main" id="{89602FE4-97AA-B2E9-42B8-03DB9375250E}"/>
-            </a:ext>
-          </a:extLst>
-        </p:cNvPr>
-        <p:cNvGrpSpPr/>
-        <p:nvPr/>
-      </p:nvGrpSpPr>
-      <p:grpSpPr>
-        <a:xfrm>
-          <a:off x="0" y="0"/>
-          <a:ext cx="0" cy="0"/>
-          <a:chOff x="0" y="0"/>
-          <a:chExt cx="0" cy="0"/>
-        </a:xfrm>
-      </p:grpSpPr>
-      <p:sp>
-        <p:nvSpPr>
-          <p:cNvPr id="2" name="Title 1">
-            <a:extLst>
-              <a:ext uri="{FF2B5EF4-FFF2-40B4-BE49-F238E27FC236}">
-                <a16:creationId xmlns:a16="http://schemas.microsoft.com/office/drawing/2014/main" id="{35B0DC03-7F7A-43A0-5F01-C7DF8C705AF5}"/>
-              </a:ext>
-            </a:extLst>
-          </p:cNvPr>
-          <p:cNvSpPr>
-            <a:spLocks noGrp="1"/>
-          </p:cNvSpPr>
-          <p:nvPr>
-            <p:ph type="title"/>
-          </p:nvPr>
-        </p:nvSpPr>
-        <p:spPr/>
-        <p:txBody>
-          <a:bodyPr/>
-          <a:lstStyle/>
-          <a:p>
-            <a:r>
-              <a:rPr lang="en-US" dirty="0"/>
-              <a:t>Experiment Planning</a:t>
-            </a:r>
-          </a:p>
-        </p:txBody>
-      </p:sp>
-      <p:sp>
-        <p:nvSpPr>
-          <p:cNvPr id="3" name="Content Placeholder 2">
-            <a:extLst>
-              <a:ext uri="{FF2B5EF4-FFF2-40B4-BE49-F238E27FC236}">
-                <a16:creationId xmlns:a16="http://schemas.microsoft.com/office/drawing/2014/main" id="{9B5A638F-692D-18DA-EAD0-6DAF5A23002A}"/>
-              </a:ext>
-            </a:extLst>
-          </p:cNvPr>
-          <p:cNvSpPr>
-            <a:spLocks noGrp="1"/>
-          </p:cNvSpPr>
-          <p:nvPr>
-            <p:ph idx="1"/>
-          </p:nvPr>
-        </p:nvSpPr>
-        <p:spPr/>
-        <p:txBody>
-          <a:bodyPr/>
-          <a:lstStyle/>
-          <a:p>
-            <a:r>
-              <a:rPr lang="en-US" dirty="0"/>
-              <a:t>Our lab manual says we should have from 2-4 g sulfur used in the reaction. Let’s assume we are at 2 g sulfur: what is the maximum amount of copper mass we should have for it to completely react with the sulfur we use?</a:t>
-            </a:r>
-          </a:p>
-          <a:p>
-            <a:r>
-              <a:rPr lang="en-US" dirty="0"/>
-              <a:t>First we to see the chemical reaction that is happening</a:t>
-            </a:r>
-          </a:p>
-          <a:p>
-            <a:pPr marL="0" indent="0" algn="ctr">
-              <a:buNone/>
-            </a:pPr>
-            <a:r>
-              <a:rPr lang="en-US" dirty="0">
-                <a:solidFill>
-                  <a:schemeClr val="accent1">
-                    <a:lumMod val="60000"/>
-                    <a:lumOff val="40000"/>
-                  </a:schemeClr>
-                </a:solidFill>
-              </a:rPr>
-              <a:t>2 Cu (s) + S (s) </a:t>
-            </a:r>
-            <a:r>
-              <a:rPr lang="en-US" dirty="0">
-                <a:solidFill>
-                  <a:schemeClr val="accent1">
-                    <a:lumMod val="60000"/>
-                    <a:lumOff val="40000"/>
-                  </a:schemeClr>
-                </a:solidFill>
-                <a:sym typeface="Wingdings" panose="05000000000000000000" pitchFamily="2" charset="2"/>
-              </a:rPr>
-              <a:t> Cu</a:t>
-            </a:r>
-            <a:r>
-              <a:rPr lang="en-US" baseline="-25000" dirty="0">
-                <a:solidFill>
-                  <a:schemeClr val="accent1">
-                    <a:lumMod val="60000"/>
-                    <a:lumOff val="40000"/>
-                  </a:schemeClr>
-                </a:solidFill>
-                <a:sym typeface="Wingdings" panose="05000000000000000000" pitchFamily="2" charset="2"/>
-              </a:rPr>
-              <a:t>2</a:t>
-            </a:r>
-            <a:r>
-              <a:rPr lang="en-US" dirty="0">
-                <a:solidFill>
-                  <a:schemeClr val="accent1">
-                    <a:lumMod val="60000"/>
-                    <a:lumOff val="40000"/>
-                  </a:schemeClr>
-                </a:solidFill>
-                <a:sym typeface="Wingdings" panose="05000000000000000000" pitchFamily="2" charset="2"/>
-              </a:rPr>
-              <a:t>S (s)</a:t>
-            </a:r>
-            <a:endParaRPr lang="en-US" dirty="0">
-              <a:solidFill>
-                <a:schemeClr val="accent1">
-                  <a:lumMod val="60000"/>
-                  <a:lumOff val="40000"/>
-                </a:schemeClr>
-              </a:solidFill>
-            </a:endParaRPr>
-          </a:p>
-          <a:p>
-            <a:r>
-              <a:rPr lang="en-US" dirty="0"/>
-              <a:t>You should know how to write &amp; BALANCE this reaction because you should know that copper sulfide is copper (I) sulfide. Note how mass is balanced</a:t>
-            </a:r>
-          </a:p>
-        </p:txBody>
-      </p:sp>
-    </p:spTree>
-    <p:extLst>
-      <p:ext uri="{BB962C8B-B14F-4D97-AF65-F5344CB8AC3E}">
-        <p14:creationId xmlns:p14="http://schemas.microsoft.com/office/powerpoint/2010/main" val="1309167304"/>
-      </p:ext>
-    </p:extLst>
-  </p:cSld>
-  <p:clrMapOvr>
-    <a:masterClrMapping/>
-  </p:clrMapOvr>
-</p:sld>
-</file>
-
-<file path=ppt/slides/slide6.xml><?xml version="1.0" encoding="utf-8"?>
-<p:sld xmlns:a="http://schemas.openxmlformats.org/drawingml/2006/main" xmlns:r="http://schemas.openxmlformats.org/officeDocument/2006/relationships" xmlns:p="http://schemas.openxmlformats.org/presentationml/2006/main">
-  <p:cSld>
-    <p:spTree>
-      <p:nvGrpSpPr>
-        <p:cNvPr id="1" name="">
-          <a:extLst>
-            <a:ext uri="{FF2B5EF4-FFF2-40B4-BE49-F238E27FC236}">
-              <a16:creationId xmlns:a16="http://schemas.microsoft.com/office/drawing/2014/main" id="{A0B314F5-A532-75E0-4452-699E381E2923}"/>
-            </a:ext>
-          </a:extLst>
-        </p:cNvPr>
-        <p:cNvGrpSpPr/>
-        <p:nvPr/>
-      </p:nvGrpSpPr>
-      <p:grpSpPr>
-        <a:xfrm>
-          <a:off x="0" y="0"/>
-          <a:ext cx="0" cy="0"/>
-          <a:chOff x="0" y="0"/>
-          <a:chExt cx="0" cy="0"/>
-        </a:xfrm>
-      </p:grpSpPr>
-      <p:sp>
-        <p:nvSpPr>
-          <p:cNvPr id="2" name="Title 1">
-            <a:extLst>
-              <a:ext uri="{FF2B5EF4-FFF2-40B4-BE49-F238E27FC236}">
-                <a16:creationId xmlns:a16="http://schemas.microsoft.com/office/drawing/2014/main" id="{7B67D3B4-D5D4-23E8-8C4C-0BC5FF420E12}"/>
-              </a:ext>
-            </a:extLst>
-          </p:cNvPr>
-          <p:cNvSpPr>
-            <a:spLocks noGrp="1"/>
-          </p:cNvSpPr>
-          <p:nvPr>
-            <p:ph type="title"/>
-          </p:nvPr>
-        </p:nvSpPr>
-        <p:spPr/>
-        <p:txBody>
-          <a:bodyPr/>
-          <a:lstStyle/>
-          <a:p>
-            <a:r>
-              <a:rPr lang="en-US" dirty="0"/>
-              <a:t>Experiment Planning</a:t>
+              <a:t>Concepts</a:t>
             </a:r>
           </a:p>
         </p:txBody>
@@ -12322,7 +11706,7 @@
               <p:cNvPr id="3" name="Content Placeholder 2">
                 <a:extLst>
                   <a:ext uri="{FF2B5EF4-FFF2-40B4-BE49-F238E27FC236}">
-                    <a16:creationId xmlns:a16="http://schemas.microsoft.com/office/drawing/2014/main" id="{10F096D7-7F9F-3A76-824B-79A56486284F}"/>
+                    <a16:creationId xmlns:a16="http://schemas.microsoft.com/office/drawing/2014/main" id="{85B85C38-707F-48FE-27DE-C636DA189598}"/>
                   </a:ext>
                 </a:extLst>
               </p:cNvPr>
@@ -12333,545 +11717,1237 @@
                 <p:ph idx="1"/>
               </p:nvPr>
             </p:nvSpPr>
-            <p:spPr/>
+            <p:spPr>
+              <a:xfrm>
+                <a:off x="372533" y="1065476"/>
+                <a:ext cx="8387645" cy="5482080"/>
+              </a:xfrm>
+            </p:spPr>
             <p:txBody>
               <a:bodyPr/>
               <a:lstStyle/>
               <a:p>
+                <a:pPr marL="0" indent="0" algn="ctr">
+                  <a:spcBef>
+                    <a:spcPts val="1200"/>
+                  </a:spcBef>
+                  <a:buNone/>
+                </a:pPr>
                 <a:r>
-                  <a:rPr lang="en-US" dirty="0"/>
-                  <a:t>The next step is to know the molar mass of the reactants and the product</a:t>
-                </a:r>
-              </a:p>
-              <a:p>
-                <a:pPr lvl="1"/>
-                <a:r>
-                  <a:rPr lang="en-US" sz="2200" dirty="0">
-                    <a:solidFill>
-                      <a:srgbClr val="FFC000"/>
-                    </a:solidFill>
-                  </a:rPr>
-                  <a:t>Copper</a:t>
-                </a:r>
-                <a:r>
-                  <a:rPr lang="en-US" sz="2200" dirty="0"/>
-                  <a:t>: </a:t>
-                </a:r>
-                <a:r>
-                  <a:rPr lang="en-US" sz="2200" dirty="0">
-                    <a:solidFill>
-                      <a:schemeClr val="accent1">
-                        <a:lumMod val="60000"/>
-                        <a:lumOff val="40000"/>
-                      </a:schemeClr>
-                    </a:solidFill>
-                  </a:rPr>
-                  <a:t>63.546 g/mol</a:t>
-                </a:r>
-              </a:p>
-              <a:p>
-                <a:pPr lvl="1"/>
-                <a:r>
-                  <a:rPr lang="en-US" sz="2200" dirty="0">
-                    <a:solidFill>
-                      <a:srgbClr val="FFC000"/>
-                    </a:solidFill>
-                  </a:rPr>
-                  <a:t>Sulfur</a:t>
-                </a:r>
-                <a:r>
-                  <a:rPr lang="en-US" sz="2200" dirty="0"/>
-                  <a:t>: </a:t>
-                </a:r>
-                <a:r>
-                  <a:rPr lang="en-US" sz="2200" dirty="0">
-                    <a:solidFill>
-                      <a:schemeClr val="accent1">
-                        <a:lumMod val="60000"/>
-                        <a:lumOff val="40000"/>
-                      </a:schemeClr>
-                    </a:solidFill>
-                  </a:rPr>
-                  <a:t>32.065 g/mol</a:t>
-                </a:r>
-              </a:p>
-              <a:p>
-                <a:pPr lvl="1"/>
-                <a:r>
-                  <a:rPr lang="en-US" sz="2200" dirty="0">
-                    <a:solidFill>
-                      <a:srgbClr val="FFC000"/>
-                    </a:solidFill>
-                  </a:rPr>
-                  <a:t>Copper</a:t>
-                </a:r>
-                <a:r>
-                  <a:rPr lang="en-US" sz="2200" dirty="0"/>
+                  <a:rPr lang="en-US" sz="2000" b="0" dirty="0"/>
                   <a:t> </a:t>
                 </a:r>
-                <a:r>
-                  <a:rPr lang="en-US" sz="2200" dirty="0">
-                    <a:solidFill>
-                      <a:srgbClr val="FFC000"/>
-                    </a:solidFill>
-                  </a:rPr>
-                  <a:t>(I) sulfide</a:t>
-                </a:r>
-                <a:r>
-                  <a:rPr lang="en-US" sz="2200" dirty="0"/>
-                  <a:t>: 2 × </a:t>
-                </a:r>
-                <a:r>
-                  <a:rPr lang="en-US" sz="2200" dirty="0">
-                    <a:solidFill>
-                      <a:srgbClr val="FFFF00"/>
-                    </a:solidFill>
-                  </a:rPr>
-                  <a:t>Cu</a:t>
-                </a:r>
-                <a:r>
-                  <a:rPr lang="en-US" sz="2200" dirty="0"/>
-                  <a:t> + </a:t>
-                </a:r>
-                <a:r>
-                  <a:rPr lang="en-US" sz="2200" dirty="0">
-                    <a:solidFill>
-                      <a:srgbClr val="FFFF00"/>
-                    </a:solidFill>
-                  </a:rPr>
-                  <a:t>S</a:t>
-                </a:r>
-                <a:r>
-                  <a:rPr lang="en-US" sz="2200" dirty="0"/>
-                  <a:t> = </a:t>
-                </a:r>
-                <a:r>
-                  <a:rPr lang="en-US" sz="2200" dirty="0">
-                    <a:solidFill>
-                      <a:schemeClr val="accent1">
-                        <a:lumMod val="60000"/>
-                        <a:lumOff val="40000"/>
-                      </a:schemeClr>
-                    </a:solidFill>
-                  </a:rPr>
-                  <a:t>159.16 g/mol</a:t>
-                </a:r>
-              </a:p>
-              <a:p>
-                <a:r>
-                  <a:rPr lang="en-US" sz="2200" dirty="0"/>
-                  <a:t>Two atoms of Cu will be used for every one atom of S</a:t>
-                </a:r>
-              </a:p>
-              <a:p>
-                <a:r>
-                  <a:rPr lang="en-US" sz="2200" dirty="0"/>
-                  <a:t>Two MOLES (mol) of Cu will be used for every one MOLE (mol) of S</a:t>
-                </a:r>
-              </a:p>
-              <a:p>
-                <a:r>
-                  <a:rPr lang="en-US" sz="2200" dirty="0"/>
-                  <a:t>You have 2.00 g S: how many g of Cu will it change?</a:t>
-                </a:r>
-              </a:p>
-              <a:p>
                 <a14:m>
                   <m:oMath xmlns:m="http://schemas.openxmlformats.org/officeDocument/2006/math">
                     <m:r>
-                      <a:rPr lang="en-US" sz="2200" b="0" i="1" smtClean="0">
+                      <m:rPr>
+                        <m:sty m:val="p"/>
+                      </m:rPr>
+                      <a:rPr lang="en-US" b="0" i="0" smtClean="0">
                         <a:latin typeface="Cambria Math" panose="02040503050406030204" pitchFamily="18" charset="0"/>
                       </a:rPr>
-                      <m:t>2.00 </m:t>
+                      <m:t>Molarity</m:t>
+                    </m:r>
+                    <m:r>
+                      <a:rPr lang="en-US" b="0" i="0" smtClean="0">
+                        <a:latin typeface="Cambria Math" panose="02040503050406030204" pitchFamily="18" charset="0"/>
+                      </a:rPr>
+                      <m:t> </m:t>
+                    </m:r>
+                    <m:d>
+                      <m:dPr>
+                        <m:ctrlPr>
+                          <a:rPr lang="en-US" b="0" i="1" smtClean="0">
+                            <a:latin typeface="Cambria Math" panose="02040503050406030204" pitchFamily="18" charset="0"/>
+                          </a:rPr>
+                        </m:ctrlPr>
+                      </m:dPr>
+                      <m:e>
+                        <m:r>
+                          <a:rPr lang="en-US" b="0" i="1" smtClean="0">
+                            <a:latin typeface="Cambria Math" panose="02040503050406030204" pitchFamily="18" charset="0"/>
+                          </a:rPr>
+                          <m:t>𝑀</m:t>
+                        </m:r>
+                      </m:e>
+                    </m:d>
+                    <m:r>
+                      <a:rPr lang="en-US" b="0" i="0" smtClean="0">
+                        <a:latin typeface="Cambria Math" panose="02040503050406030204" pitchFamily="18" charset="0"/>
+                      </a:rPr>
+                      <m:t>=</m:t>
+                    </m:r>
+                    <m:f>
+                      <m:fPr>
+                        <m:ctrlPr>
+                          <a:rPr lang="en-US" i="1" smtClean="0">
+                            <a:latin typeface="Cambria Math" panose="02040503050406030204" pitchFamily="18" charset="0"/>
+                          </a:rPr>
+                        </m:ctrlPr>
+                      </m:fPr>
+                      <m:num>
+                        <m:r>
+                          <m:rPr>
+                            <m:sty m:val="p"/>
+                          </m:rPr>
+                          <a:rPr lang="en-US" b="0" i="0" smtClean="0">
+                            <a:latin typeface="Cambria Math" panose="02040503050406030204" pitchFamily="18" charset="0"/>
+                          </a:rPr>
+                          <m:t>moles</m:t>
+                        </m:r>
+                        <m:r>
+                          <a:rPr lang="en-US" b="0" i="0" smtClean="0">
+                            <a:latin typeface="Cambria Math" panose="02040503050406030204" pitchFamily="18" charset="0"/>
+                          </a:rPr>
+                          <m:t> </m:t>
+                        </m:r>
+                        <m:d>
+                          <m:dPr>
+                            <m:ctrlPr>
+                              <a:rPr lang="en-US" b="0" i="1" smtClean="0">
+                                <a:latin typeface="Cambria Math" panose="02040503050406030204" pitchFamily="18" charset="0"/>
+                              </a:rPr>
+                            </m:ctrlPr>
+                          </m:dPr>
+                          <m:e>
+                            <m:r>
+                              <m:rPr>
+                                <m:sty m:val="p"/>
+                              </m:rPr>
+                              <a:rPr lang="en-US" b="0" i="0" smtClean="0">
+                                <a:latin typeface="Cambria Math" panose="02040503050406030204" pitchFamily="18" charset="0"/>
+                              </a:rPr>
+                              <m:t>mol</m:t>
+                            </m:r>
+                          </m:e>
+                        </m:d>
+                        <m:r>
+                          <a:rPr lang="en-US" b="0" i="0" smtClean="0">
+                            <a:latin typeface="Cambria Math" panose="02040503050406030204" pitchFamily="18" charset="0"/>
+                          </a:rPr>
+                          <m:t> </m:t>
+                        </m:r>
+                        <m:r>
+                          <m:rPr>
+                            <m:sty m:val="p"/>
+                          </m:rPr>
+                          <a:rPr lang="en-US" b="0" i="0" smtClean="0">
+                            <a:latin typeface="Cambria Math" panose="02040503050406030204" pitchFamily="18" charset="0"/>
+                          </a:rPr>
+                          <m:t>solute</m:t>
+                        </m:r>
+                      </m:num>
+                      <m:den>
+                        <m:r>
+                          <m:rPr>
+                            <m:sty m:val="p"/>
+                          </m:rPr>
+                          <a:rPr lang="en-US" b="0" i="0" smtClean="0">
+                            <a:latin typeface="Cambria Math" panose="02040503050406030204" pitchFamily="18" charset="0"/>
+                          </a:rPr>
+                          <m:t>liters</m:t>
+                        </m:r>
+                        <m:r>
+                          <a:rPr lang="en-US" b="0" i="0" smtClean="0">
+                            <a:latin typeface="Cambria Math" panose="02040503050406030204" pitchFamily="18" charset="0"/>
+                          </a:rPr>
+                          <m:t> (</m:t>
+                        </m:r>
+                        <m:r>
+                          <m:rPr>
+                            <m:sty m:val="p"/>
+                          </m:rPr>
+                          <a:rPr lang="en-US" b="0" i="0" smtClean="0">
+                            <a:latin typeface="Cambria Math" panose="02040503050406030204" pitchFamily="18" charset="0"/>
+                          </a:rPr>
+                          <m:t>L</m:t>
+                        </m:r>
+                        <m:r>
+                          <a:rPr lang="en-US" b="0" i="0" smtClean="0">
+                            <a:latin typeface="Cambria Math" panose="02040503050406030204" pitchFamily="18" charset="0"/>
+                          </a:rPr>
+                          <m:t>) </m:t>
+                        </m:r>
+                        <m:r>
+                          <m:rPr>
+                            <m:sty m:val="p"/>
+                          </m:rPr>
+                          <a:rPr lang="en-US" b="0" i="0" smtClean="0">
+                            <a:latin typeface="Cambria Math" panose="02040503050406030204" pitchFamily="18" charset="0"/>
+                          </a:rPr>
+                          <m:t>solution</m:t>
+                        </m:r>
+                      </m:den>
+                    </m:f>
+                  </m:oMath>
+                </a14:m>
+                <a:endParaRPr lang="en-US" sz="2000" dirty="0"/>
+              </a:p>
+              <a:p>
+                <a:pPr marL="0" indent="0" algn="ctr">
+                  <a:spcBef>
+                    <a:spcPts val="1200"/>
+                  </a:spcBef>
+                  <a:buNone/>
+                </a:pPr>
+                <a:r>
+                  <a:rPr lang="en-US" sz="2000" dirty="0"/>
+                  <a:t> </a:t>
+                </a:r>
+                <a14:m>
+                  <m:oMath xmlns:m="http://schemas.openxmlformats.org/officeDocument/2006/math">
+                    <m:r>
+                      <m:rPr>
+                        <m:sty m:val="p"/>
+                      </m:rPr>
+                      <a:rPr lang="en-US" sz="2000">
+                        <a:latin typeface="Cambria Math" panose="02040503050406030204" pitchFamily="18" charset="0"/>
+                      </a:rPr>
+                      <m:t>M</m:t>
                     </m:r>
                     <m:r>
                       <m:rPr>
-                        <m:nor/>
+                        <m:sty m:val="p"/>
                       </m:rPr>
-                      <a:rPr lang="en-US" sz="2200" b="0" i="0" smtClean="0">
+                      <a:rPr lang="en-US" sz="2000" b="0" i="0" smtClean="0">
                         <a:latin typeface="Cambria Math" panose="02040503050406030204" pitchFamily="18" charset="0"/>
                       </a:rPr>
-                      <m:t>g</m:t>
+                      <m:t>ass</m:t>
                     </m:r>
                     <m:r>
-                      <m:rPr>
-                        <m:nor/>
-                      </m:rPr>
-                      <a:rPr lang="en-US" sz="2200" b="0" i="0" smtClean="0">
+                      <a:rPr lang="en-US" sz="2000" b="0" i="0" smtClean="0">
                         <a:latin typeface="Cambria Math" panose="02040503050406030204" pitchFamily="18" charset="0"/>
                       </a:rPr>
                       <m:t> </m:t>
                     </m:r>
                     <m:r>
                       <m:rPr>
-                        <m:nor/>
+                        <m:sty m:val="p"/>
                       </m:rPr>
-                      <a:rPr lang="en-US" sz="2200" b="0" i="0" smtClean="0">
+                      <a:rPr lang="en-US" sz="2000" b="0" i="0" smtClean="0">
                         <a:latin typeface="Cambria Math" panose="02040503050406030204" pitchFamily="18" charset="0"/>
                       </a:rPr>
-                      <m:t>S</m:t>
+                      <m:t>Percent</m:t>
                     </m:r>
                     <m:r>
-                      <a:rPr lang="en-US" sz="2200" b="0" i="1" smtClean="0">
+                      <a:rPr lang="en-US" sz="2000">
                         <a:latin typeface="Cambria Math" panose="02040503050406030204" pitchFamily="18" charset="0"/>
-                        <a:ea typeface="Cambria Math" panose="02040503050406030204" pitchFamily="18" charset="0"/>
                       </a:rPr>
-                      <m:t>×</m:t>
+                      <m:t> </m:t>
+                    </m:r>
+                    <m:d>
+                      <m:dPr>
+                        <m:ctrlPr>
+                          <a:rPr lang="en-US" sz="2000" i="1">
+                            <a:latin typeface="Cambria Math" panose="02040503050406030204" pitchFamily="18" charset="0"/>
+                          </a:rPr>
+                        </m:ctrlPr>
+                      </m:dPr>
+                      <m:e>
+                        <m:f>
+                          <m:fPr>
+                            <m:ctrlPr>
+                              <a:rPr lang="en-US" sz="2000" i="1" smtClean="0">
+                                <a:latin typeface="Cambria Math" panose="02040503050406030204" pitchFamily="18" charset="0"/>
+                              </a:rPr>
+                            </m:ctrlPr>
+                          </m:fPr>
+                          <m:num>
+                            <m:r>
+                              <a:rPr lang="en-US" sz="2000" b="0" i="1" smtClean="0">
+                                <a:latin typeface="Cambria Math" panose="02040503050406030204" pitchFamily="18" charset="0"/>
+                              </a:rPr>
+                              <m:t>𝑚</m:t>
+                            </m:r>
+                          </m:num>
+                          <m:den>
+                            <m:r>
+                              <a:rPr lang="en-US" sz="2000" b="0" i="1" smtClean="0">
+                                <a:latin typeface="Cambria Math" panose="02040503050406030204" pitchFamily="18" charset="0"/>
+                              </a:rPr>
+                              <m:t>𝑚</m:t>
+                            </m:r>
+                          </m:den>
+                        </m:f>
+                        <m:r>
+                          <a:rPr lang="en-US" sz="2000" b="0" i="1" smtClean="0">
+                            <a:latin typeface="Cambria Math" panose="02040503050406030204" pitchFamily="18" charset="0"/>
+                          </a:rPr>
+                          <m:t>%</m:t>
+                        </m:r>
+                      </m:e>
+                    </m:d>
+                    <m:r>
+                      <a:rPr lang="en-US" sz="2000">
+                        <a:latin typeface="Cambria Math" panose="02040503050406030204" pitchFamily="18" charset="0"/>
+                      </a:rPr>
+                      <m:t>=</m:t>
                     </m:r>
                     <m:f>
                       <m:fPr>
                         <m:ctrlPr>
-                          <a:rPr lang="en-US" sz="2200" b="0" i="1" smtClean="0">
+                          <a:rPr lang="en-US" sz="2000" i="1">
                             <a:latin typeface="Cambria Math" panose="02040503050406030204" pitchFamily="18" charset="0"/>
-                            <a:ea typeface="Cambria Math" panose="02040503050406030204" pitchFamily="18" charset="0"/>
                           </a:rPr>
                         </m:ctrlPr>
                       </m:fPr>
                       <m:num>
                         <m:r>
                           <m:rPr>
-                            <m:nor/>
+                            <m:sty m:val="p"/>
                           </m:rPr>
-                          <a:rPr lang="en-US" sz="2200" b="0" i="0" smtClean="0">
+                          <a:rPr lang="en-US" sz="2000">
                             <a:latin typeface="Cambria Math" panose="02040503050406030204" pitchFamily="18" charset="0"/>
-                            <a:ea typeface="Cambria Math" panose="02040503050406030204" pitchFamily="18" charset="0"/>
                           </a:rPr>
-                          <m:t>1 </m:t>
+                          <m:t>mass</m:t>
+                        </m:r>
+                        <m:r>
+                          <a:rPr lang="en-US" sz="2000" b="0" i="0" smtClean="0">
+                            <a:latin typeface="Cambria Math" panose="02040503050406030204" pitchFamily="18" charset="0"/>
+                          </a:rPr>
+                          <m:t> (</m:t>
                         </m:r>
                         <m:r>
                           <m:rPr>
-                            <m:nor/>
+                            <m:sty m:val="p"/>
                           </m:rPr>
-                          <a:rPr lang="en-US" sz="2200" b="0" i="0" smtClean="0">
+                          <a:rPr lang="en-US" sz="2000" b="0" i="0" smtClean="0">
                             <a:latin typeface="Cambria Math" panose="02040503050406030204" pitchFamily="18" charset="0"/>
-                            <a:ea typeface="Cambria Math" panose="02040503050406030204" pitchFamily="18" charset="0"/>
                           </a:rPr>
-                          <m:t>mol</m:t>
+                          <m:t>g</m:t>
+                        </m:r>
+                        <m:r>
+                          <a:rPr lang="en-US" sz="2000" b="0" i="0" smtClean="0">
+                            <a:latin typeface="Cambria Math" panose="02040503050406030204" pitchFamily="18" charset="0"/>
+                          </a:rPr>
+                          <m:t>) </m:t>
                         </m:r>
                         <m:r>
                           <m:rPr>
-                            <m:nor/>
+                            <m:sty m:val="p"/>
                           </m:rPr>
-                          <a:rPr lang="en-US" sz="2200" b="0" i="0" smtClean="0">
+                          <a:rPr lang="en-US" sz="2000">
                             <a:latin typeface="Cambria Math" panose="02040503050406030204" pitchFamily="18" charset="0"/>
-                            <a:ea typeface="Cambria Math" panose="02040503050406030204" pitchFamily="18" charset="0"/>
+                          </a:rPr>
+                          <m:t>solute</m:t>
+                        </m:r>
+                      </m:num>
+                      <m:den>
+                        <m:r>
+                          <a:rPr lang="en-US" sz="2000" b="0" i="0" smtClean="0">
+                            <a:latin typeface="Cambria Math" panose="02040503050406030204" pitchFamily="18" charset="0"/>
+                          </a:rPr>
+                          <m:t>100 </m:t>
+                        </m:r>
+                        <m:r>
+                          <m:rPr>
+                            <m:sty m:val="p"/>
+                          </m:rPr>
+                          <a:rPr lang="en-US" sz="2000" b="0" i="0" smtClean="0">
+                            <a:latin typeface="Cambria Math" panose="02040503050406030204" pitchFamily="18" charset="0"/>
+                          </a:rPr>
+                          <m:t>g</m:t>
+                        </m:r>
+                        <m:r>
+                          <a:rPr lang="en-US" sz="2000" b="0" i="0" smtClean="0">
+                            <a:latin typeface="Cambria Math" panose="02040503050406030204" pitchFamily="18" charset="0"/>
                           </a:rPr>
                           <m:t> </m:t>
                         </m:r>
                         <m:r>
                           <m:rPr>
-                            <m:nor/>
+                            <m:sty m:val="p"/>
                           </m:rPr>
-                          <a:rPr lang="en-US" sz="2200" b="0" i="0" smtClean="0">
+                          <a:rPr lang="en-US" sz="2000">
                             <a:latin typeface="Cambria Math" panose="02040503050406030204" pitchFamily="18" charset="0"/>
-                            <a:ea typeface="Cambria Math" panose="02040503050406030204" pitchFamily="18" charset="0"/>
                           </a:rPr>
-                          <m:t>S</m:t>
-                        </m:r>
-                      </m:num>
-                      <m:den>
-                        <m:r>
-                          <m:rPr>
-                            <m:nor/>
-                          </m:rPr>
-                          <a:rPr lang="en-US" sz="2200" b="0" i="0" smtClean="0">
-                            <a:latin typeface="Cambria Math" panose="02040503050406030204" pitchFamily="18" charset="0"/>
-                            <a:ea typeface="Cambria Math" panose="02040503050406030204" pitchFamily="18" charset="0"/>
-                          </a:rPr>
-                          <m:t>32.065 </m:t>
-                        </m:r>
-                        <m:r>
-                          <m:rPr>
-                            <m:nor/>
-                          </m:rPr>
-                          <a:rPr lang="en-US" sz="2200" b="0" i="0" smtClean="0">
-                            <a:latin typeface="Cambria Math" panose="02040503050406030204" pitchFamily="18" charset="0"/>
-                            <a:ea typeface="Cambria Math" panose="02040503050406030204" pitchFamily="18" charset="0"/>
-                          </a:rPr>
-                          <m:t>g</m:t>
-                        </m:r>
-                        <m:r>
-                          <m:rPr>
-                            <m:nor/>
-                          </m:rPr>
-                          <a:rPr lang="en-US" sz="2200" b="0" i="0" smtClean="0">
-                            <a:latin typeface="Cambria Math" panose="02040503050406030204" pitchFamily="18" charset="0"/>
-                            <a:ea typeface="Cambria Math" panose="02040503050406030204" pitchFamily="18" charset="0"/>
-                          </a:rPr>
-                          <m:t> </m:t>
-                        </m:r>
-                        <m:r>
-                          <m:rPr>
-                            <m:nor/>
-                          </m:rPr>
-                          <a:rPr lang="en-US" sz="2200" b="0" i="0" smtClean="0">
-                            <a:latin typeface="Cambria Math" panose="02040503050406030204" pitchFamily="18" charset="0"/>
-                            <a:ea typeface="Cambria Math" panose="02040503050406030204" pitchFamily="18" charset="0"/>
-                          </a:rPr>
-                          <m:t>S</m:t>
+                          <m:t>solution</m:t>
                         </m:r>
                       </m:den>
                     </m:f>
                     <m:r>
-                      <a:rPr lang="en-US" sz="2200" b="0" i="1" smtClean="0">
+                      <a:rPr lang="en-US" sz="2000" b="0" i="1" smtClean="0">
                         <a:latin typeface="Cambria Math" panose="02040503050406030204" pitchFamily="18" charset="0"/>
-                        <a:ea typeface="Cambria Math" panose="02040503050406030204" pitchFamily="18" charset="0"/>
                       </a:rPr>
-                      <m:t>×</m:t>
+                      <m:t>= </m:t>
                     </m:r>
                     <m:f>
                       <m:fPr>
                         <m:ctrlPr>
-                          <a:rPr lang="en-US" sz="2200" b="0" i="1" smtClean="0">
+                          <a:rPr lang="en-US" sz="2000" i="1">
                             <a:latin typeface="Cambria Math" panose="02040503050406030204" pitchFamily="18" charset="0"/>
-                            <a:ea typeface="Cambria Math" panose="02040503050406030204" pitchFamily="18" charset="0"/>
                           </a:rPr>
                         </m:ctrlPr>
                       </m:fPr>
                       <m:num>
                         <m:r>
                           <m:rPr>
-                            <m:nor/>
+                            <m:sty m:val="p"/>
                           </m:rPr>
-                          <a:rPr lang="en-US" sz="2200" b="0" i="0" smtClean="0">
+                          <a:rPr lang="en-US" sz="2000" b="0" i="0" smtClean="0">
                             <a:latin typeface="Cambria Math" panose="02040503050406030204" pitchFamily="18" charset="0"/>
-                            <a:ea typeface="Cambria Math" panose="02040503050406030204" pitchFamily="18" charset="0"/>
                           </a:rPr>
-                          <m:t>2 </m:t>
+                          <m:t>mass</m:t>
                         </m:r>
                         <m:r>
-                          <m:rPr>
-                            <m:nor/>
-                          </m:rPr>
-                          <a:rPr lang="en-US" sz="2200" b="0" i="0" smtClean="0">
+                          <a:rPr lang="en-US" sz="2000">
                             <a:latin typeface="Cambria Math" panose="02040503050406030204" pitchFamily="18" charset="0"/>
-                            <a:ea typeface="Cambria Math" panose="02040503050406030204" pitchFamily="18" charset="0"/>
-                          </a:rPr>
-                          <m:t>mol</m:t>
-                        </m:r>
-                        <m:r>
-                          <m:rPr>
-                            <m:nor/>
-                          </m:rPr>
-                          <a:rPr lang="en-US" sz="2200" b="0" i="0" smtClean="0">
-                            <a:latin typeface="Cambria Math" panose="02040503050406030204" pitchFamily="18" charset="0"/>
-                            <a:ea typeface="Cambria Math" panose="02040503050406030204" pitchFamily="18" charset="0"/>
                           </a:rPr>
                           <m:t> </m:t>
                         </m:r>
                         <m:r>
                           <m:rPr>
-                            <m:nor/>
+                            <m:sty m:val="p"/>
                           </m:rPr>
-                          <a:rPr lang="en-US" sz="2200" b="0" i="0" smtClean="0">
+                          <a:rPr lang="en-US" sz="2000">
                             <a:latin typeface="Cambria Math" panose="02040503050406030204" pitchFamily="18" charset="0"/>
-                            <a:ea typeface="Cambria Math" panose="02040503050406030204" pitchFamily="18" charset="0"/>
                           </a:rPr>
-                          <m:t>Cu</m:t>
+                          <m:t>solute</m:t>
                         </m:r>
                       </m:num>
                       <m:den>
                         <m:r>
                           <m:rPr>
-                            <m:nor/>
+                            <m:sty m:val="p"/>
                           </m:rPr>
-                          <a:rPr lang="en-US" sz="2200" b="0" i="0" smtClean="0">
+                          <a:rPr lang="en-US" sz="2000" b="0" i="0" smtClean="0">
                             <a:latin typeface="Cambria Math" panose="02040503050406030204" pitchFamily="18" charset="0"/>
-                            <a:ea typeface="Cambria Math" panose="02040503050406030204" pitchFamily="18" charset="0"/>
                           </a:rPr>
-                          <m:t>1 </m:t>
+                          <m:t>mass</m:t>
                         </m:r>
                         <m:r>
-                          <m:rPr>
-                            <m:nor/>
-                          </m:rPr>
-                          <a:rPr lang="en-US" sz="2200" b="0" i="0" smtClean="0">
+                          <a:rPr lang="en-US" sz="2000" b="0" i="0" smtClean="0">
                             <a:latin typeface="Cambria Math" panose="02040503050406030204" pitchFamily="18" charset="0"/>
-                            <a:ea typeface="Cambria Math" panose="02040503050406030204" pitchFamily="18" charset="0"/>
-                          </a:rPr>
-                          <m:t>mol</m:t>
-                        </m:r>
-                        <m:r>
-                          <m:rPr>
-                            <m:nor/>
-                          </m:rPr>
-                          <a:rPr lang="en-US" sz="2200" b="0" i="0" smtClean="0">
-                            <a:latin typeface="Cambria Math" panose="02040503050406030204" pitchFamily="18" charset="0"/>
-                            <a:ea typeface="Cambria Math" panose="02040503050406030204" pitchFamily="18" charset="0"/>
                           </a:rPr>
                           <m:t> </m:t>
                         </m:r>
                         <m:r>
                           <m:rPr>
-                            <m:nor/>
+                            <m:sty m:val="p"/>
                           </m:rPr>
-                          <a:rPr lang="en-US" sz="2200" b="0" i="0" smtClean="0">
+                          <a:rPr lang="en-US" sz="2000" b="0" i="0" smtClean="0">
                             <a:latin typeface="Cambria Math" panose="02040503050406030204" pitchFamily="18" charset="0"/>
-                            <a:ea typeface="Cambria Math" panose="02040503050406030204" pitchFamily="18" charset="0"/>
                           </a:rPr>
-                          <m:t>S</m:t>
+                          <m:t>solution</m:t>
                         </m:r>
                       </m:den>
                     </m:f>
                     <m:r>
-                      <m:rPr>
-                        <m:nor/>
-                      </m:rPr>
-                      <a:rPr lang="en-US" sz="2200" b="0" i="0" smtClean="0">
+                      <a:rPr lang="en-US" sz="2000" i="1" smtClean="0">
                         <a:latin typeface="Cambria Math" panose="02040503050406030204" pitchFamily="18" charset="0"/>
                         <a:ea typeface="Cambria Math" panose="02040503050406030204" pitchFamily="18" charset="0"/>
                       </a:rPr>
                       <m:t>×</m:t>
                     </m:r>
+                    <m:r>
+                      <a:rPr lang="en-US" sz="2000" b="0" i="1" smtClean="0">
+                        <a:latin typeface="Cambria Math" panose="02040503050406030204" pitchFamily="18" charset="0"/>
+                        <a:ea typeface="Cambria Math" panose="02040503050406030204" pitchFamily="18" charset="0"/>
+                      </a:rPr>
+                      <m:t>100%</m:t>
+                    </m:r>
+                  </m:oMath>
+                </a14:m>
+                <a:endParaRPr lang="en-US" sz="2000" dirty="0"/>
+              </a:p>
+              <a:p>
+                <a:pPr marL="0" indent="0" algn="ctr">
+                  <a:spcBef>
+                    <a:spcPts val="1200"/>
+                  </a:spcBef>
+                  <a:buNone/>
+                </a:pPr>
+                <a:r>
+                  <a:rPr lang="en-US" sz="2000" b="0" dirty="0"/>
+                  <a:t> </a:t>
+                </a:r>
+                <a14:m>
+                  <m:oMath xmlns:m="http://schemas.openxmlformats.org/officeDocument/2006/math">
+                    <m:r>
+                      <m:rPr>
+                        <m:sty m:val="p"/>
+                      </m:rPr>
+                      <a:rPr lang="en-US" sz="2000" b="0" i="0" smtClean="0">
+                        <a:latin typeface="Cambria Math" panose="02040503050406030204" pitchFamily="18" charset="0"/>
+                      </a:rPr>
+                      <m:t>Molality</m:t>
+                    </m:r>
+                    <m:r>
+                      <a:rPr lang="en-US" sz="2000">
+                        <a:latin typeface="Cambria Math" panose="02040503050406030204" pitchFamily="18" charset="0"/>
+                      </a:rPr>
+                      <m:t> </m:t>
+                    </m:r>
+                    <m:d>
+                      <m:dPr>
+                        <m:ctrlPr>
+                          <a:rPr lang="en-US" sz="2000" i="1">
+                            <a:latin typeface="Cambria Math" panose="02040503050406030204" pitchFamily="18" charset="0"/>
+                          </a:rPr>
+                        </m:ctrlPr>
+                      </m:dPr>
+                      <m:e>
+                        <m:r>
+                          <a:rPr lang="en-US" sz="2000" b="0" i="1" smtClean="0">
+                            <a:latin typeface="Cambria Math" panose="02040503050406030204" pitchFamily="18" charset="0"/>
+                          </a:rPr>
+                          <m:t>𝑚</m:t>
+                        </m:r>
+                      </m:e>
+                    </m:d>
+                    <m:r>
+                      <a:rPr lang="en-US" sz="2000">
+                        <a:latin typeface="Cambria Math" panose="02040503050406030204" pitchFamily="18" charset="0"/>
+                      </a:rPr>
+                      <m:t>=</m:t>
+                    </m:r>
                     <m:f>
                       <m:fPr>
                         <m:ctrlPr>
-                          <a:rPr lang="en-US" sz="2200" b="0" i="1" smtClean="0">
+                          <a:rPr lang="en-US" sz="2000" i="1">
                             <a:latin typeface="Cambria Math" panose="02040503050406030204" pitchFamily="18" charset="0"/>
-                            <a:ea typeface="Cambria Math" panose="02040503050406030204" pitchFamily="18" charset="0"/>
                           </a:rPr>
                         </m:ctrlPr>
                       </m:fPr>
                       <m:num>
                         <m:r>
                           <m:rPr>
-                            <m:nor/>
+                            <m:sty m:val="p"/>
                           </m:rPr>
-                          <a:rPr lang="en-US" sz="2200" b="0" i="0" smtClean="0">
+                          <a:rPr lang="en-US" sz="2000" b="0" i="0" smtClean="0">
                             <a:latin typeface="Cambria Math" panose="02040503050406030204" pitchFamily="18" charset="0"/>
-                            <a:ea typeface="Cambria Math" panose="02040503050406030204" pitchFamily="18" charset="0"/>
                           </a:rPr>
-                          <m:t>63.546 </m:t>
+                          <m:t>mol</m:t>
                         </m:r>
                         <m:r>
-                          <m:rPr>
-                            <m:nor/>
-                          </m:rPr>
-                          <a:rPr lang="en-US" sz="2200" b="0" i="0" smtClean="0">
+                          <a:rPr lang="en-US" sz="2000">
                             <a:latin typeface="Cambria Math" panose="02040503050406030204" pitchFamily="18" charset="0"/>
-                            <a:ea typeface="Cambria Math" panose="02040503050406030204" pitchFamily="18" charset="0"/>
-                          </a:rPr>
-                          <m:t>g</m:t>
-                        </m:r>
-                        <m:r>
-                          <m:rPr>
-                            <m:nor/>
-                          </m:rPr>
-                          <a:rPr lang="en-US" sz="2200" b="0" i="0" smtClean="0">
-                            <a:latin typeface="Cambria Math" panose="02040503050406030204" pitchFamily="18" charset="0"/>
-                            <a:ea typeface="Cambria Math" panose="02040503050406030204" pitchFamily="18" charset="0"/>
                           </a:rPr>
                           <m:t> </m:t>
                         </m:r>
                         <m:r>
                           <m:rPr>
-                            <m:nor/>
+                            <m:sty m:val="p"/>
                           </m:rPr>
-                          <a:rPr lang="en-US" sz="2200" b="0" i="0" smtClean="0">
+                          <a:rPr lang="en-US" sz="2000">
                             <a:latin typeface="Cambria Math" panose="02040503050406030204" pitchFamily="18" charset="0"/>
-                            <a:ea typeface="Cambria Math" panose="02040503050406030204" pitchFamily="18" charset="0"/>
                           </a:rPr>
-                          <m:t>Cu</m:t>
+                          <m:t>solute</m:t>
                         </m:r>
                       </m:num>
                       <m:den>
                         <m:r>
                           <m:rPr>
-                            <m:nor/>
+                            <m:sty m:val="p"/>
                           </m:rPr>
-                          <a:rPr lang="en-US" sz="2200" b="0" i="0" smtClean="0">
+                          <a:rPr lang="en-US" sz="2000" b="0" i="0" smtClean="0">
                             <a:latin typeface="Cambria Math" panose="02040503050406030204" pitchFamily="18" charset="0"/>
-                            <a:ea typeface="Cambria Math" panose="02040503050406030204" pitchFamily="18" charset="0"/>
                           </a:rPr>
-                          <m:t>1 </m:t>
+                          <m:t>kg</m:t>
                         </m:r>
                         <m:r>
-                          <m:rPr>
-                            <m:nor/>
-                          </m:rPr>
-                          <a:rPr lang="en-US" sz="2200" b="0" i="0" smtClean="0">
+                          <a:rPr lang="en-US" sz="2000" i="0">
                             <a:latin typeface="Cambria Math" panose="02040503050406030204" pitchFamily="18" charset="0"/>
-                            <a:ea typeface="Cambria Math" panose="02040503050406030204" pitchFamily="18" charset="0"/>
-                          </a:rPr>
-                          <m:t>mol</m:t>
-                        </m:r>
-                        <m:r>
-                          <m:rPr>
-                            <m:nor/>
-                          </m:rPr>
-                          <a:rPr lang="en-US" sz="2200" b="0" i="0" smtClean="0">
-                            <a:latin typeface="Cambria Math" panose="02040503050406030204" pitchFamily="18" charset="0"/>
-                            <a:ea typeface="Cambria Math" panose="02040503050406030204" pitchFamily="18" charset="0"/>
                           </a:rPr>
                           <m:t> </m:t>
                         </m:r>
                         <m:r>
                           <m:rPr>
-                            <m:nor/>
+                            <m:sty m:val="p"/>
                           </m:rPr>
-                          <a:rPr lang="en-US" sz="2200" b="0" i="0" smtClean="0">
+                          <a:rPr lang="en-US" sz="2000" i="0">
                             <a:latin typeface="Cambria Math" panose="02040503050406030204" pitchFamily="18" charset="0"/>
-                            <a:ea typeface="Cambria Math" panose="02040503050406030204" pitchFamily="18" charset="0"/>
                           </a:rPr>
-                          <m:t>Cu</m:t>
+                          <m:t>solvent</m:t>
                         </m:r>
                       </m:den>
                     </m:f>
+                  </m:oMath>
+                </a14:m>
+                <a:endParaRPr lang="en-US" sz="2000" dirty="0"/>
+              </a:p>
+              <a:p>
+                <a:pPr marL="0" indent="0" algn="ctr">
+                  <a:spcBef>
+                    <a:spcPts val="1200"/>
+                  </a:spcBef>
+                  <a:buNone/>
+                </a:pPr>
+                <a:r>
+                  <a:rPr lang="en-US" sz="2000" dirty="0"/>
+                  <a:t> </a:t>
+                </a:r>
+                <a14:m>
+                  <m:oMath xmlns:m="http://schemas.openxmlformats.org/officeDocument/2006/math">
                     <m:r>
                       <m:rPr>
-                        <m:nor/>
+                        <m:sty m:val="p"/>
                       </m:rPr>
-                      <a:rPr lang="en-US" sz="2200" b="0" i="0" smtClean="0">
+                      <a:rPr lang="en-US" sz="2000">
                         <a:latin typeface="Cambria Math" panose="02040503050406030204" pitchFamily="18" charset="0"/>
-                        <a:ea typeface="Cambria Math" panose="02040503050406030204" pitchFamily="18" charset="0"/>
                       </a:rPr>
-                      <m:t>=</m:t>
+                      <m:t>Mass</m:t>
                     </m:r>
                     <m:r>
-                      <m:rPr>
-                        <m:nor/>
-                      </m:rPr>
-                      <a:rPr lang="en-US" sz="2200" b="0" i="0" smtClean="0">
-                        <a:latin typeface="Cambria Math" panose="02040503050406030204" pitchFamily="18" charset="0"/>
-                      </a:rPr>
-                      <m:t> 7.93 </m:t>
-                    </m:r>
-                    <m:r>
-                      <m:rPr>
-                        <m:nor/>
-                      </m:rPr>
-                      <a:rPr lang="en-US" sz="2200" b="0" i="0" smtClean="0">
-                        <a:latin typeface="Cambria Math" panose="02040503050406030204" pitchFamily="18" charset="0"/>
-                      </a:rPr>
-                      <m:t>g</m:t>
-                    </m:r>
-                    <m:r>
-                      <m:rPr>
-                        <m:nor/>
-                      </m:rPr>
-                      <a:rPr lang="en-US" sz="2200" b="0" i="0" smtClean="0">
+                      <a:rPr lang="en-US" sz="2000" b="0" i="0" smtClean="0">
                         <a:latin typeface="Cambria Math" panose="02040503050406030204" pitchFamily="18" charset="0"/>
                       </a:rPr>
                       <m:t> </m:t>
                     </m:r>
                     <m:r>
                       <m:rPr>
-                        <m:nor/>
+                        <m:sty m:val="p"/>
                       </m:rPr>
-                      <a:rPr lang="en-US" sz="2200" b="0" i="0" smtClean="0">
+                      <a:rPr lang="en-US" sz="2000" b="0" i="0" smtClean="0">
                         <a:latin typeface="Cambria Math" panose="02040503050406030204" pitchFamily="18" charset="0"/>
                       </a:rPr>
-                      <m:t>Cu</m:t>
+                      <m:t>Volume</m:t>
+                    </m:r>
+                    <m:r>
+                      <a:rPr lang="en-US" sz="2000">
+                        <a:latin typeface="Cambria Math" panose="02040503050406030204" pitchFamily="18" charset="0"/>
+                      </a:rPr>
+                      <m:t> </m:t>
+                    </m:r>
+                    <m:r>
+                      <m:rPr>
+                        <m:sty m:val="p"/>
+                      </m:rPr>
+                      <a:rPr lang="en-US" sz="2000" b="0" i="0" smtClean="0">
+                        <a:latin typeface="Cambria Math" panose="02040503050406030204" pitchFamily="18" charset="0"/>
+                      </a:rPr>
+                      <m:t>P</m:t>
+                    </m:r>
+                    <m:r>
+                      <m:rPr>
+                        <m:sty m:val="p"/>
+                      </m:rPr>
+                      <a:rPr lang="en-US" sz="2000">
+                        <a:latin typeface="Cambria Math" panose="02040503050406030204" pitchFamily="18" charset="0"/>
+                      </a:rPr>
+                      <m:t>ercent</m:t>
+                    </m:r>
+                    <m:r>
+                      <a:rPr lang="en-US" sz="2000">
+                        <a:latin typeface="Cambria Math" panose="02040503050406030204" pitchFamily="18" charset="0"/>
+                      </a:rPr>
+                      <m:t> </m:t>
+                    </m:r>
+                    <m:d>
+                      <m:dPr>
+                        <m:ctrlPr>
+                          <a:rPr lang="en-US" sz="2000" i="1">
+                            <a:latin typeface="Cambria Math" panose="02040503050406030204" pitchFamily="18" charset="0"/>
+                          </a:rPr>
+                        </m:ctrlPr>
+                      </m:dPr>
+                      <m:e>
+                        <m:f>
+                          <m:fPr>
+                            <m:ctrlPr>
+                              <a:rPr lang="en-US" sz="2000" i="1">
+                                <a:latin typeface="Cambria Math" panose="02040503050406030204" pitchFamily="18" charset="0"/>
+                              </a:rPr>
+                            </m:ctrlPr>
+                          </m:fPr>
+                          <m:num>
+                            <m:r>
+                              <a:rPr lang="en-US" sz="2000" i="1">
+                                <a:latin typeface="Cambria Math" panose="02040503050406030204" pitchFamily="18" charset="0"/>
+                              </a:rPr>
+                              <m:t>𝑚</m:t>
+                            </m:r>
+                          </m:num>
+                          <m:den>
+                            <m:r>
+                              <a:rPr lang="en-US" sz="2000" b="0" i="1" smtClean="0">
+                                <a:latin typeface="Cambria Math" panose="02040503050406030204" pitchFamily="18" charset="0"/>
+                              </a:rPr>
+                              <m:t>𝑉</m:t>
+                            </m:r>
+                          </m:den>
+                        </m:f>
+                        <m:r>
+                          <a:rPr lang="en-US" sz="2000" i="1">
+                            <a:latin typeface="Cambria Math" panose="02040503050406030204" pitchFamily="18" charset="0"/>
+                          </a:rPr>
+                          <m:t>%</m:t>
+                        </m:r>
+                      </m:e>
+                    </m:d>
+                    <m:r>
+                      <a:rPr lang="en-US" sz="2000">
+                        <a:latin typeface="Cambria Math" panose="02040503050406030204" pitchFamily="18" charset="0"/>
+                      </a:rPr>
+                      <m:t>=</m:t>
+                    </m:r>
+                    <m:f>
+                      <m:fPr>
+                        <m:ctrlPr>
+                          <a:rPr lang="en-US" sz="2000" i="1">
+                            <a:latin typeface="Cambria Math" panose="02040503050406030204" pitchFamily="18" charset="0"/>
+                          </a:rPr>
+                        </m:ctrlPr>
+                      </m:fPr>
+                      <m:num>
+                        <m:r>
+                          <m:rPr>
+                            <m:sty m:val="p"/>
+                          </m:rPr>
+                          <a:rPr lang="en-US" sz="2000">
+                            <a:latin typeface="Cambria Math" panose="02040503050406030204" pitchFamily="18" charset="0"/>
+                          </a:rPr>
+                          <m:t>mass</m:t>
+                        </m:r>
+                        <m:r>
+                          <a:rPr lang="en-US" sz="2000" b="0" i="0" smtClean="0">
+                            <a:latin typeface="Cambria Math" panose="02040503050406030204" pitchFamily="18" charset="0"/>
+                          </a:rPr>
+                          <m:t> (</m:t>
+                        </m:r>
+                        <m:r>
+                          <m:rPr>
+                            <m:sty m:val="p"/>
+                          </m:rPr>
+                          <a:rPr lang="en-US" sz="2000" b="0" i="0" smtClean="0">
+                            <a:latin typeface="Cambria Math" panose="02040503050406030204" pitchFamily="18" charset="0"/>
+                          </a:rPr>
+                          <m:t>g</m:t>
+                        </m:r>
+                        <m:r>
+                          <a:rPr lang="en-US" sz="2000" b="0" i="0" smtClean="0">
+                            <a:latin typeface="Cambria Math" panose="02040503050406030204" pitchFamily="18" charset="0"/>
+                          </a:rPr>
+                          <m:t>) </m:t>
+                        </m:r>
+                        <m:r>
+                          <m:rPr>
+                            <m:sty m:val="p"/>
+                          </m:rPr>
+                          <a:rPr lang="en-US" sz="2000">
+                            <a:latin typeface="Cambria Math" panose="02040503050406030204" pitchFamily="18" charset="0"/>
+                          </a:rPr>
+                          <m:t>solute</m:t>
+                        </m:r>
+                      </m:num>
+                      <m:den>
+                        <m:r>
+                          <a:rPr lang="en-US" sz="2000" b="0" i="0" smtClean="0">
+                            <a:latin typeface="Cambria Math" panose="02040503050406030204" pitchFamily="18" charset="0"/>
+                          </a:rPr>
+                          <m:t>100 </m:t>
+                        </m:r>
+                        <m:r>
+                          <m:rPr>
+                            <m:sty m:val="p"/>
+                          </m:rPr>
+                          <a:rPr lang="en-US" sz="2000" b="0" i="0" smtClean="0">
+                            <a:latin typeface="Cambria Math" panose="02040503050406030204" pitchFamily="18" charset="0"/>
+                          </a:rPr>
+                          <m:t>mL</m:t>
+                        </m:r>
+                        <m:r>
+                          <a:rPr lang="en-US" sz="2000">
+                            <a:latin typeface="Cambria Math" panose="02040503050406030204" pitchFamily="18" charset="0"/>
+                          </a:rPr>
+                          <m:t> </m:t>
+                        </m:r>
+                        <m:r>
+                          <m:rPr>
+                            <m:sty m:val="p"/>
+                          </m:rPr>
+                          <a:rPr lang="en-US" sz="2000">
+                            <a:latin typeface="Cambria Math" panose="02040503050406030204" pitchFamily="18" charset="0"/>
+                          </a:rPr>
+                          <m:t>solution</m:t>
+                        </m:r>
+                      </m:den>
+                    </m:f>
+                    <m:r>
+                      <a:rPr lang="en-US" sz="2000" b="0" i="1" smtClean="0">
+                        <a:latin typeface="Cambria Math" panose="02040503050406030204" pitchFamily="18" charset="0"/>
+                      </a:rPr>
+                      <m:t>=</m:t>
+                    </m:r>
+                    <m:f>
+                      <m:fPr>
+                        <m:ctrlPr>
+                          <a:rPr lang="en-US" sz="2000" i="1">
+                            <a:latin typeface="Cambria Math" panose="02040503050406030204" pitchFamily="18" charset="0"/>
+                          </a:rPr>
+                        </m:ctrlPr>
+                      </m:fPr>
+                      <m:num>
+                        <m:r>
+                          <m:rPr>
+                            <m:sty m:val="p"/>
+                          </m:rPr>
+                          <a:rPr lang="en-US" sz="2000">
+                            <a:latin typeface="Cambria Math" panose="02040503050406030204" pitchFamily="18" charset="0"/>
+                          </a:rPr>
+                          <m:t>mass</m:t>
+                        </m:r>
+                        <m:r>
+                          <a:rPr lang="en-US" sz="2000">
+                            <a:latin typeface="Cambria Math" panose="02040503050406030204" pitchFamily="18" charset="0"/>
+                          </a:rPr>
+                          <m:t> (</m:t>
+                        </m:r>
+                        <m:r>
+                          <m:rPr>
+                            <m:sty m:val="p"/>
+                          </m:rPr>
+                          <a:rPr lang="en-US" sz="2000">
+                            <a:latin typeface="Cambria Math" panose="02040503050406030204" pitchFamily="18" charset="0"/>
+                          </a:rPr>
+                          <m:t>g</m:t>
+                        </m:r>
+                        <m:r>
+                          <a:rPr lang="en-US" sz="2000">
+                            <a:latin typeface="Cambria Math" panose="02040503050406030204" pitchFamily="18" charset="0"/>
+                          </a:rPr>
+                          <m:t>) </m:t>
+                        </m:r>
+                        <m:r>
+                          <m:rPr>
+                            <m:sty m:val="p"/>
+                          </m:rPr>
+                          <a:rPr lang="en-US" sz="2000">
+                            <a:latin typeface="Cambria Math" panose="02040503050406030204" pitchFamily="18" charset="0"/>
+                          </a:rPr>
+                          <m:t>solute</m:t>
+                        </m:r>
+                      </m:num>
+                      <m:den>
+                        <m:r>
+                          <m:rPr>
+                            <m:sty m:val="p"/>
+                          </m:rPr>
+                          <a:rPr lang="en-US" sz="2000">
+                            <a:latin typeface="Cambria Math" panose="02040503050406030204" pitchFamily="18" charset="0"/>
+                          </a:rPr>
+                          <m:t>mL</m:t>
+                        </m:r>
+                        <m:r>
+                          <a:rPr lang="en-US" sz="2000">
+                            <a:latin typeface="Cambria Math" panose="02040503050406030204" pitchFamily="18" charset="0"/>
+                          </a:rPr>
+                          <m:t> </m:t>
+                        </m:r>
+                        <m:r>
+                          <m:rPr>
+                            <m:sty m:val="p"/>
+                          </m:rPr>
+                          <a:rPr lang="en-US" sz="2000">
+                            <a:latin typeface="Cambria Math" panose="02040503050406030204" pitchFamily="18" charset="0"/>
+                          </a:rPr>
+                          <m:t>solution</m:t>
+                        </m:r>
+                      </m:den>
+                    </m:f>
+                    <m:r>
+                      <a:rPr lang="en-US" sz="2000" i="1">
+                        <a:latin typeface="Cambria Math" panose="02040503050406030204" pitchFamily="18" charset="0"/>
+                        <a:ea typeface="Cambria Math" panose="02040503050406030204" pitchFamily="18" charset="0"/>
+                      </a:rPr>
+                      <m:t>×</m:t>
+                    </m:r>
+                    <m:r>
+                      <a:rPr lang="en-US" sz="2000" b="0" i="1" smtClean="0">
+                        <a:latin typeface="Cambria Math" panose="02040503050406030204" pitchFamily="18" charset="0"/>
+                        <a:ea typeface="Cambria Math" panose="02040503050406030204" pitchFamily="18" charset="0"/>
+                      </a:rPr>
+                      <m:t>100%</m:t>
                     </m:r>
                   </m:oMath>
                 </a14:m>
-                <a:endParaRPr lang="en-US" sz="2200" dirty="0"/>
+                <a:endParaRPr lang="en-US" sz="2000" dirty="0"/>
               </a:p>
               <a:p>
+                <a:pPr marL="0" indent="0" algn="ctr">
+                  <a:spcBef>
+                    <a:spcPts val="1200"/>
+                  </a:spcBef>
+                  <a:buNone/>
+                </a:pPr>
                 <a:r>
-                  <a:rPr lang="en-US" sz="2200" dirty="0"/>
-                  <a:t>If you consider you can weigh out up to 4.00 g S, then you could consume as much as ~16 g Cu</a:t>
+                  <a:rPr lang="en-US" sz="2000" dirty="0"/>
+                  <a:t> </a:t>
                 </a:r>
+                <a14:m>
+                  <m:oMath xmlns:m="http://schemas.openxmlformats.org/officeDocument/2006/math">
+                    <m:r>
+                      <m:rPr>
+                        <m:sty m:val="p"/>
+                      </m:rPr>
+                      <a:rPr lang="en-US" sz="2000">
+                        <a:latin typeface="Cambria Math" panose="02040503050406030204" pitchFamily="18" charset="0"/>
+                      </a:rPr>
+                      <m:t>Volume</m:t>
+                    </m:r>
+                    <m:r>
+                      <a:rPr lang="en-US" sz="2000">
+                        <a:latin typeface="Cambria Math" panose="02040503050406030204" pitchFamily="18" charset="0"/>
+                      </a:rPr>
+                      <m:t> </m:t>
+                    </m:r>
+                    <m:r>
+                      <m:rPr>
+                        <m:sty m:val="p"/>
+                      </m:rPr>
+                      <a:rPr lang="en-US" sz="2000">
+                        <a:latin typeface="Cambria Math" panose="02040503050406030204" pitchFamily="18" charset="0"/>
+                      </a:rPr>
+                      <m:t>Percent</m:t>
+                    </m:r>
+                    <m:r>
+                      <a:rPr lang="en-US" sz="2000">
+                        <a:latin typeface="Cambria Math" panose="02040503050406030204" pitchFamily="18" charset="0"/>
+                      </a:rPr>
+                      <m:t> </m:t>
+                    </m:r>
+                    <m:d>
+                      <m:dPr>
+                        <m:ctrlPr>
+                          <a:rPr lang="en-US" sz="2000" i="1">
+                            <a:latin typeface="Cambria Math" panose="02040503050406030204" pitchFamily="18" charset="0"/>
+                          </a:rPr>
+                        </m:ctrlPr>
+                      </m:dPr>
+                      <m:e>
+                        <m:f>
+                          <m:fPr>
+                            <m:ctrlPr>
+                              <a:rPr lang="en-US" sz="2000" i="1">
+                                <a:latin typeface="Cambria Math" panose="02040503050406030204" pitchFamily="18" charset="0"/>
+                              </a:rPr>
+                            </m:ctrlPr>
+                          </m:fPr>
+                          <m:num>
+                            <m:r>
+                              <a:rPr lang="en-US" sz="2000" b="0" i="1" smtClean="0">
+                                <a:latin typeface="Cambria Math" panose="02040503050406030204" pitchFamily="18" charset="0"/>
+                              </a:rPr>
+                              <m:t>𝑉</m:t>
+                            </m:r>
+                          </m:num>
+                          <m:den>
+                            <m:r>
+                              <a:rPr lang="en-US" sz="2000" i="1">
+                                <a:latin typeface="Cambria Math" panose="02040503050406030204" pitchFamily="18" charset="0"/>
+                              </a:rPr>
+                              <m:t>𝑉</m:t>
+                            </m:r>
+                          </m:den>
+                        </m:f>
+                        <m:r>
+                          <a:rPr lang="en-US" sz="2000" i="1">
+                            <a:latin typeface="Cambria Math" panose="02040503050406030204" pitchFamily="18" charset="0"/>
+                          </a:rPr>
+                          <m:t>%</m:t>
+                        </m:r>
+                      </m:e>
+                    </m:d>
+                    <m:r>
+                      <a:rPr lang="en-US" sz="2000">
+                        <a:latin typeface="Cambria Math" panose="02040503050406030204" pitchFamily="18" charset="0"/>
+                      </a:rPr>
+                      <m:t>=</m:t>
+                    </m:r>
+                    <m:f>
+                      <m:fPr>
+                        <m:ctrlPr>
+                          <a:rPr lang="en-US" sz="2000" i="1">
+                            <a:latin typeface="Cambria Math" panose="02040503050406030204" pitchFamily="18" charset="0"/>
+                          </a:rPr>
+                        </m:ctrlPr>
+                      </m:fPr>
+                      <m:num>
+                        <m:r>
+                          <m:rPr>
+                            <m:sty m:val="p"/>
+                          </m:rPr>
+                          <a:rPr lang="en-US" sz="2000" b="0" i="0" smtClean="0">
+                            <a:latin typeface="Cambria Math" panose="02040503050406030204" pitchFamily="18" charset="0"/>
+                          </a:rPr>
+                          <m:t>volume</m:t>
+                        </m:r>
+                        <m:r>
+                          <a:rPr lang="en-US" sz="2000" b="0" i="0" smtClean="0">
+                            <a:latin typeface="Cambria Math" panose="02040503050406030204" pitchFamily="18" charset="0"/>
+                          </a:rPr>
+                          <m:t> (</m:t>
+                        </m:r>
+                        <m:r>
+                          <m:rPr>
+                            <m:sty m:val="p"/>
+                          </m:rPr>
+                          <a:rPr lang="en-US" sz="2000" b="0" i="0" smtClean="0">
+                            <a:latin typeface="Cambria Math" panose="02040503050406030204" pitchFamily="18" charset="0"/>
+                          </a:rPr>
+                          <m:t>mL</m:t>
+                        </m:r>
+                        <m:r>
+                          <a:rPr lang="en-US" sz="2000" b="0" i="0" smtClean="0">
+                            <a:latin typeface="Cambria Math" panose="02040503050406030204" pitchFamily="18" charset="0"/>
+                          </a:rPr>
+                          <m:t>) </m:t>
+                        </m:r>
+                        <m:r>
+                          <m:rPr>
+                            <m:sty m:val="p"/>
+                          </m:rPr>
+                          <a:rPr lang="en-US" sz="2000">
+                            <a:latin typeface="Cambria Math" panose="02040503050406030204" pitchFamily="18" charset="0"/>
+                          </a:rPr>
+                          <m:t>solute</m:t>
+                        </m:r>
+                      </m:num>
+                      <m:den>
+                        <m:r>
+                          <a:rPr lang="en-US" sz="2000">
+                            <a:latin typeface="Cambria Math" panose="02040503050406030204" pitchFamily="18" charset="0"/>
+                          </a:rPr>
+                          <m:t>100 </m:t>
+                        </m:r>
+                        <m:r>
+                          <m:rPr>
+                            <m:sty m:val="p"/>
+                          </m:rPr>
+                          <a:rPr lang="en-US" sz="2000">
+                            <a:latin typeface="Cambria Math" panose="02040503050406030204" pitchFamily="18" charset="0"/>
+                          </a:rPr>
+                          <m:t>mL</m:t>
+                        </m:r>
+                        <m:r>
+                          <a:rPr lang="en-US" sz="2000">
+                            <a:latin typeface="Cambria Math" panose="02040503050406030204" pitchFamily="18" charset="0"/>
+                          </a:rPr>
+                          <m:t> </m:t>
+                        </m:r>
+                        <m:r>
+                          <m:rPr>
+                            <m:sty m:val="p"/>
+                          </m:rPr>
+                          <a:rPr lang="en-US" sz="2000">
+                            <a:latin typeface="Cambria Math" panose="02040503050406030204" pitchFamily="18" charset="0"/>
+                          </a:rPr>
+                          <m:t>solution</m:t>
+                        </m:r>
+                      </m:den>
+                    </m:f>
+                    <m:r>
+                      <a:rPr lang="en-US" sz="2000" i="1">
+                        <a:latin typeface="Cambria Math" panose="02040503050406030204" pitchFamily="18" charset="0"/>
+                      </a:rPr>
+                      <m:t>=</m:t>
+                    </m:r>
+                    <m:f>
+                      <m:fPr>
+                        <m:ctrlPr>
+                          <a:rPr lang="en-US" sz="2000" i="1">
+                            <a:latin typeface="Cambria Math" panose="02040503050406030204" pitchFamily="18" charset="0"/>
+                          </a:rPr>
+                        </m:ctrlPr>
+                      </m:fPr>
+                      <m:num>
+                        <m:r>
+                          <m:rPr>
+                            <m:sty m:val="p"/>
+                          </m:rPr>
+                          <a:rPr lang="en-US" sz="2000" b="0" i="0" smtClean="0">
+                            <a:latin typeface="Cambria Math" panose="02040503050406030204" pitchFamily="18" charset="0"/>
+                          </a:rPr>
+                          <m:t>volume</m:t>
+                        </m:r>
+                        <m:r>
+                          <a:rPr lang="en-US" sz="2000">
+                            <a:latin typeface="Cambria Math" panose="02040503050406030204" pitchFamily="18" charset="0"/>
+                          </a:rPr>
+                          <m:t> </m:t>
+                        </m:r>
+                        <m:r>
+                          <m:rPr>
+                            <m:sty m:val="p"/>
+                          </m:rPr>
+                          <a:rPr lang="en-US" sz="2000">
+                            <a:latin typeface="Cambria Math" panose="02040503050406030204" pitchFamily="18" charset="0"/>
+                          </a:rPr>
+                          <m:t>solute</m:t>
+                        </m:r>
+                      </m:num>
+                      <m:den>
+                        <m:r>
+                          <m:rPr>
+                            <m:sty m:val="p"/>
+                          </m:rPr>
+                          <a:rPr lang="en-US" sz="2000" b="0" i="0" smtClean="0">
+                            <a:latin typeface="Cambria Math" panose="02040503050406030204" pitchFamily="18" charset="0"/>
+                          </a:rPr>
+                          <m:t>volume</m:t>
+                        </m:r>
+                        <m:r>
+                          <a:rPr lang="en-US" sz="2000">
+                            <a:latin typeface="Cambria Math" panose="02040503050406030204" pitchFamily="18" charset="0"/>
+                          </a:rPr>
+                          <m:t> </m:t>
+                        </m:r>
+                        <m:r>
+                          <m:rPr>
+                            <m:sty m:val="p"/>
+                          </m:rPr>
+                          <a:rPr lang="en-US" sz="2000">
+                            <a:latin typeface="Cambria Math" panose="02040503050406030204" pitchFamily="18" charset="0"/>
+                          </a:rPr>
+                          <m:t>solution</m:t>
+                        </m:r>
+                      </m:den>
+                    </m:f>
+                    <m:r>
+                      <a:rPr lang="en-US" sz="2000" i="1">
+                        <a:latin typeface="Cambria Math" panose="02040503050406030204" pitchFamily="18" charset="0"/>
+                        <a:ea typeface="Cambria Math" panose="02040503050406030204" pitchFamily="18" charset="0"/>
+                      </a:rPr>
+                      <m:t>×100%</m:t>
+                    </m:r>
+                  </m:oMath>
+                </a14:m>
+                <a:endParaRPr lang="en-US" sz="2000" dirty="0"/>
+              </a:p>
+              <a:p>
+                <a:pPr marL="0" indent="0" algn="ctr">
+                  <a:spcBef>
+                    <a:spcPts val="1200"/>
+                  </a:spcBef>
+                  <a:buNone/>
+                </a:pPr>
+                <a:r>
+                  <a:rPr lang="en-US" sz="2000" dirty="0"/>
+                  <a:t> </a:t>
+                </a:r>
+                <a14:m>
+                  <m:oMath xmlns:m="http://schemas.openxmlformats.org/officeDocument/2006/math">
+                    <m:r>
+                      <m:rPr>
+                        <m:sty m:val="p"/>
+                      </m:rPr>
+                      <a:rPr lang="en-US" sz="2000" b="0" i="0" smtClean="0">
+                        <a:latin typeface="Cambria Math" panose="02040503050406030204" pitchFamily="18" charset="0"/>
+                      </a:rPr>
+                      <m:t>Solution</m:t>
+                    </m:r>
+                    <m:r>
+                      <a:rPr lang="en-US" sz="2000" b="0" i="0" smtClean="0">
+                        <a:latin typeface="Cambria Math" panose="02040503050406030204" pitchFamily="18" charset="0"/>
+                      </a:rPr>
+                      <m:t> </m:t>
+                    </m:r>
+                    <m:r>
+                      <m:rPr>
+                        <m:sty m:val="p"/>
+                      </m:rPr>
+                      <a:rPr lang="en-US" sz="2000" b="0" i="0" smtClean="0">
+                        <a:latin typeface="Cambria Math" panose="02040503050406030204" pitchFamily="18" charset="0"/>
+                      </a:rPr>
+                      <m:t>Density</m:t>
+                    </m:r>
+                    <m:r>
+                      <a:rPr lang="en-US" sz="2000">
+                        <a:latin typeface="Cambria Math" panose="02040503050406030204" pitchFamily="18" charset="0"/>
+                      </a:rPr>
+                      <m:t>=</m:t>
+                    </m:r>
+                    <m:f>
+                      <m:fPr>
+                        <m:ctrlPr>
+                          <a:rPr lang="en-US" sz="2000" i="1">
+                            <a:latin typeface="Cambria Math" panose="02040503050406030204" pitchFamily="18" charset="0"/>
+                          </a:rPr>
+                        </m:ctrlPr>
+                      </m:fPr>
+                      <m:num>
+                        <m:r>
+                          <m:rPr>
+                            <m:sty m:val="p"/>
+                          </m:rPr>
+                          <a:rPr lang="en-US" sz="2000" b="0" i="0" smtClean="0">
+                            <a:latin typeface="Cambria Math" panose="02040503050406030204" pitchFamily="18" charset="0"/>
+                          </a:rPr>
+                          <m:t>grams</m:t>
+                        </m:r>
+                        <m:r>
+                          <a:rPr lang="en-US" sz="2000">
+                            <a:latin typeface="Cambria Math" panose="02040503050406030204" pitchFamily="18" charset="0"/>
+                          </a:rPr>
+                          <m:t> </m:t>
+                        </m:r>
+                        <m:r>
+                          <m:rPr>
+                            <m:sty m:val="p"/>
+                          </m:rPr>
+                          <a:rPr lang="en-US" sz="2000">
+                            <a:latin typeface="Cambria Math" panose="02040503050406030204" pitchFamily="18" charset="0"/>
+                          </a:rPr>
+                          <m:t>solutio</m:t>
+                        </m:r>
+                        <m:r>
+                          <m:rPr>
+                            <m:sty m:val="p"/>
+                          </m:rPr>
+                          <a:rPr lang="en-US" sz="2000" b="0" i="0" smtClean="0">
+                            <a:latin typeface="Cambria Math" panose="02040503050406030204" pitchFamily="18" charset="0"/>
+                          </a:rPr>
+                          <m:t>n</m:t>
+                        </m:r>
+                      </m:num>
+                      <m:den>
+                        <m:r>
+                          <m:rPr>
+                            <m:sty m:val="p"/>
+                          </m:rPr>
+                          <a:rPr lang="en-US" sz="2000" b="0" i="0" smtClean="0">
+                            <a:latin typeface="Cambria Math" panose="02040503050406030204" pitchFamily="18" charset="0"/>
+                          </a:rPr>
+                          <m:t>milliliters</m:t>
+                        </m:r>
+                        <m:r>
+                          <a:rPr lang="en-US" sz="2000">
+                            <a:latin typeface="Cambria Math" panose="02040503050406030204" pitchFamily="18" charset="0"/>
+                          </a:rPr>
+                          <m:t> </m:t>
+                        </m:r>
+                        <m:r>
+                          <m:rPr>
+                            <m:sty m:val="p"/>
+                          </m:rPr>
+                          <a:rPr lang="en-US" sz="2000">
+                            <a:latin typeface="Cambria Math" panose="02040503050406030204" pitchFamily="18" charset="0"/>
+                          </a:rPr>
+                          <m:t>solution</m:t>
+                        </m:r>
+                      </m:den>
+                    </m:f>
+                  </m:oMath>
+                </a14:m>
+                <a:endParaRPr lang="en-US" sz="2000" dirty="0"/>
+              </a:p>
+              <a:p>
+                <a:pPr marL="0" indent="0" algn="ctr">
+                  <a:spcBef>
+                    <a:spcPts val="1200"/>
+                  </a:spcBef>
+                  <a:buNone/>
+                </a:pPr>
+                <a:endParaRPr lang="en-US" sz="2000" dirty="0"/>
+              </a:p>
+              <a:p>
+                <a:pPr marL="0" indent="0">
+                  <a:spcBef>
+                    <a:spcPts val="1200"/>
+                  </a:spcBef>
+                  <a:buNone/>
+                </a:pPr>
+                <a:endParaRPr lang="en-US" sz="1600" dirty="0"/>
               </a:p>
             </p:txBody>
           </p:sp>
@@ -12882,7 +12958,7 @@
               <p:cNvPr id="3" name="Content Placeholder 2">
                 <a:extLst>
                   <a:ext uri="{FF2B5EF4-FFF2-40B4-BE49-F238E27FC236}">
-                    <a16:creationId xmlns:a16="http://schemas.microsoft.com/office/drawing/2014/main" id="{10F096D7-7F9F-3A76-824B-79A56486284F}"/>
+                    <a16:creationId xmlns:a16="http://schemas.microsoft.com/office/drawing/2014/main" id="{85B85C38-707F-48FE-27DE-C636DA189598}"/>
                   </a:ext>
                 </a:extLst>
               </p:cNvPr>
@@ -12894,10 +12970,14 @@
               </p:nvPr>
             </p:nvSpPr>
             <p:spPr>
+              <a:xfrm>
+                <a:off x="372533" y="1065476"/>
+                <a:ext cx="8387645" cy="5482080"/>
+              </a:xfrm>
               <a:blipFill>
-                <a:blip r:embed="rId2"/>
+                <a:blip r:embed="rId3"/>
                 <a:stretch>
-                  <a:fillRect l="-1090" t="-936"/>
+                  <a:fillRect/>
                 </a:stretch>
               </a:blipFill>
             </p:spPr>
@@ -12919,7 +12999,7 @@
     </p:spTree>
     <p:extLst>
       <p:ext uri="{BB962C8B-B14F-4D97-AF65-F5344CB8AC3E}">
-        <p14:creationId xmlns:p14="http://schemas.microsoft.com/office/powerpoint/2010/main" val="1120309110"/>
+        <p14:creationId xmlns:p14="http://schemas.microsoft.com/office/powerpoint/2010/main" val="569477983"/>
       </p:ext>
     </p:extLst>
   </p:cSld>
@@ -12929,7 +13009,7 @@
 </p:sld>
 </file>
 
-<file path=ppt/slides/slide7.xml><?xml version="1.0" encoding="utf-8"?>
+<file path=ppt/slides/slide5.xml><?xml version="1.0" encoding="utf-8"?>
 <p:sld xmlns:a="http://schemas.openxmlformats.org/drawingml/2006/main" xmlns:r="http://schemas.openxmlformats.org/officeDocument/2006/relationships" xmlns:p="http://schemas.openxmlformats.org/presentationml/2006/main">
   <p:cSld>
     <p:spTree>
@@ -13012,10 +13092,10 @@
       </p:sp>
       <p:pic>
         <p:nvPicPr>
-          <p:cNvPr id="28" name="Picture 27">
+          <p:cNvPr id="9" name="Picture 8">
             <a:extLst>
               <a:ext uri="{FF2B5EF4-FFF2-40B4-BE49-F238E27FC236}">
-                <a16:creationId xmlns:a16="http://schemas.microsoft.com/office/drawing/2014/main" id="{E3D37E1F-6623-386E-390F-27A95E1D5E63}"/>
+                <a16:creationId xmlns:a16="http://schemas.microsoft.com/office/drawing/2014/main" id="{F6E82A78-00EE-708E-D730-88BD18A1905D}"/>
               </a:ext>
             </a:extLst>
           </p:cNvPr>
@@ -13032,8 +13112,8 @@
         </p:blipFill>
         <p:spPr>
           <a:xfrm>
-            <a:off x="163688" y="1073405"/>
-            <a:ext cx="8805334" cy="5661611"/>
+            <a:off x="666708" y="1502785"/>
+            <a:ext cx="7799294" cy="5232231"/>
           </a:xfrm>
           <a:prstGeom prst="rect">
             <a:avLst/>
@@ -13053,7 +13133,178 @@
 </p:sld>
 </file>
 
-<file path=ppt/slides/slide8.xml><?xml version="1.0" encoding="utf-8"?>
+<file path=ppt/slides/slide6.xml><?xml version="1.0" encoding="utf-8"?>
+<p:sld xmlns:a="http://schemas.openxmlformats.org/drawingml/2006/main" xmlns:r="http://schemas.openxmlformats.org/officeDocument/2006/relationships" xmlns:p="http://schemas.openxmlformats.org/presentationml/2006/main">
+  <p:cSld>
+    <p:spTree>
+      <p:nvGrpSpPr>
+        <p:cNvPr id="1" name="">
+          <a:extLst>
+            <a:ext uri="{FF2B5EF4-FFF2-40B4-BE49-F238E27FC236}">
+              <a16:creationId xmlns:a16="http://schemas.microsoft.com/office/drawing/2014/main" id="{C66D0D09-83DA-63AC-E206-8A919790A5FD}"/>
+            </a:ext>
+          </a:extLst>
+        </p:cNvPr>
+        <p:cNvGrpSpPr/>
+        <p:nvPr/>
+      </p:nvGrpSpPr>
+      <p:grpSpPr>
+        <a:xfrm>
+          <a:off x="0" y="0"/>
+          <a:ext cx="0" cy="0"/>
+          <a:chOff x="0" y="0"/>
+          <a:chExt cx="0" cy="0"/>
+        </a:xfrm>
+      </p:grpSpPr>
+      <p:sp>
+        <p:nvSpPr>
+          <p:cNvPr id="2" name="Title 1">
+            <a:extLst>
+              <a:ext uri="{FF2B5EF4-FFF2-40B4-BE49-F238E27FC236}">
+                <a16:creationId xmlns:a16="http://schemas.microsoft.com/office/drawing/2014/main" id="{2760BF67-BCE6-0437-8B85-0A21445CDDAD}"/>
+              </a:ext>
+            </a:extLst>
+          </p:cNvPr>
+          <p:cNvSpPr>
+            <a:spLocks noGrp="1"/>
+          </p:cNvSpPr>
+          <p:nvPr>
+            <p:ph type="title"/>
+          </p:nvPr>
+        </p:nvSpPr>
+        <p:spPr>
+          <a:xfrm>
+            <a:off x="338666" y="122984"/>
+            <a:ext cx="8421512" cy="830997"/>
+          </a:xfrm>
+        </p:spPr>
+        <p:txBody>
+          <a:bodyPr/>
+          <a:lstStyle/>
+          <a:p>
+            <a:r>
+              <a:rPr lang="en-US" dirty="0"/>
+              <a:t>Consumables</a:t>
+            </a:r>
+          </a:p>
+        </p:txBody>
+      </p:sp>
+      <p:sp>
+        <p:nvSpPr>
+          <p:cNvPr id="4" name="Content Placeholder 3">
+            <a:extLst>
+              <a:ext uri="{FF2B5EF4-FFF2-40B4-BE49-F238E27FC236}">
+                <a16:creationId xmlns:a16="http://schemas.microsoft.com/office/drawing/2014/main" id="{71610118-4F11-58E5-4C74-8737D8AA4C64}"/>
+              </a:ext>
+            </a:extLst>
+          </p:cNvPr>
+          <p:cNvSpPr>
+            <a:spLocks noGrp="1"/>
+          </p:cNvSpPr>
+          <p:nvPr>
+            <p:ph idx="1"/>
+          </p:nvPr>
+        </p:nvSpPr>
+        <p:spPr/>
+        <p:txBody>
+          <a:bodyPr/>
+          <a:lstStyle/>
+          <a:p>
+            <a:endParaRPr lang="en-US"/>
+          </a:p>
+        </p:txBody>
+      </p:sp>
+      <p:pic>
+        <p:nvPicPr>
+          <p:cNvPr id="6" name="Picture 5">
+            <a:extLst>
+              <a:ext uri="{FF2B5EF4-FFF2-40B4-BE49-F238E27FC236}">
+                <a16:creationId xmlns:a16="http://schemas.microsoft.com/office/drawing/2014/main" id="{4FCF2887-B9C3-CFA1-7F11-916FDE9EE397}"/>
+              </a:ext>
+            </a:extLst>
+          </p:cNvPr>
+          <p:cNvPicPr>
+            <a:picLocks noChangeAspect="1"/>
+          </p:cNvPicPr>
+          <p:nvPr/>
+        </p:nvPicPr>
+        <p:blipFill>
+          <a:blip r:embed="rId2"/>
+          <a:stretch>
+            <a:fillRect/>
+          </a:stretch>
+        </p:blipFill>
+        <p:spPr>
+          <a:xfrm>
+            <a:off x="4386242" y="2065469"/>
+            <a:ext cx="4373936" cy="3802828"/>
+          </a:xfrm>
+          <a:prstGeom prst="rect">
+            <a:avLst/>
+          </a:prstGeom>
+        </p:spPr>
+      </p:pic>
+      <p:pic>
+        <p:nvPicPr>
+          <p:cNvPr id="1028" name="Picture 4" descr="Sodium chloride, 1 X 1 kg (S9888-1KG)">
+            <a:extLst>
+              <a:ext uri="{FF2B5EF4-FFF2-40B4-BE49-F238E27FC236}">
+                <a16:creationId xmlns:a16="http://schemas.microsoft.com/office/drawing/2014/main" id="{A14B838C-39D3-D218-1E5E-2EDD78AF1675}"/>
+              </a:ext>
+            </a:extLst>
+          </p:cNvPr>
+          <p:cNvPicPr>
+            <a:picLocks noChangeAspect="1" noChangeArrowheads="1"/>
+          </p:cNvPicPr>
+          <p:nvPr/>
+        </p:nvPicPr>
+        <p:blipFill>
+          <a:blip r:embed="rId3">
+            <a:extLst>
+              <a:ext uri="{28A0092B-C50C-407E-A947-70E740481C1C}">
+                <a14:useLocalDpi xmlns:a14="http://schemas.microsoft.com/office/drawing/2010/main" val="0"/>
+              </a:ext>
+            </a:extLst>
+          </a:blip>
+          <a:srcRect/>
+          <a:stretch>
+            <a:fillRect/>
+          </a:stretch>
+        </p:blipFill>
+        <p:spPr bwMode="auto">
+          <a:xfrm>
+            <a:off x="955465" y="1597344"/>
+            <a:ext cx="2847845" cy="4684955"/>
+          </a:xfrm>
+          <a:prstGeom prst="rect">
+            <a:avLst/>
+          </a:prstGeom>
+          <a:noFill/>
+          <a:extLst>
+            <a:ext uri="{909E8E84-426E-40DD-AFC4-6F175D3DCCD1}">
+              <a14:hiddenFill xmlns:a14="http://schemas.microsoft.com/office/drawing/2010/main">
+                <a:solidFill>
+                  <a:srgbClr val="FFFFFF"/>
+                </a:solidFill>
+              </a14:hiddenFill>
+            </a:ext>
+          </a:extLst>
+        </p:spPr>
+      </p:pic>
+    </p:spTree>
+    <p:extLst>
+      <p:ext uri="{BB962C8B-B14F-4D97-AF65-F5344CB8AC3E}">
+        <p14:creationId xmlns:p14="http://schemas.microsoft.com/office/powerpoint/2010/main" val="3637448555"/>
+      </p:ext>
+    </p:extLst>
+  </p:cSld>
+  <p:clrMapOvr>
+    <a:masterClrMapping/>
+  </p:clrMapOvr>
+</p:sld>
+</file>
+
+<file path=ppt/slides/slide7.xml><?xml version="1.0" encoding="utf-8"?>
 <p:sld xmlns:a="http://schemas.openxmlformats.org/drawingml/2006/main" xmlns:r="http://schemas.openxmlformats.org/officeDocument/2006/relationships" xmlns:p="http://schemas.openxmlformats.org/presentationml/2006/main">
   <p:cSld>
     <p:spTree>
@@ -13139,12 +13390,12 @@
               <a:buNone/>
             </a:pPr>
             <a:r>
-              <a:rPr lang="en-US" sz="2800" i="1" dirty="0">
+              <a:rPr lang="en-US" b="1" i="1" dirty="0">
                 <a:solidFill>
                   <a:srgbClr val="00FF00"/>
                 </a:solidFill>
               </a:rPr>
-              <a:t>Cleaning the Crucible</a:t>
+              <a:t>Solution A</a:t>
             </a:r>
           </a:p>
           <a:p>
@@ -13153,8 +13404,8 @@
               <a:buAutoNum type="arabicPeriod"/>
             </a:pPr>
             <a:r>
-              <a:rPr lang="en-US" sz="2800" dirty="0"/>
-              <a:t>If crucible dirty, use small steel wool piece to scrape out solids. Wipe with dry paper towel</a:t>
+              <a:rPr lang="en-US" sz="2200" dirty="0"/>
+              <a:t>Use a Sharpie (permanent marker) to write “A” on 50 mL volumetric flask</a:t>
             </a:r>
           </a:p>
           <a:p>
@@ -13163,8 +13414,8 @@
               <a:buAutoNum type="arabicPeriod"/>
             </a:pPr>
             <a:r>
-              <a:rPr lang="en-US" sz="2800" dirty="0"/>
-              <a:t>Put crucible on stand and heat with blue-coned flame until slightly red hot</a:t>
+              <a:rPr lang="en-US" dirty="0"/>
+              <a:t>Record mass of the empty flask</a:t>
             </a:r>
           </a:p>
           <a:p>
@@ -13173,29 +13424,56 @@
               <a:buAutoNum type="arabicPeriod"/>
             </a:pPr>
             <a:r>
-              <a:rPr lang="en-US" sz="2800" dirty="0"/>
-              <a:t>Use tongs to set crucible on wire mesh and let cool to room temperature (~5 minutes)</a:t>
-            </a:r>
-          </a:p>
-          <a:p>
-            <a:pPr marL="0" indent="0">
-              <a:buNone/>
+              <a:rPr lang="en-US" dirty="0"/>
+              <a:t>Measure out 4.5-6.0 g NaCl on glassine paper and deliver to 50 mL flask</a:t>
+            </a:r>
+          </a:p>
+          <a:p>
+            <a:pPr marL="457200" indent="-457200">
+              <a:buFont typeface="+mj-lt"/>
+              <a:buAutoNum type="arabicPeriod"/>
             </a:pPr>
             <a:r>
-              <a:rPr lang="en-US" sz="2800" dirty="0"/>
-              <a:t>DO NOT SET ANY </a:t>
-            </a:r>
-            <a:r>
-              <a:rPr lang="en-US" sz="3200" b="1" dirty="0">
-                <a:solidFill>
-                  <a:srgbClr val="FF0066"/>
-                </a:solidFill>
-              </a:rPr>
-              <a:t>HOT</a:t>
-            </a:r>
-            <a:r>
-              <a:rPr lang="en-US" sz="2800" dirty="0"/>
-              <a:t> CRUCIBLE ON COUNTERTOP OR ON PAPER OR THEY CAN BURN!</a:t>
+              <a:rPr lang="en-US" dirty="0"/>
+              <a:t>Record mass of flask containing the NaCl</a:t>
+            </a:r>
+          </a:p>
+          <a:p>
+            <a:pPr marL="457200" indent="-457200">
+              <a:buFont typeface="+mj-lt"/>
+              <a:buAutoNum type="arabicPeriod"/>
+            </a:pPr>
+            <a:r>
+              <a:rPr lang="en-US" dirty="0"/>
+              <a:t>Fill flask with DI water to about halfway, add 1 </a:t>
+            </a:r>
+            <a:r>
+              <a:rPr lang="en-US" dirty="0" err="1"/>
+              <a:t>gtt</a:t>
+            </a:r>
+            <a:r>
+              <a:rPr lang="en-US" dirty="0"/>
+              <a:t> food coloring, swirl to dissolve most or all of salt</a:t>
+            </a:r>
+          </a:p>
+          <a:p>
+            <a:pPr marL="457200" indent="-457200">
+              <a:buFont typeface="+mj-lt"/>
+              <a:buAutoNum type="arabicPeriod"/>
+            </a:pPr>
+            <a:r>
+              <a:rPr lang="en-US" dirty="0"/>
+              <a:t>Place the stopper, fill to volume mark with DI water. Mix by inversion, inverting about 15 times</a:t>
+            </a:r>
+          </a:p>
+          <a:p>
+            <a:pPr marL="457200" indent="-457200">
+              <a:buFont typeface="+mj-lt"/>
+              <a:buAutoNum type="arabicPeriod"/>
+            </a:pPr>
+            <a:r>
+              <a:rPr lang="en-US" dirty="0"/>
+              <a:t>Fill to mark again noting meniscus. Record mass of solution</a:t>
             </a:r>
           </a:p>
         </p:txBody>
@@ -13213,7 +13491,7 @@
 </p:sld>
 </file>
 
-<file path=ppt/slides/slide9.xml><?xml version="1.0" encoding="utf-8"?>
+<file path=ppt/slides/slide8.xml><?xml version="1.0" encoding="utf-8"?>
 <p:sld xmlns:a="http://schemas.openxmlformats.org/drawingml/2006/main" xmlns:r="http://schemas.openxmlformats.org/officeDocument/2006/relationships" xmlns:p="http://schemas.openxmlformats.org/presentationml/2006/main">
   <p:cSld>
     <p:spTree>
@@ -13221,7 +13499,7 @@
         <p:cNvPr id="1" name="">
           <a:extLst>
             <a:ext uri="{FF2B5EF4-FFF2-40B4-BE49-F238E27FC236}">
-              <a16:creationId xmlns:a16="http://schemas.microsoft.com/office/drawing/2014/main" id="{4EB46B47-6540-F52F-1F64-854396E70E55}"/>
+              <a16:creationId xmlns:a16="http://schemas.microsoft.com/office/drawing/2014/main" id="{99B8064C-A249-08EA-6468-9D72598435F8}"/>
             </a:ext>
           </a:extLst>
         </p:cNvPr>
@@ -13241,7 +13519,7 @@
           <p:cNvPr id="2" name="Title 1">
             <a:extLst>
               <a:ext uri="{FF2B5EF4-FFF2-40B4-BE49-F238E27FC236}">
-                <a16:creationId xmlns:a16="http://schemas.microsoft.com/office/drawing/2014/main" id="{F6F2263F-7C9A-1678-6FE0-453CEF2400AF}"/>
+                <a16:creationId xmlns:a16="http://schemas.microsoft.com/office/drawing/2014/main" id="{ED1F23AB-062A-D04F-8888-7677E38A78F0}"/>
               </a:ext>
             </a:extLst>
           </p:cNvPr>
@@ -13274,7 +13552,7 @@
           <p:cNvPr id="6" name="Content Placeholder 5">
             <a:extLst>
               <a:ext uri="{FF2B5EF4-FFF2-40B4-BE49-F238E27FC236}">
-                <a16:creationId xmlns:a16="http://schemas.microsoft.com/office/drawing/2014/main" id="{003BDB66-1E78-B72D-677D-D6B5050E2008}"/>
+                <a16:creationId xmlns:a16="http://schemas.microsoft.com/office/drawing/2014/main" id="{B3F401AD-132A-287A-B9E7-2CA75EE954CB}"/>
               </a:ext>
             </a:extLst>
           </p:cNvPr>
@@ -13299,12 +13577,12 @@
               <a:buNone/>
             </a:pPr>
             <a:r>
-              <a:rPr lang="en-US" sz="2800" i="1" dirty="0">
+              <a:rPr lang="en-US" b="1" i="1" dirty="0">
                 <a:solidFill>
                   <a:srgbClr val="00FF00"/>
                 </a:solidFill>
               </a:rPr>
-              <a:t>Before Reaction</a:t>
+              <a:t>Solution B</a:t>
             </a:r>
           </a:p>
           <a:p>
@@ -13313,23 +13591,8 @@
               <a:buAutoNum type="arabicPeriod"/>
             </a:pPr>
             <a:r>
-              <a:rPr lang="en-US" dirty="0"/>
-              <a:t>Determine mass of empty </a:t>
-            </a:r>
-            <a:r>
-              <a:rPr lang="en-US" dirty="0">
-                <a:solidFill>
-                  <a:schemeClr val="accent1">
-                    <a:lumMod val="60000"/>
-                    <a:lumOff val="40000"/>
-                  </a:schemeClr>
-                </a:solidFill>
-              </a:rPr>
-              <a:t>crucible</a:t>
-            </a:r>
-            <a:r>
-              <a:rPr lang="en-US" dirty="0"/>
-              <a:t> (A)</a:t>
+              <a:rPr lang="en-US" sz="2200" dirty="0"/>
+              <a:t>Use a Sharpie (permanent marker) to write “B” on 25 mL volumetric flask</a:t>
             </a:r>
           </a:p>
           <a:p>
@@ -13339,46 +13602,7 @@
             </a:pPr>
             <a:r>
               <a:rPr lang="en-US" dirty="0"/>
-              <a:t>Get </a:t>
-            </a:r>
-            <a:r>
-              <a:rPr lang="en-US" dirty="0">
-                <a:solidFill>
-                  <a:srgbClr val="FF9933"/>
-                </a:solidFill>
-              </a:rPr>
-              <a:t>copper wire</a:t>
-            </a:r>
-            <a:r>
-              <a:rPr lang="en-US" dirty="0"/>
-              <a:t>, </a:t>
-            </a:r>
-            <a:r>
-              <a:rPr lang="en-US" dirty="0">
-                <a:solidFill>
-                  <a:srgbClr val="FFFF00"/>
-                </a:solidFill>
-              </a:rPr>
-              <a:t>coil</a:t>
-            </a:r>
-            <a:r>
-              <a:rPr lang="en-US" dirty="0"/>
-              <a:t> it to fit in </a:t>
-            </a:r>
-            <a:r>
-              <a:rPr lang="en-US" dirty="0">
-                <a:solidFill>
-                  <a:schemeClr val="accent1">
-                    <a:lumMod val="60000"/>
-                    <a:lumOff val="40000"/>
-                  </a:schemeClr>
-                </a:solidFill>
-              </a:rPr>
-              <a:t>crucible</a:t>
-            </a:r>
-            <a:r>
-              <a:rPr lang="en-US" dirty="0"/>
-              <a:t>. Record the physical properties, and then the mass of the wire in crucible (B)</a:t>
+              <a:t>Record mass of the empty flask</a:t>
             </a:r>
           </a:p>
           <a:p>
@@ -13388,77 +13612,139 @@
             </a:pPr>
             <a:r>
               <a:rPr lang="en-US" dirty="0"/>
-              <a:t>On </a:t>
-            </a:r>
-            <a:r>
-              <a:rPr lang="en-US" dirty="0">
-                <a:solidFill>
-                  <a:schemeClr val="accent1">
-                    <a:lumMod val="60000"/>
-                    <a:lumOff val="40000"/>
-                  </a:schemeClr>
-                </a:solidFill>
-              </a:rPr>
-              <a:t>glassine paper</a:t>
-            </a:r>
-            <a:r>
-              <a:rPr lang="en-US" dirty="0"/>
-              <a:t>, use </a:t>
-            </a:r>
-            <a:r>
-              <a:rPr lang="en-US" dirty="0">
-                <a:solidFill>
-                  <a:schemeClr val="accent1">
-                    <a:lumMod val="60000"/>
-                    <a:lumOff val="40000"/>
-                  </a:schemeClr>
-                </a:solidFill>
-              </a:rPr>
-              <a:t>scoopula</a:t>
-            </a:r>
-            <a:r>
-              <a:rPr lang="en-US" dirty="0"/>
-              <a:t> to get 2-4 g </a:t>
-            </a:r>
-            <a:r>
-              <a:rPr lang="en-US" dirty="0">
-                <a:solidFill>
-                  <a:srgbClr val="FF9933"/>
-                </a:solidFill>
-              </a:rPr>
-              <a:t>sulfur</a:t>
-            </a:r>
-            <a:r>
-              <a:rPr lang="en-US" dirty="0"/>
-              <a:t>. Add to the crucible to cover the coiled wire. Record total mass in crucible (C)</a:t>
-            </a:r>
-          </a:p>
-          <a:p>
-            <a:pPr marL="0" indent="0">
-              <a:buNone/>
-            </a:pPr>
-            <a:endParaRPr lang="en-US" dirty="0"/>
+              <a:t>With 10 ml pipet, transfer 10.00 mL of “A” into flask for “B”</a:t>
+            </a:r>
           </a:p>
           <a:p>
             <a:pPr marL="457200" indent="-457200">
               <a:buFont typeface="+mj-lt"/>
               <a:buAutoNum type="arabicPeriod"/>
             </a:pPr>
-            <a:endParaRPr lang="en-US" dirty="0"/>
+            <a:r>
+              <a:rPr lang="en-US" dirty="0"/>
+              <a:t>Fill flask with DI water to the line. Place stopper and mix by inversion at least 15 times</a:t>
+            </a:r>
           </a:p>
           <a:p>
             <a:pPr marL="457200" indent="-457200">
               <a:buFont typeface="+mj-lt"/>
               <a:buAutoNum type="arabicPeriod"/>
             </a:pPr>
-            <a:endParaRPr lang="en-US" sz="2800" dirty="0"/>
+            <a:r>
+              <a:rPr lang="en-US" dirty="0"/>
+              <a:t>Fill to mark again noting meniscus. Record mass of solution</a:t>
+            </a:r>
           </a:p>
         </p:txBody>
       </p:sp>
     </p:spTree>
     <p:extLst>
       <p:ext uri="{BB962C8B-B14F-4D97-AF65-F5344CB8AC3E}">
-        <p14:creationId xmlns:p14="http://schemas.microsoft.com/office/powerpoint/2010/main" val="3789276793"/>
+        <p14:creationId xmlns:p14="http://schemas.microsoft.com/office/powerpoint/2010/main" val="680301101"/>
+      </p:ext>
+    </p:extLst>
+  </p:cSld>
+  <p:clrMapOvr>
+    <a:masterClrMapping/>
+  </p:clrMapOvr>
+</p:sld>
+</file>
+
+<file path=ppt/slides/slide9.xml><?xml version="1.0" encoding="utf-8"?>
+<p:sld xmlns:a="http://schemas.openxmlformats.org/drawingml/2006/main" xmlns:r="http://schemas.openxmlformats.org/officeDocument/2006/relationships" xmlns:p="http://schemas.openxmlformats.org/presentationml/2006/main">
+  <p:cSld>
+    <p:spTree>
+      <p:nvGrpSpPr>
+        <p:cNvPr id="1" name=""/>
+        <p:cNvGrpSpPr/>
+        <p:nvPr/>
+      </p:nvGrpSpPr>
+      <p:grpSpPr>
+        <a:xfrm>
+          <a:off x="0" y="0"/>
+          <a:ext cx="0" cy="0"/>
+          <a:chOff x="0" y="0"/>
+          <a:chExt cx="0" cy="0"/>
+        </a:xfrm>
+      </p:grpSpPr>
+      <p:sp>
+        <p:nvSpPr>
+          <p:cNvPr id="2" name="Title 1">
+            <a:extLst>
+              <a:ext uri="{FF2B5EF4-FFF2-40B4-BE49-F238E27FC236}">
+                <a16:creationId xmlns:a16="http://schemas.microsoft.com/office/drawing/2014/main" id="{4E7C79B0-B384-1533-BACA-0EA95D4089F9}"/>
+              </a:ext>
+            </a:extLst>
+          </p:cNvPr>
+          <p:cNvSpPr>
+            <a:spLocks noGrp="1"/>
+          </p:cNvSpPr>
+          <p:nvPr>
+            <p:ph type="title"/>
+          </p:nvPr>
+        </p:nvSpPr>
+        <p:spPr/>
+        <p:txBody>
+          <a:bodyPr/>
+          <a:lstStyle/>
+          <a:p>
+            <a:r>
+              <a:rPr lang="en-US" dirty="0"/>
+              <a:t>Clean Up</a:t>
+            </a:r>
+          </a:p>
+        </p:txBody>
+      </p:sp>
+      <p:sp>
+        <p:nvSpPr>
+          <p:cNvPr id="3" name="Content Placeholder 2">
+            <a:extLst>
+              <a:ext uri="{FF2B5EF4-FFF2-40B4-BE49-F238E27FC236}">
+                <a16:creationId xmlns:a16="http://schemas.microsoft.com/office/drawing/2014/main" id="{F122473B-F6C9-7A59-3DAB-7CBF32F68EB5}"/>
+              </a:ext>
+            </a:extLst>
+          </p:cNvPr>
+          <p:cNvSpPr>
+            <a:spLocks noGrp="1"/>
+          </p:cNvSpPr>
+          <p:nvPr>
+            <p:ph idx="1"/>
+          </p:nvPr>
+        </p:nvSpPr>
+        <p:spPr/>
+        <p:txBody>
+          <a:bodyPr/>
+          <a:lstStyle/>
+          <a:p>
+            <a:r>
+              <a:rPr lang="en-US" dirty="0"/>
+              <a:t>Saline solutions are safely discarded in the sink</a:t>
+            </a:r>
+          </a:p>
+          <a:p>
+            <a:r>
+              <a:rPr lang="en-US" dirty="0"/>
+              <a:t>Flush the volumetric pipet with DI water (collect in beaker, then dump beaker wash)</a:t>
+            </a:r>
+          </a:p>
+          <a:p>
+            <a:r>
+              <a:rPr lang="en-US" dirty="0"/>
+              <a:t>Rinse the volumetric flasks a couple of time with DI water from its tap. If possible, place flasks upside down on drying racks near sinks</a:t>
+            </a:r>
+          </a:p>
+          <a:p>
+            <a:r>
+              <a:rPr lang="en-US" dirty="0"/>
+              <a:t>If you used Sharpie on glass, use a very small amount of acetone to wash it off (paper towel helps)</a:t>
+            </a:r>
+          </a:p>
+        </p:txBody>
+      </p:sp>
+    </p:spTree>
+    <p:extLst>
+      <p:ext uri="{BB962C8B-B14F-4D97-AF65-F5344CB8AC3E}">
+        <p14:creationId xmlns:p14="http://schemas.microsoft.com/office/powerpoint/2010/main" val="3469914632"/>
       </p:ext>
     </p:extLst>
   </p:cSld>

--- a/Teaching/Chemistry/Labs/FCC Chem 3A Expt 9a Solutions and Dilutions.pptx
+++ b/Teaching/Chemistry/Labs/FCC Chem 3A Expt 9a Solutions and Dilutions.pptx
@@ -5,7 +5,7 @@
     <p:sldMasterId id="2147483803" r:id="rId1"/>
   </p:sldMasterIdLst>
   <p:notesMasterIdLst>
-    <p:notesMasterId r:id="rId17"/>
+    <p:notesMasterId r:id="rId23"/>
   </p:notesMasterIdLst>
   <p:sldIdLst>
     <p:sldId id="608" r:id="rId2"/>
@@ -23,6 +23,12 @@
     <p:sldId id="629" r:id="rId14"/>
     <p:sldId id="630" r:id="rId15"/>
     <p:sldId id="631" r:id="rId16"/>
+    <p:sldId id="632" r:id="rId17"/>
+    <p:sldId id="633" r:id="rId18"/>
+    <p:sldId id="634" r:id="rId19"/>
+    <p:sldId id="635" r:id="rId20"/>
+    <p:sldId id="636" r:id="rId21"/>
+    <p:sldId id="637" r:id="rId22"/>
   </p:sldIdLst>
   <p:sldSz cx="9144000" cy="6858000" type="screen4x3"/>
   <p:notesSz cx="7315200" cy="9601200"/>
@@ -10702,8 +10708,325 @@
           <a:prstGeom prst="rect">
             <a:avLst/>
           </a:prstGeom>
+          <a:ln>
+            <a:solidFill>
+              <a:schemeClr val="bg1"/>
+            </a:solidFill>
+          </a:ln>
         </p:spPr>
       </p:pic>
+      <p:sp>
+        <p:nvSpPr>
+          <p:cNvPr id="3" name="Rectangle 2">
+            <a:extLst>
+              <a:ext uri="{FF2B5EF4-FFF2-40B4-BE49-F238E27FC236}">
+                <a16:creationId xmlns:a16="http://schemas.microsoft.com/office/drawing/2014/main" id="{D39FA19C-6D73-C3A3-5797-81B037D59B22}"/>
+              </a:ext>
+            </a:extLst>
+          </p:cNvPr>
+          <p:cNvSpPr/>
+          <p:nvPr/>
+        </p:nvSpPr>
+        <p:spPr>
+          <a:xfrm>
+            <a:off x="6326955" y="3208565"/>
+            <a:ext cx="1173180" cy="220435"/>
+          </a:xfrm>
+          <a:prstGeom prst="rect">
+            <a:avLst/>
+          </a:prstGeom>
+          <a:solidFill>
+            <a:schemeClr val="bg1"/>
+          </a:solidFill>
+          <a:ln>
+            <a:noFill/>
+          </a:ln>
+        </p:spPr>
+        <p:style>
+          <a:lnRef idx="2">
+            <a:schemeClr val="accent1">
+              <a:shade val="15000"/>
+            </a:schemeClr>
+          </a:lnRef>
+          <a:fillRef idx="1">
+            <a:schemeClr val="accent1"/>
+          </a:fillRef>
+          <a:effectRef idx="0">
+            <a:schemeClr val="accent1"/>
+          </a:effectRef>
+          <a:fontRef idx="minor">
+            <a:schemeClr val="lt1"/>
+          </a:fontRef>
+        </p:style>
+        <p:txBody>
+          <a:bodyPr rtlCol="0" anchor="ctr"/>
+          <a:lstStyle/>
+          <a:p>
+            <a:pPr algn="ctr"/>
+            <a:endParaRPr lang="en-US"/>
+          </a:p>
+        </p:txBody>
+      </p:sp>
+      <p:sp>
+        <p:nvSpPr>
+          <p:cNvPr id="4" name="Rectangle 3">
+            <a:extLst>
+              <a:ext uri="{FF2B5EF4-FFF2-40B4-BE49-F238E27FC236}">
+                <a16:creationId xmlns:a16="http://schemas.microsoft.com/office/drawing/2014/main" id="{D9BF8EE6-9126-4B64-9413-D609CB2BA4B8}"/>
+              </a:ext>
+            </a:extLst>
+          </p:cNvPr>
+          <p:cNvSpPr/>
+          <p:nvPr/>
+        </p:nvSpPr>
+        <p:spPr>
+          <a:xfrm>
+            <a:off x="6326955" y="3639792"/>
+            <a:ext cx="1173180" cy="220435"/>
+          </a:xfrm>
+          <a:prstGeom prst="rect">
+            <a:avLst/>
+          </a:prstGeom>
+          <a:solidFill>
+            <a:schemeClr val="bg1"/>
+          </a:solidFill>
+          <a:ln>
+            <a:noFill/>
+          </a:ln>
+        </p:spPr>
+        <p:style>
+          <a:lnRef idx="2">
+            <a:schemeClr val="accent1">
+              <a:shade val="15000"/>
+            </a:schemeClr>
+          </a:lnRef>
+          <a:fillRef idx="1">
+            <a:schemeClr val="accent1"/>
+          </a:fillRef>
+          <a:effectRef idx="0">
+            <a:schemeClr val="accent1"/>
+          </a:effectRef>
+          <a:fontRef idx="minor">
+            <a:schemeClr val="lt1"/>
+          </a:fontRef>
+        </p:style>
+        <p:txBody>
+          <a:bodyPr rtlCol="0" anchor="ctr"/>
+          <a:lstStyle/>
+          <a:p>
+            <a:pPr algn="ctr"/>
+            <a:endParaRPr lang="en-US"/>
+          </a:p>
+        </p:txBody>
+      </p:sp>
+      <p:sp>
+        <p:nvSpPr>
+          <p:cNvPr id="5" name="Rectangle 4">
+            <a:extLst>
+              <a:ext uri="{FF2B5EF4-FFF2-40B4-BE49-F238E27FC236}">
+                <a16:creationId xmlns:a16="http://schemas.microsoft.com/office/drawing/2014/main" id="{F754C8B3-D8E5-0507-CB60-4F36F56E8F5E}"/>
+              </a:ext>
+            </a:extLst>
+          </p:cNvPr>
+          <p:cNvSpPr/>
+          <p:nvPr/>
+        </p:nvSpPr>
+        <p:spPr>
+          <a:xfrm>
+            <a:off x="6326955" y="4040138"/>
+            <a:ext cx="1173180" cy="220435"/>
+          </a:xfrm>
+          <a:prstGeom prst="rect">
+            <a:avLst/>
+          </a:prstGeom>
+          <a:solidFill>
+            <a:schemeClr val="bg1"/>
+          </a:solidFill>
+          <a:ln>
+            <a:noFill/>
+          </a:ln>
+        </p:spPr>
+        <p:style>
+          <a:lnRef idx="2">
+            <a:schemeClr val="accent1">
+              <a:shade val="15000"/>
+            </a:schemeClr>
+          </a:lnRef>
+          <a:fillRef idx="1">
+            <a:schemeClr val="accent1"/>
+          </a:fillRef>
+          <a:effectRef idx="0">
+            <a:schemeClr val="accent1"/>
+          </a:effectRef>
+          <a:fontRef idx="minor">
+            <a:schemeClr val="lt1"/>
+          </a:fontRef>
+        </p:style>
+        <p:txBody>
+          <a:bodyPr rtlCol="0" anchor="ctr"/>
+          <a:lstStyle/>
+          <a:p>
+            <a:pPr algn="ctr"/>
+            <a:endParaRPr lang="en-US"/>
+          </a:p>
+        </p:txBody>
+      </p:sp>
+      <p:sp>
+        <p:nvSpPr>
+          <p:cNvPr id="8" name="Rectangle 7">
+            <a:extLst>
+              <a:ext uri="{FF2B5EF4-FFF2-40B4-BE49-F238E27FC236}">
+                <a16:creationId xmlns:a16="http://schemas.microsoft.com/office/drawing/2014/main" id="{78D4BDA7-59EF-FEC9-5621-ED850495DE0B}"/>
+              </a:ext>
+            </a:extLst>
+          </p:cNvPr>
+          <p:cNvSpPr/>
+          <p:nvPr/>
+        </p:nvSpPr>
+        <p:spPr>
+          <a:xfrm>
+            <a:off x="6398874" y="5090630"/>
+            <a:ext cx="1173180" cy="220435"/>
+          </a:xfrm>
+          <a:prstGeom prst="rect">
+            <a:avLst/>
+          </a:prstGeom>
+          <a:solidFill>
+            <a:schemeClr val="bg1"/>
+          </a:solidFill>
+          <a:ln>
+            <a:noFill/>
+          </a:ln>
+        </p:spPr>
+        <p:style>
+          <a:lnRef idx="2">
+            <a:schemeClr val="accent1">
+              <a:shade val="15000"/>
+            </a:schemeClr>
+          </a:lnRef>
+          <a:fillRef idx="1">
+            <a:schemeClr val="accent1"/>
+          </a:fillRef>
+          <a:effectRef idx="0">
+            <a:schemeClr val="accent1"/>
+          </a:effectRef>
+          <a:fontRef idx="minor">
+            <a:schemeClr val="lt1"/>
+          </a:fontRef>
+        </p:style>
+        <p:txBody>
+          <a:bodyPr rtlCol="0" anchor="ctr"/>
+          <a:lstStyle/>
+          <a:p>
+            <a:pPr algn="ctr"/>
+            <a:endParaRPr lang="en-US"/>
+          </a:p>
+        </p:txBody>
+      </p:sp>
+      <p:sp>
+        <p:nvSpPr>
+          <p:cNvPr id="9" name="Rectangle 8">
+            <a:extLst>
+              <a:ext uri="{FF2B5EF4-FFF2-40B4-BE49-F238E27FC236}">
+                <a16:creationId xmlns:a16="http://schemas.microsoft.com/office/drawing/2014/main" id="{50D20725-0553-F64C-AD94-011369DCA799}"/>
+              </a:ext>
+            </a:extLst>
+          </p:cNvPr>
+          <p:cNvSpPr/>
+          <p:nvPr/>
+        </p:nvSpPr>
+        <p:spPr>
+          <a:xfrm>
+            <a:off x="6368051" y="5532072"/>
+            <a:ext cx="1173180" cy="220435"/>
+          </a:xfrm>
+          <a:prstGeom prst="rect">
+            <a:avLst/>
+          </a:prstGeom>
+          <a:solidFill>
+            <a:schemeClr val="bg1"/>
+          </a:solidFill>
+          <a:ln>
+            <a:noFill/>
+          </a:ln>
+        </p:spPr>
+        <p:style>
+          <a:lnRef idx="2">
+            <a:schemeClr val="accent1">
+              <a:shade val="15000"/>
+            </a:schemeClr>
+          </a:lnRef>
+          <a:fillRef idx="1">
+            <a:schemeClr val="accent1"/>
+          </a:fillRef>
+          <a:effectRef idx="0">
+            <a:schemeClr val="accent1"/>
+          </a:effectRef>
+          <a:fontRef idx="minor">
+            <a:schemeClr val="lt1"/>
+          </a:fontRef>
+        </p:style>
+        <p:txBody>
+          <a:bodyPr rtlCol="0" anchor="ctr"/>
+          <a:lstStyle/>
+          <a:p>
+            <a:pPr algn="ctr"/>
+            <a:endParaRPr lang="en-US"/>
+          </a:p>
+        </p:txBody>
+      </p:sp>
+      <p:sp>
+        <p:nvSpPr>
+          <p:cNvPr id="10" name="Rectangle 9">
+            <a:extLst>
+              <a:ext uri="{FF2B5EF4-FFF2-40B4-BE49-F238E27FC236}">
+                <a16:creationId xmlns:a16="http://schemas.microsoft.com/office/drawing/2014/main" id="{F259AD75-5449-CA65-63B6-E0B462A0A5F5}"/>
+              </a:ext>
+            </a:extLst>
+          </p:cNvPr>
+          <p:cNvSpPr/>
+          <p:nvPr/>
+        </p:nvSpPr>
+        <p:spPr>
+          <a:xfrm>
+            <a:off x="6398874" y="5970288"/>
+            <a:ext cx="1173180" cy="220435"/>
+          </a:xfrm>
+          <a:prstGeom prst="rect">
+            <a:avLst/>
+          </a:prstGeom>
+          <a:solidFill>
+            <a:schemeClr val="bg1"/>
+          </a:solidFill>
+          <a:ln>
+            <a:noFill/>
+          </a:ln>
+        </p:spPr>
+        <p:style>
+          <a:lnRef idx="2">
+            <a:schemeClr val="accent1">
+              <a:shade val="15000"/>
+            </a:schemeClr>
+          </a:lnRef>
+          <a:fillRef idx="1">
+            <a:schemeClr val="accent1"/>
+          </a:fillRef>
+          <a:effectRef idx="0">
+            <a:schemeClr val="accent1"/>
+          </a:effectRef>
+          <a:fontRef idx="minor">
+            <a:schemeClr val="lt1"/>
+          </a:fontRef>
+        </p:style>
+        <p:txBody>
+          <a:bodyPr rtlCol="0" anchor="ctr"/>
+          <a:lstStyle/>
+          <a:p>
+            <a:pPr algn="ctr"/>
+            <a:endParaRPr lang="en-US"/>
+          </a:p>
+        </p:txBody>
+      </p:sp>
     </p:spTree>
     <p:extLst>
       <p:ext uri="{BB962C8B-B14F-4D97-AF65-F5344CB8AC3E}">
@@ -10813,6 +11136,162 @@
           <a:effectLst/>
         </p:spPr>
       </p:pic>
+      <p:sp>
+        <p:nvSpPr>
+          <p:cNvPr id="3" name="Rectangle 2">
+            <a:extLst>
+              <a:ext uri="{FF2B5EF4-FFF2-40B4-BE49-F238E27FC236}">
+                <a16:creationId xmlns:a16="http://schemas.microsoft.com/office/drawing/2014/main" id="{C50DFD00-CB6B-9DA0-15E6-2EFAD2E9E581}"/>
+              </a:ext>
+            </a:extLst>
+          </p:cNvPr>
+          <p:cNvSpPr/>
+          <p:nvPr/>
+        </p:nvSpPr>
+        <p:spPr>
+          <a:xfrm>
+            <a:off x="1189875" y="2417455"/>
+            <a:ext cx="4491733" cy="469583"/>
+          </a:xfrm>
+          <a:prstGeom prst="rect">
+            <a:avLst/>
+          </a:prstGeom>
+          <a:solidFill>
+            <a:schemeClr val="bg1"/>
+          </a:solidFill>
+          <a:ln>
+            <a:noFill/>
+          </a:ln>
+        </p:spPr>
+        <p:style>
+          <a:lnRef idx="2">
+            <a:schemeClr val="accent1">
+              <a:shade val="15000"/>
+            </a:schemeClr>
+          </a:lnRef>
+          <a:fillRef idx="1">
+            <a:schemeClr val="accent1"/>
+          </a:fillRef>
+          <a:effectRef idx="0">
+            <a:schemeClr val="accent1"/>
+          </a:effectRef>
+          <a:fontRef idx="minor">
+            <a:schemeClr val="lt1"/>
+          </a:fontRef>
+        </p:style>
+        <p:txBody>
+          <a:bodyPr rtlCol="0" anchor="ctr"/>
+          <a:lstStyle/>
+          <a:p>
+            <a:pPr algn="ctr"/>
+            <a:endParaRPr lang="en-US"/>
+          </a:p>
+        </p:txBody>
+      </p:sp>
+      <p:sp>
+        <p:nvSpPr>
+          <p:cNvPr id="5" name="Rectangle 4">
+            <a:extLst>
+              <a:ext uri="{FF2B5EF4-FFF2-40B4-BE49-F238E27FC236}">
+                <a16:creationId xmlns:a16="http://schemas.microsoft.com/office/drawing/2014/main" id="{5013FF72-A02D-3A49-832B-03845AD5A4CE}"/>
+              </a:ext>
+            </a:extLst>
+          </p:cNvPr>
+          <p:cNvSpPr/>
+          <p:nvPr/>
+        </p:nvSpPr>
+        <p:spPr>
+          <a:xfrm>
+            <a:off x="1189875" y="3501380"/>
+            <a:ext cx="4491733" cy="469583"/>
+          </a:xfrm>
+          <a:prstGeom prst="rect">
+            <a:avLst/>
+          </a:prstGeom>
+          <a:solidFill>
+            <a:schemeClr val="bg1"/>
+          </a:solidFill>
+          <a:ln>
+            <a:noFill/>
+          </a:ln>
+        </p:spPr>
+        <p:style>
+          <a:lnRef idx="2">
+            <a:schemeClr val="accent1">
+              <a:shade val="15000"/>
+            </a:schemeClr>
+          </a:lnRef>
+          <a:fillRef idx="1">
+            <a:schemeClr val="accent1"/>
+          </a:fillRef>
+          <a:effectRef idx="0">
+            <a:schemeClr val="accent1"/>
+          </a:effectRef>
+          <a:fontRef idx="minor">
+            <a:schemeClr val="lt1"/>
+          </a:fontRef>
+        </p:style>
+        <p:txBody>
+          <a:bodyPr rtlCol="0" anchor="ctr"/>
+          <a:lstStyle/>
+          <a:p>
+            <a:pPr algn="ctr"/>
+            <a:endParaRPr lang="en-US"/>
+          </a:p>
+        </p:txBody>
+      </p:sp>
+      <p:sp>
+        <p:nvSpPr>
+          <p:cNvPr id="6" name="Rectangle 5">
+            <a:extLst>
+              <a:ext uri="{FF2B5EF4-FFF2-40B4-BE49-F238E27FC236}">
+                <a16:creationId xmlns:a16="http://schemas.microsoft.com/office/drawing/2014/main" id="{12A8AB70-2DBB-5737-9FDF-118766AC1067}"/>
+              </a:ext>
+            </a:extLst>
+          </p:cNvPr>
+          <p:cNvSpPr/>
+          <p:nvPr/>
+        </p:nvSpPr>
+        <p:spPr>
+          <a:xfrm>
+            <a:off x="1189875" y="4550457"/>
+            <a:ext cx="4491733" cy="469583"/>
+          </a:xfrm>
+          <a:prstGeom prst="rect">
+            <a:avLst/>
+          </a:prstGeom>
+          <a:solidFill>
+            <a:schemeClr val="bg1"/>
+          </a:solidFill>
+          <a:ln>
+            <a:noFill/>
+          </a:ln>
+        </p:spPr>
+        <p:style>
+          <a:lnRef idx="2">
+            <a:schemeClr val="accent1">
+              <a:shade val="15000"/>
+            </a:schemeClr>
+          </a:lnRef>
+          <a:fillRef idx="1">
+            <a:schemeClr val="accent1"/>
+          </a:fillRef>
+          <a:effectRef idx="0">
+            <a:schemeClr val="accent1"/>
+          </a:effectRef>
+          <a:fontRef idx="minor">
+            <a:schemeClr val="lt1"/>
+          </a:fontRef>
+        </p:style>
+        <p:txBody>
+          <a:bodyPr rtlCol="0" anchor="ctr"/>
+          <a:lstStyle/>
+          <a:p>
+            <a:pPr algn="ctr"/>
+            <a:endParaRPr lang="en-US"/>
+          </a:p>
+        </p:txBody>
+      </p:sp>
     </p:spTree>
     <p:extLst>
       <p:ext uri="{BB962C8B-B14F-4D97-AF65-F5344CB8AC3E}">
@@ -10937,6 +11416,370 @@
           </a:prstGeom>
         </p:spPr>
       </p:pic>
+      <p:sp>
+        <p:nvSpPr>
+          <p:cNvPr id="3" name="Rectangle 2">
+            <a:extLst>
+              <a:ext uri="{FF2B5EF4-FFF2-40B4-BE49-F238E27FC236}">
+                <a16:creationId xmlns:a16="http://schemas.microsoft.com/office/drawing/2014/main" id="{0C231F63-9116-EB35-5A9F-FD84AEE309E7}"/>
+              </a:ext>
+            </a:extLst>
+          </p:cNvPr>
+          <p:cNvSpPr/>
+          <p:nvPr/>
+        </p:nvSpPr>
+        <p:spPr>
+          <a:xfrm>
+            <a:off x="1405633" y="1407560"/>
+            <a:ext cx="5981486" cy="780836"/>
+          </a:xfrm>
+          <a:prstGeom prst="rect">
+            <a:avLst/>
+          </a:prstGeom>
+          <a:solidFill>
+            <a:schemeClr val="bg1"/>
+          </a:solidFill>
+          <a:ln>
+            <a:noFill/>
+          </a:ln>
+        </p:spPr>
+        <p:style>
+          <a:lnRef idx="2">
+            <a:schemeClr val="accent1">
+              <a:shade val="15000"/>
+            </a:schemeClr>
+          </a:lnRef>
+          <a:fillRef idx="1">
+            <a:schemeClr val="accent1"/>
+          </a:fillRef>
+          <a:effectRef idx="0">
+            <a:schemeClr val="accent1"/>
+          </a:effectRef>
+          <a:fontRef idx="minor">
+            <a:schemeClr val="lt1"/>
+          </a:fontRef>
+        </p:style>
+        <p:txBody>
+          <a:bodyPr rtlCol="0" anchor="ctr"/>
+          <a:lstStyle/>
+          <a:p>
+            <a:pPr algn="ctr"/>
+            <a:endParaRPr lang="en-US"/>
+          </a:p>
+        </p:txBody>
+      </p:sp>
+      <p:sp>
+        <p:nvSpPr>
+          <p:cNvPr id="4" name="Rectangle 3">
+            <a:extLst>
+              <a:ext uri="{FF2B5EF4-FFF2-40B4-BE49-F238E27FC236}">
+                <a16:creationId xmlns:a16="http://schemas.microsoft.com/office/drawing/2014/main" id="{F8271676-191C-4C62-D632-2E4084B2378B}"/>
+              </a:ext>
+            </a:extLst>
+          </p:cNvPr>
+          <p:cNvSpPr/>
+          <p:nvPr/>
+        </p:nvSpPr>
+        <p:spPr>
+          <a:xfrm>
+            <a:off x="1405633" y="2572694"/>
+            <a:ext cx="5981486" cy="694488"/>
+          </a:xfrm>
+          <a:prstGeom prst="rect">
+            <a:avLst/>
+          </a:prstGeom>
+          <a:solidFill>
+            <a:schemeClr val="bg1"/>
+          </a:solidFill>
+          <a:ln>
+            <a:noFill/>
+          </a:ln>
+        </p:spPr>
+        <p:style>
+          <a:lnRef idx="2">
+            <a:schemeClr val="accent1">
+              <a:shade val="15000"/>
+            </a:schemeClr>
+          </a:lnRef>
+          <a:fillRef idx="1">
+            <a:schemeClr val="accent1"/>
+          </a:fillRef>
+          <a:effectRef idx="0">
+            <a:schemeClr val="accent1"/>
+          </a:effectRef>
+          <a:fontRef idx="minor">
+            <a:schemeClr val="lt1"/>
+          </a:fontRef>
+        </p:style>
+        <p:txBody>
+          <a:bodyPr rtlCol="0" anchor="ctr"/>
+          <a:lstStyle/>
+          <a:p>
+            <a:pPr algn="ctr"/>
+            <a:endParaRPr lang="en-US"/>
+          </a:p>
+        </p:txBody>
+      </p:sp>
+      <p:sp>
+        <p:nvSpPr>
+          <p:cNvPr id="6" name="Rectangle 5">
+            <a:extLst>
+              <a:ext uri="{FF2B5EF4-FFF2-40B4-BE49-F238E27FC236}">
+                <a16:creationId xmlns:a16="http://schemas.microsoft.com/office/drawing/2014/main" id="{C00AE585-AA22-1826-40DE-A1D45A5CECD1}"/>
+              </a:ext>
+            </a:extLst>
+          </p:cNvPr>
+          <p:cNvSpPr/>
+          <p:nvPr/>
+        </p:nvSpPr>
+        <p:spPr>
+          <a:xfrm>
+            <a:off x="1405633" y="3646806"/>
+            <a:ext cx="5981486" cy="780836"/>
+          </a:xfrm>
+          <a:prstGeom prst="rect">
+            <a:avLst/>
+          </a:prstGeom>
+          <a:solidFill>
+            <a:schemeClr val="bg1"/>
+          </a:solidFill>
+          <a:ln>
+            <a:noFill/>
+          </a:ln>
+        </p:spPr>
+        <p:style>
+          <a:lnRef idx="2">
+            <a:schemeClr val="accent1">
+              <a:shade val="15000"/>
+            </a:schemeClr>
+          </a:lnRef>
+          <a:fillRef idx="1">
+            <a:schemeClr val="accent1"/>
+          </a:fillRef>
+          <a:effectRef idx="0">
+            <a:schemeClr val="accent1"/>
+          </a:effectRef>
+          <a:fontRef idx="minor">
+            <a:schemeClr val="lt1"/>
+          </a:fontRef>
+        </p:style>
+        <p:txBody>
+          <a:bodyPr rtlCol="0" anchor="ctr"/>
+          <a:lstStyle/>
+          <a:p>
+            <a:pPr algn="ctr"/>
+            <a:endParaRPr lang="en-US"/>
+          </a:p>
+        </p:txBody>
+      </p:sp>
+      <p:sp>
+        <p:nvSpPr>
+          <p:cNvPr id="7" name="Rectangle 6">
+            <a:extLst>
+              <a:ext uri="{FF2B5EF4-FFF2-40B4-BE49-F238E27FC236}">
+                <a16:creationId xmlns:a16="http://schemas.microsoft.com/office/drawing/2014/main" id="{76F5B80F-1051-9B86-98A5-F8ED0F1B677D}"/>
+              </a:ext>
+            </a:extLst>
+          </p:cNvPr>
+          <p:cNvSpPr/>
+          <p:nvPr/>
+        </p:nvSpPr>
+        <p:spPr>
+          <a:xfrm>
+            <a:off x="940704" y="4807265"/>
+            <a:ext cx="7021767" cy="577839"/>
+          </a:xfrm>
+          <a:prstGeom prst="rect">
+            <a:avLst/>
+          </a:prstGeom>
+          <a:solidFill>
+            <a:schemeClr val="bg1"/>
+          </a:solidFill>
+          <a:ln>
+            <a:noFill/>
+          </a:ln>
+        </p:spPr>
+        <p:style>
+          <a:lnRef idx="2">
+            <a:schemeClr val="accent1">
+              <a:shade val="15000"/>
+            </a:schemeClr>
+          </a:lnRef>
+          <a:fillRef idx="1">
+            <a:schemeClr val="accent1"/>
+          </a:fillRef>
+          <a:effectRef idx="0">
+            <a:schemeClr val="accent1"/>
+          </a:effectRef>
+          <a:fontRef idx="minor">
+            <a:schemeClr val="lt1"/>
+          </a:fontRef>
+        </p:style>
+        <p:txBody>
+          <a:bodyPr rtlCol="0" anchor="ctr"/>
+          <a:lstStyle/>
+          <a:p>
+            <a:pPr algn="ctr"/>
+            <a:endParaRPr lang="en-US"/>
+          </a:p>
+        </p:txBody>
+      </p:sp>
+      <p:sp>
+        <p:nvSpPr>
+          <p:cNvPr id="8" name="Rectangle 7">
+            <a:extLst>
+              <a:ext uri="{FF2B5EF4-FFF2-40B4-BE49-F238E27FC236}">
+                <a16:creationId xmlns:a16="http://schemas.microsoft.com/office/drawing/2014/main" id="{6B6457F3-BBCD-70D8-20A9-77DA83679D35}"/>
+              </a:ext>
+            </a:extLst>
+          </p:cNvPr>
+          <p:cNvSpPr/>
+          <p:nvPr/>
+        </p:nvSpPr>
+        <p:spPr>
+          <a:xfrm>
+            <a:off x="1181528" y="5967725"/>
+            <a:ext cx="7021767" cy="577839"/>
+          </a:xfrm>
+          <a:prstGeom prst="rect">
+            <a:avLst/>
+          </a:prstGeom>
+          <a:solidFill>
+            <a:schemeClr val="bg1"/>
+          </a:solidFill>
+          <a:ln>
+            <a:noFill/>
+          </a:ln>
+        </p:spPr>
+        <p:style>
+          <a:lnRef idx="2">
+            <a:schemeClr val="accent1">
+              <a:shade val="15000"/>
+            </a:schemeClr>
+          </a:lnRef>
+          <a:fillRef idx="1">
+            <a:schemeClr val="accent1"/>
+          </a:fillRef>
+          <a:effectRef idx="0">
+            <a:schemeClr val="accent1"/>
+          </a:effectRef>
+          <a:fontRef idx="minor">
+            <a:schemeClr val="lt1"/>
+          </a:fontRef>
+        </p:style>
+        <p:txBody>
+          <a:bodyPr rtlCol="0" anchor="ctr"/>
+          <a:lstStyle/>
+          <a:p>
+            <a:pPr algn="ctr"/>
+            <a:endParaRPr lang="en-US"/>
+          </a:p>
+        </p:txBody>
+      </p:sp>
+      <p:sp>
+        <p:nvSpPr>
+          <p:cNvPr id="10" name="Rectangle 9">
+            <a:extLst>
+              <a:ext uri="{FF2B5EF4-FFF2-40B4-BE49-F238E27FC236}">
+                <a16:creationId xmlns:a16="http://schemas.microsoft.com/office/drawing/2014/main" id="{DF143F5B-74AE-B0CB-4147-D3B540B743B8}"/>
+              </a:ext>
+            </a:extLst>
+          </p:cNvPr>
+          <p:cNvSpPr/>
+          <p:nvPr/>
+        </p:nvSpPr>
+        <p:spPr>
+          <a:xfrm>
+            <a:off x="4373698" y="2076103"/>
+            <a:ext cx="3818306" cy="577839"/>
+          </a:xfrm>
+          <a:prstGeom prst="rect">
+            <a:avLst/>
+          </a:prstGeom>
+          <a:solidFill>
+            <a:schemeClr val="bg1"/>
+          </a:solidFill>
+          <a:ln>
+            <a:noFill/>
+          </a:ln>
+        </p:spPr>
+        <p:style>
+          <a:lnRef idx="2">
+            <a:schemeClr val="accent1">
+              <a:shade val="15000"/>
+            </a:schemeClr>
+          </a:lnRef>
+          <a:fillRef idx="1">
+            <a:schemeClr val="accent1"/>
+          </a:fillRef>
+          <a:effectRef idx="0">
+            <a:schemeClr val="accent1"/>
+          </a:effectRef>
+          <a:fontRef idx="minor">
+            <a:schemeClr val="lt1"/>
+          </a:fontRef>
+        </p:style>
+        <p:txBody>
+          <a:bodyPr rtlCol="0" anchor="ctr"/>
+          <a:lstStyle/>
+          <a:p>
+            <a:pPr algn="ctr"/>
+            <a:endParaRPr lang="en-US"/>
+          </a:p>
+        </p:txBody>
+      </p:sp>
+      <p:sp>
+        <p:nvSpPr>
+          <p:cNvPr id="11" name="Rectangle 10">
+            <a:extLst>
+              <a:ext uri="{FF2B5EF4-FFF2-40B4-BE49-F238E27FC236}">
+                <a16:creationId xmlns:a16="http://schemas.microsoft.com/office/drawing/2014/main" id="{5D483CE4-70AE-DA82-FD29-18D0BA44C0C6}"/>
+              </a:ext>
+            </a:extLst>
+          </p:cNvPr>
+          <p:cNvSpPr/>
+          <p:nvPr/>
+        </p:nvSpPr>
+        <p:spPr>
+          <a:xfrm>
+            <a:off x="4291504" y="1153472"/>
+            <a:ext cx="3818306" cy="577839"/>
+          </a:xfrm>
+          <a:prstGeom prst="rect">
+            <a:avLst/>
+          </a:prstGeom>
+          <a:solidFill>
+            <a:schemeClr val="bg1"/>
+          </a:solidFill>
+          <a:ln>
+            <a:noFill/>
+          </a:ln>
+        </p:spPr>
+        <p:style>
+          <a:lnRef idx="2">
+            <a:schemeClr val="accent1">
+              <a:shade val="15000"/>
+            </a:schemeClr>
+          </a:lnRef>
+          <a:fillRef idx="1">
+            <a:schemeClr val="accent1"/>
+          </a:fillRef>
+          <a:effectRef idx="0">
+            <a:schemeClr val="accent1"/>
+          </a:effectRef>
+          <a:fontRef idx="minor">
+            <a:schemeClr val="lt1"/>
+          </a:fontRef>
+        </p:style>
+        <p:txBody>
+          <a:bodyPr rtlCol="0" anchor="ctr"/>
+          <a:lstStyle/>
+          <a:p>
+            <a:pPr algn="ctr"/>
+            <a:endParaRPr lang="en-US"/>
+          </a:p>
+        </p:txBody>
+      </p:sp>
     </p:spTree>
     <p:extLst>
       <p:ext uri="{BB962C8B-B14F-4D97-AF65-F5344CB8AC3E}">
@@ -11061,6 +11904,266 @@
           </a:prstGeom>
         </p:spPr>
       </p:pic>
+      <p:sp>
+        <p:nvSpPr>
+          <p:cNvPr id="3" name="Rectangle 2">
+            <a:extLst>
+              <a:ext uri="{FF2B5EF4-FFF2-40B4-BE49-F238E27FC236}">
+                <a16:creationId xmlns:a16="http://schemas.microsoft.com/office/drawing/2014/main" id="{64AF8466-0E74-8318-FC97-C91C32758882}"/>
+              </a:ext>
+            </a:extLst>
+          </p:cNvPr>
+          <p:cNvSpPr/>
+          <p:nvPr/>
+        </p:nvSpPr>
+        <p:spPr>
+          <a:xfrm>
+            <a:off x="1138504" y="1601774"/>
+            <a:ext cx="7198673" cy="469583"/>
+          </a:xfrm>
+          <a:prstGeom prst="rect">
+            <a:avLst/>
+          </a:prstGeom>
+          <a:solidFill>
+            <a:schemeClr val="bg1"/>
+          </a:solidFill>
+          <a:ln>
+            <a:noFill/>
+          </a:ln>
+        </p:spPr>
+        <p:style>
+          <a:lnRef idx="2">
+            <a:schemeClr val="accent1">
+              <a:shade val="15000"/>
+            </a:schemeClr>
+          </a:lnRef>
+          <a:fillRef idx="1">
+            <a:schemeClr val="accent1"/>
+          </a:fillRef>
+          <a:effectRef idx="0">
+            <a:schemeClr val="accent1"/>
+          </a:effectRef>
+          <a:fontRef idx="minor">
+            <a:schemeClr val="lt1"/>
+          </a:fontRef>
+        </p:style>
+        <p:txBody>
+          <a:bodyPr rtlCol="0" anchor="ctr"/>
+          <a:lstStyle/>
+          <a:p>
+            <a:pPr algn="ctr"/>
+            <a:endParaRPr lang="en-US"/>
+          </a:p>
+        </p:txBody>
+      </p:sp>
+      <p:sp>
+        <p:nvSpPr>
+          <p:cNvPr id="6" name="Rectangle 5">
+            <a:extLst>
+              <a:ext uri="{FF2B5EF4-FFF2-40B4-BE49-F238E27FC236}">
+                <a16:creationId xmlns:a16="http://schemas.microsoft.com/office/drawing/2014/main" id="{FFC62DA4-FB91-6B4C-C588-46B7B68AFBC1}"/>
+              </a:ext>
+            </a:extLst>
+          </p:cNvPr>
+          <p:cNvSpPr/>
+          <p:nvPr/>
+        </p:nvSpPr>
+        <p:spPr>
+          <a:xfrm>
+            <a:off x="1138504" y="2720981"/>
+            <a:ext cx="7198673" cy="469583"/>
+          </a:xfrm>
+          <a:prstGeom prst="rect">
+            <a:avLst/>
+          </a:prstGeom>
+          <a:solidFill>
+            <a:schemeClr val="bg1"/>
+          </a:solidFill>
+          <a:ln>
+            <a:noFill/>
+          </a:ln>
+        </p:spPr>
+        <p:style>
+          <a:lnRef idx="2">
+            <a:schemeClr val="accent1">
+              <a:shade val="15000"/>
+            </a:schemeClr>
+          </a:lnRef>
+          <a:fillRef idx="1">
+            <a:schemeClr val="accent1"/>
+          </a:fillRef>
+          <a:effectRef idx="0">
+            <a:schemeClr val="accent1"/>
+          </a:effectRef>
+          <a:fontRef idx="minor">
+            <a:schemeClr val="lt1"/>
+          </a:fontRef>
+        </p:style>
+        <p:txBody>
+          <a:bodyPr rtlCol="0" anchor="ctr"/>
+          <a:lstStyle/>
+          <a:p>
+            <a:pPr algn="ctr"/>
+            <a:endParaRPr lang="en-US"/>
+          </a:p>
+        </p:txBody>
+      </p:sp>
+      <p:sp>
+        <p:nvSpPr>
+          <p:cNvPr id="7" name="Rectangle 6">
+            <a:extLst>
+              <a:ext uri="{FF2B5EF4-FFF2-40B4-BE49-F238E27FC236}">
+                <a16:creationId xmlns:a16="http://schemas.microsoft.com/office/drawing/2014/main" id="{04830655-B523-222D-9347-82A76C704D24}"/>
+              </a:ext>
+            </a:extLst>
+          </p:cNvPr>
+          <p:cNvSpPr/>
+          <p:nvPr/>
+        </p:nvSpPr>
+        <p:spPr>
+          <a:xfrm>
+            <a:off x="1138504" y="3705030"/>
+            <a:ext cx="7198673" cy="469583"/>
+          </a:xfrm>
+          <a:prstGeom prst="rect">
+            <a:avLst/>
+          </a:prstGeom>
+          <a:solidFill>
+            <a:schemeClr val="bg1"/>
+          </a:solidFill>
+          <a:ln>
+            <a:noFill/>
+          </a:ln>
+        </p:spPr>
+        <p:style>
+          <a:lnRef idx="2">
+            <a:schemeClr val="accent1">
+              <a:shade val="15000"/>
+            </a:schemeClr>
+          </a:lnRef>
+          <a:fillRef idx="1">
+            <a:schemeClr val="accent1"/>
+          </a:fillRef>
+          <a:effectRef idx="0">
+            <a:schemeClr val="accent1"/>
+          </a:effectRef>
+          <a:fontRef idx="minor">
+            <a:schemeClr val="lt1"/>
+          </a:fontRef>
+        </p:style>
+        <p:txBody>
+          <a:bodyPr rtlCol="0" anchor="ctr"/>
+          <a:lstStyle/>
+          <a:p>
+            <a:pPr algn="ctr"/>
+            <a:endParaRPr lang="en-US"/>
+          </a:p>
+        </p:txBody>
+      </p:sp>
+      <p:sp>
+        <p:nvSpPr>
+          <p:cNvPr id="8" name="Rectangle 7">
+            <a:extLst>
+              <a:ext uri="{FF2B5EF4-FFF2-40B4-BE49-F238E27FC236}">
+                <a16:creationId xmlns:a16="http://schemas.microsoft.com/office/drawing/2014/main" id="{692E029E-3B82-4EF1-436A-B70507E54D28}"/>
+              </a:ext>
+            </a:extLst>
+          </p:cNvPr>
+          <p:cNvSpPr/>
+          <p:nvPr/>
+        </p:nvSpPr>
+        <p:spPr>
+          <a:xfrm>
+            <a:off x="1261794" y="4621979"/>
+            <a:ext cx="7198673" cy="469583"/>
+          </a:xfrm>
+          <a:prstGeom prst="rect">
+            <a:avLst/>
+          </a:prstGeom>
+          <a:solidFill>
+            <a:schemeClr val="bg1"/>
+          </a:solidFill>
+          <a:ln>
+            <a:noFill/>
+          </a:ln>
+        </p:spPr>
+        <p:style>
+          <a:lnRef idx="2">
+            <a:schemeClr val="accent1">
+              <a:shade val="15000"/>
+            </a:schemeClr>
+          </a:lnRef>
+          <a:fillRef idx="1">
+            <a:schemeClr val="accent1"/>
+          </a:fillRef>
+          <a:effectRef idx="0">
+            <a:schemeClr val="accent1"/>
+          </a:effectRef>
+          <a:fontRef idx="minor">
+            <a:schemeClr val="lt1"/>
+          </a:fontRef>
+        </p:style>
+        <p:txBody>
+          <a:bodyPr rtlCol="0" anchor="ctr"/>
+          <a:lstStyle/>
+          <a:p>
+            <a:pPr algn="ctr"/>
+            <a:endParaRPr lang="en-US"/>
+          </a:p>
+        </p:txBody>
+      </p:sp>
+      <p:sp>
+        <p:nvSpPr>
+          <p:cNvPr id="9" name="Rectangle 8">
+            <a:extLst>
+              <a:ext uri="{FF2B5EF4-FFF2-40B4-BE49-F238E27FC236}">
+                <a16:creationId xmlns:a16="http://schemas.microsoft.com/office/drawing/2014/main" id="{6E191BFB-C458-25CA-DF29-0DD2152EAA11}"/>
+              </a:ext>
+            </a:extLst>
+          </p:cNvPr>
+          <p:cNvSpPr/>
+          <p:nvPr/>
+        </p:nvSpPr>
+        <p:spPr>
+          <a:xfrm>
+            <a:off x="1138504" y="5753139"/>
+            <a:ext cx="7198673" cy="469583"/>
+          </a:xfrm>
+          <a:prstGeom prst="rect">
+            <a:avLst/>
+          </a:prstGeom>
+          <a:solidFill>
+            <a:schemeClr val="bg1"/>
+          </a:solidFill>
+          <a:ln>
+            <a:noFill/>
+          </a:ln>
+        </p:spPr>
+        <p:style>
+          <a:lnRef idx="2">
+            <a:schemeClr val="accent1">
+              <a:shade val="15000"/>
+            </a:schemeClr>
+          </a:lnRef>
+          <a:fillRef idx="1">
+            <a:schemeClr val="accent1"/>
+          </a:fillRef>
+          <a:effectRef idx="0">
+            <a:schemeClr val="accent1"/>
+          </a:effectRef>
+          <a:fontRef idx="minor">
+            <a:schemeClr val="lt1"/>
+          </a:fontRef>
+        </p:style>
+        <p:txBody>
+          <a:bodyPr rtlCol="0" anchor="ctr"/>
+          <a:lstStyle/>
+          <a:p>
+            <a:pPr algn="ctr"/>
+            <a:endParaRPr lang="en-US"/>
+          </a:p>
+        </p:txBody>
+      </p:sp>
     </p:spTree>
     <p:extLst>
       <p:ext uri="{BB962C8B-B14F-4D97-AF65-F5344CB8AC3E}">
@@ -11185,6 +12288,266 @@
           </a:prstGeom>
         </p:spPr>
       </p:pic>
+      <p:sp>
+        <p:nvSpPr>
+          <p:cNvPr id="3" name="Rectangle 2">
+            <a:extLst>
+              <a:ext uri="{FF2B5EF4-FFF2-40B4-BE49-F238E27FC236}">
+                <a16:creationId xmlns:a16="http://schemas.microsoft.com/office/drawing/2014/main" id="{CDCFDEC8-A191-023C-8D75-0FCB931A60ED}"/>
+              </a:ext>
+            </a:extLst>
+          </p:cNvPr>
+          <p:cNvSpPr/>
+          <p:nvPr/>
+        </p:nvSpPr>
+        <p:spPr>
+          <a:xfrm>
+            <a:off x="1343987" y="1612048"/>
+            <a:ext cx="5118458" cy="469583"/>
+          </a:xfrm>
+          <a:prstGeom prst="rect">
+            <a:avLst/>
+          </a:prstGeom>
+          <a:solidFill>
+            <a:schemeClr val="bg1"/>
+          </a:solidFill>
+          <a:ln>
+            <a:noFill/>
+          </a:ln>
+        </p:spPr>
+        <p:style>
+          <a:lnRef idx="2">
+            <a:schemeClr val="accent1">
+              <a:shade val="15000"/>
+            </a:schemeClr>
+          </a:lnRef>
+          <a:fillRef idx="1">
+            <a:schemeClr val="accent1"/>
+          </a:fillRef>
+          <a:effectRef idx="0">
+            <a:schemeClr val="accent1"/>
+          </a:effectRef>
+          <a:fontRef idx="minor">
+            <a:schemeClr val="lt1"/>
+          </a:fontRef>
+        </p:style>
+        <p:txBody>
+          <a:bodyPr rtlCol="0" anchor="ctr"/>
+          <a:lstStyle/>
+          <a:p>
+            <a:pPr algn="ctr"/>
+            <a:endParaRPr lang="en-US"/>
+          </a:p>
+        </p:txBody>
+      </p:sp>
+      <p:sp>
+        <p:nvSpPr>
+          <p:cNvPr id="4" name="Rectangle 3">
+            <a:extLst>
+              <a:ext uri="{FF2B5EF4-FFF2-40B4-BE49-F238E27FC236}">
+                <a16:creationId xmlns:a16="http://schemas.microsoft.com/office/drawing/2014/main" id="{B39C4B14-3CDC-4C39-70E1-1EA5C907B045}"/>
+              </a:ext>
+            </a:extLst>
+          </p:cNvPr>
+          <p:cNvSpPr/>
+          <p:nvPr/>
+        </p:nvSpPr>
+        <p:spPr>
+          <a:xfrm>
+            <a:off x="1343987" y="2609636"/>
+            <a:ext cx="5118458" cy="575791"/>
+          </a:xfrm>
+          <a:prstGeom prst="rect">
+            <a:avLst/>
+          </a:prstGeom>
+          <a:solidFill>
+            <a:schemeClr val="bg1"/>
+          </a:solidFill>
+          <a:ln>
+            <a:noFill/>
+          </a:ln>
+        </p:spPr>
+        <p:style>
+          <a:lnRef idx="2">
+            <a:schemeClr val="accent1">
+              <a:shade val="15000"/>
+            </a:schemeClr>
+          </a:lnRef>
+          <a:fillRef idx="1">
+            <a:schemeClr val="accent1"/>
+          </a:fillRef>
+          <a:effectRef idx="0">
+            <a:schemeClr val="accent1"/>
+          </a:effectRef>
+          <a:fontRef idx="minor">
+            <a:schemeClr val="lt1"/>
+          </a:fontRef>
+        </p:style>
+        <p:txBody>
+          <a:bodyPr rtlCol="0" anchor="ctr"/>
+          <a:lstStyle/>
+          <a:p>
+            <a:pPr algn="ctr"/>
+            <a:endParaRPr lang="en-US"/>
+          </a:p>
+        </p:txBody>
+      </p:sp>
+      <p:sp>
+        <p:nvSpPr>
+          <p:cNvPr id="7" name="Rectangle 6">
+            <a:extLst>
+              <a:ext uri="{FF2B5EF4-FFF2-40B4-BE49-F238E27FC236}">
+                <a16:creationId xmlns:a16="http://schemas.microsoft.com/office/drawing/2014/main" id="{0F4AB1EE-4A5F-2AE9-17C1-52F473AA38DE}"/>
+              </a:ext>
+            </a:extLst>
+          </p:cNvPr>
+          <p:cNvSpPr/>
+          <p:nvPr/>
+        </p:nvSpPr>
+        <p:spPr>
+          <a:xfrm>
+            <a:off x="1343986" y="3713432"/>
+            <a:ext cx="6228067" cy="575791"/>
+          </a:xfrm>
+          <a:prstGeom prst="rect">
+            <a:avLst/>
+          </a:prstGeom>
+          <a:solidFill>
+            <a:schemeClr val="bg1"/>
+          </a:solidFill>
+          <a:ln>
+            <a:noFill/>
+          </a:ln>
+        </p:spPr>
+        <p:style>
+          <a:lnRef idx="2">
+            <a:schemeClr val="accent1">
+              <a:shade val="15000"/>
+            </a:schemeClr>
+          </a:lnRef>
+          <a:fillRef idx="1">
+            <a:schemeClr val="accent1"/>
+          </a:fillRef>
+          <a:effectRef idx="0">
+            <a:schemeClr val="accent1"/>
+          </a:effectRef>
+          <a:fontRef idx="minor">
+            <a:schemeClr val="lt1"/>
+          </a:fontRef>
+        </p:style>
+        <p:txBody>
+          <a:bodyPr rtlCol="0" anchor="ctr"/>
+          <a:lstStyle/>
+          <a:p>
+            <a:pPr algn="ctr"/>
+            <a:endParaRPr lang="en-US"/>
+          </a:p>
+        </p:txBody>
+      </p:sp>
+      <p:sp>
+        <p:nvSpPr>
+          <p:cNvPr id="8" name="Rectangle 7">
+            <a:extLst>
+              <a:ext uri="{FF2B5EF4-FFF2-40B4-BE49-F238E27FC236}">
+                <a16:creationId xmlns:a16="http://schemas.microsoft.com/office/drawing/2014/main" id="{1EDCCD69-39B6-D646-0D78-A19EC46D367A}"/>
+              </a:ext>
+            </a:extLst>
+          </p:cNvPr>
+          <p:cNvSpPr/>
+          <p:nvPr/>
+        </p:nvSpPr>
+        <p:spPr>
+          <a:xfrm>
+            <a:off x="1338971" y="4670161"/>
+            <a:ext cx="6228067" cy="744320"/>
+          </a:xfrm>
+          <a:prstGeom prst="rect">
+            <a:avLst/>
+          </a:prstGeom>
+          <a:solidFill>
+            <a:schemeClr val="bg1"/>
+          </a:solidFill>
+          <a:ln>
+            <a:noFill/>
+          </a:ln>
+        </p:spPr>
+        <p:style>
+          <a:lnRef idx="2">
+            <a:schemeClr val="accent1">
+              <a:shade val="15000"/>
+            </a:schemeClr>
+          </a:lnRef>
+          <a:fillRef idx="1">
+            <a:schemeClr val="accent1"/>
+          </a:fillRef>
+          <a:effectRef idx="0">
+            <a:schemeClr val="accent1"/>
+          </a:effectRef>
+          <a:fontRef idx="minor">
+            <a:schemeClr val="lt1"/>
+          </a:fontRef>
+        </p:style>
+        <p:txBody>
+          <a:bodyPr rtlCol="0" anchor="ctr"/>
+          <a:lstStyle/>
+          <a:p>
+            <a:pPr algn="ctr"/>
+            <a:endParaRPr lang="en-US"/>
+          </a:p>
+        </p:txBody>
+      </p:sp>
+      <p:sp>
+        <p:nvSpPr>
+          <p:cNvPr id="9" name="Rectangle 8">
+            <a:extLst>
+              <a:ext uri="{FF2B5EF4-FFF2-40B4-BE49-F238E27FC236}">
+                <a16:creationId xmlns:a16="http://schemas.microsoft.com/office/drawing/2014/main" id="{E2042C38-0B72-247C-B412-0A5A11CEE316}"/>
+              </a:ext>
+            </a:extLst>
+          </p:cNvPr>
+          <p:cNvSpPr/>
+          <p:nvPr/>
+        </p:nvSpPr>
+        <p:spPr>
+          <a:xfrm>
+            <a:off x="1435388" y="5695078"/>
+            <a:ext cx="6228067" cy="744320"/>
+          </a:xfrm>
+          <a:prstGeom prst="rect">
+            <a:avLst/>
+          </a:prstGeom>
+          <a:solidFill>
+            <a:schemeClr val="bg1"/>
+          </a:solidFill>
+          <a:ln>
+            <a:noFill/>
+          </a:ln>
+        </p:spPr>
+        <p:style>
+          <a:lnRef idx="2">
+            <a:schemeClr val="accent1">
+              <a:shade val="15000"/>
+            </a:schemeClr>
+          </a:lnRef>
+          <a:fillRef idx="1">
+            <a:schemeClr val="accent1"/>
+          </a:fillRef>
+          <a:effectRef idx="0">
+            <a:schemeClr val="accent1"/>
+          </a:effectRef>
+          <a:fontRef idx="minor">
+            <a:schemeClr val="lt1"/>
+          </a:fontRef>
+        </p:style>
+        <p:txBody>
+          <a:bodyPr rtlCol="0" anchor="ctr"/>
+          <a:lstStyle/>
+          <a:p>
+            <a:pPr algn="ctr"/>
+            <a:endParaRPr lang="en-US"/>
+          </a:p>
+        </p:txBody>
+      </p:sp>
     </p:spTree>
     <p:extLst>
       <p:ext uri="{BB962C8B-B14F-4D97-AF65-F5344CB8AC3E}">
@@ -11309,10 +12672,1445 @@
           </a:prstGeom>
         </p:spPr>
       </p:pic>
+      <p:sp>
+        <p:nvSpPr>
+          <p:cNvPr id="3" name="Rectangle 2">
+            <a:extLst>
+              <a:ext uri="{FF2B5EF4-FFF2-40B4-BE49-F238E27FC236}">
+                <a16:creationId xmlns:a16="http://schemas.microsoft.com/office/drawing/2014/main" id="{76CFB4DC-0D5E-874D-4432-258BA8B78537}"/>
+              </a:ext>
+            </a:extLst>
+          </p:cNvPr>
+          <p:cNvSpPr/>
+          <p:nvPr/>
+        </p:nvSpPr>
+        <p:spPr>
+          <a:xfrm>
+            <a:off x="3375061" y="1880172"/>
+            <a:ext cx="2368193" cy="246580"/>
+          </a:xfrm>
+          <a:prstGeom prst="rect">
+            <a:avLst/>
+          </a:prstGeom>
+          <a:solidFill>
+            <a:schemeClr val="bg1"/>
+          </a:solidFill>
+          <a:ln>
+            <a:noFill/>
+          </a:ln>
+        </p:spPr>
+        <p:style>
+          <a:lnRef idx="2">
+            <a:schemeClr val="accent1">
+              <a:shade val="15000"/>
+            </a:schemeClr>
+          </a:lnRef>
+          <a:fillRef idx="1">
+            <a:schemeClr val="accent1"/>
+          </a:fillRef>
+          <a:effectRef idx="0">
+            <a:schemeClr val="accent1"/>
+          </a:effectRef>
+          <a:fontRef idx="minor">
+            <a:schemeClr val="lt1"/>
+          </a:fontRef>
+        </p:style>
+        <p:txBody>
+          <a:bodyPr rtlCol="0" anchor="ctr"/>
+          <a:lstStyle/>
+          <a:p>
+            <a:pPr algn="ctr"/>
+            <a:endParaRPr lang="en-US"/>
+          </a:p>
+        </p:txBody>
+      </p:sp>
+      <p:sp>
+        <p:nvSpPr>
+          <p:cNvPr id="6" name="Rectangle 5">
+            <a:extLst>
+              <a:ext uri="{FF2B5EF4-FFF2-40B4-BE49-F238E27FC236}">
+                <a16:creationId xmlns:a16="http://schemas.microsoft.com/office/drawing/2014/main" id="{A632E73E-B2DB-5B0B-7ECB-5BAB4E631BB9}"/>
+              </a:ext>
+            </a:extLst>
+          </p:cNvPr>
+          <p:cNvSpPr/>
+          <p:nvPr/>
+        </p:nvSpPr>
+        <p:spPr>
+          <a:xfrm>
+            <a:off x="3365325" y="2847843"/>
+            <a:ext cx="2368193" cy="246580"/>
+          </a:xfrm>
+          <a:prstGeom prst="rect">
+            <a:avLst/>
+          </a:prstGeom>
+          <a:solidFill>
+            <a:schemeClr val="bg1"/>
+          </a:solidFill>
+          <a:ln>
+            <a:noFill/>
+          </a:ln>
+        </p:spPr>
+        <p:style>
+          <a:lnRef idx="2">
+            <a:schemeClr val="accent1">
+              <a:shade val="15000"/>
+            </a:schemeClr>
+          </a:lnRef>
+          <a:fillRef idx="1">
+            <a:schemeClr val="accent1"/>
+          </a:fillRef>
+          <a:effectRef idx="0">
+            <a:schemeClr val="accent1"/>
+          </a:effectRef>
+          <a:fontRef idx="minor">
+            <a:schemeClr val="lt1"/>
+          </a:fontRef>
+        </p:style>
+        <p:txBody>
+          <a:bodyPr rtlCol="0" anchor="ctr"/>
+          <a:lstStyle/>
+          <a:p>
+            <a:pPr algn="ctr"/>
+            <a:endParaRPr lang="en-US"/>
+          </a:p>
+        </p:txBody>
+      </p:sp>
+      <p:sp>
+        <p:nvSpPr>
+          <p:cNvPr id="7" name="Rectangle 6">
+            <a:extLst>
+              <a:ext uri="{FF2B5EF4-FFF2-40B4-BE49-F238E27FC236}">
+                <a16:creationId xmlns:a16="http://schemas.microsoft.com/office/drawing/2014/main" id="{978C1435-79D2-BCBC-BF94-116EF3CC8FAD}"/>
+              </a:ext>
+            </a:extLst>
+          </p:cNvPr>
+          <p:cNvSpPr/>
+          <p:nvPr/>
+        </p:nvSpPr>
+        <p:spPr>
+          <a:xfrm>
+            <a:off x="3221486" y="2389320"/>
+            <a:ext cx="2368193" cy="246580"/>
+          </a:xfrm>
+          <a:prstGeom prst="rect">
+            <a:avLst/>
+          </a:prstGeom>
+          <a:solidFill>
+            <a:schemeClr val="bg1"/>
+          </a:solidFill>
+          <a:ln>
+            <a:noFill/>
+          </a:ln>
+        </p:spPr>
+        <p:style>
+          <a:lnRef idx="2">
+            <a:schemeClr val="accent1">
+              <a:shade val="15000"/>
+            </a:schemeClr>
+          </a:lnRef>
+          <a:fillRef idx="1">
+            <a:schemeClr val="accent1"/>
+          </a:fillRef>
+          <a:effectRef idx="0">
+            <a:schemeClr val="accent1"/>
+          </a:effectRef>
+          <a:fontRef idx="minor">
+            <a:schemeClr val="lt1"/>
+          </a:fontRef>
+        </p:style>
+        <p:txBody>
+          <a:bodyPr rtlCol="0" anchor="ctr"/>
+          <a:lstStyle/>
+          <a:p>
+            <a:pPr algn="ctr"/>
+            <a:endParaRPr lang="en-US"/>
+          </a:p>
+        </p:txBody>
+      </p:sp>
+      <p:sp>
+        <p:nvSpPr>
+          <p:cNvPr id="8" name="Rectangle 7">
+            <a:extLst>
+              <a:ext uri="{FF2B5EF4-FFF2-40B4-BE49-F238E27FC236}">
+                <a16:creationId xmlns:a16="http://schemas.microsoft.com/office/drawing/2014/main" id="{DE3F797D-251B-8FB5-BB93-65D58CCAF3BD}"/>
+              </a:ext>
+            </a:extLst>
+          </p:cNvPr>
+          <p:cNvSpPr/>
+          <p:nvPr/>
+        </p:nvSpPr>
+        <p:spPr>
+          <a:xfrm>
+            <a:off x="3221486" y="3377476"/>
+            <a:ext cx="2368193" cy="246580"/>
+          </a:xfrm>
+          <a:prstGeom prst="rect">
+            <a:avLst/>
+          </a:prstGeom>
+          <a:solidFill>
+            <a:schemeClr val="bg1"/>
+          </a:solidFill>
+          <a:ln>
+            <a:noFill/>
+          </a:ln>
+        </p:spPr>
+        <p:style>
+          <a:lnRef idx="2">
+            <a:schemeClr val="accent1">
+              <a:shade val="15000"/>
+            </a:schemeClr>
+          </a:lnRef>
+          <a:fillRef idx="1">
+            <a:schemeClr val="accent1"/>
+          </a:fillRef>
+          <a:effectRef idx="0">
+            <a:schemeClr val="accent1"/>
+          </a:effectRef>
+          <a:fontRef idx="minor">
+            <a:schemeClr val="lt1"/>
+          </a:fontRef>
+        </p:style>
+        <p:txBody>
+          <a:bodyPr rtlCol="0" anchor="ctr"/>
+          <a:lstStyle/>
+          <a:p>
+            <a:pPr algn="ctr"/>
+            <a:endParaRPr lang="en-US"/>
+          </a:p>
+        </p:txBody>
+      </p:sp>
+      <p:sp>
+        <p:nvSpPr>
+          <p:cNvPr id="9" name="Rectangle 8">
+            <a:extLst>
+              <a:ext uri="{FF2B5EF4-FFF2-40B4-BE49-F238E27FC236}">
+                <a16:creationId xmlns:a16="http://schemas.microsoft.com/office/drawing/2014/main" id="{28C0AE4A-4247-8DBB-A9D1-9C36D5B4BBC1}"/>
+              </a:ext>
+            </a:extLst>
+          </p:cNvPr>
+          <p:cNvSpPr/>
+          <p:nvPr/>
+        </p:nvSpPr>
+        <p:spPr>
+          <a:xfrm>
+            <a:off x="3221486" y="3868388"/>
+            <a:ext cx="2368193" cy="246580"/>
+          </a:xfrm>
+          <a:prstGeom prst="rect">
+            <a:avLst/>
+          </a:prstGeom>
+          <a:solidFill>
+            <a:schemeClr val="bg1"/>
+          </a:solidFill>
+          <a:ln>
+            <a:noFill/>
+          </a:ln>
+        </p:spPr>
+        <p:style>
+          <a:lnRef idx="2">
+            <a:schemeClr val="accent1">
+              <a:shade val="15000"/>
+            </a:schemeClr>
+          </a:lnRef>
+          <a:fillRef idx="1">
+            <a:schemeClr val="accent1"/>
+          </a:fillRef>
+          <a:effectRef idx="0">
+            <a:schemeClr val="accent1"/>
+          </a:effectRef>
+          <a:fontRef idx="minor">
+            <a:schemeClr val="lt1"/>
+          </a:fontRef>
+        </p:style>
+        <p:txBody>
+          <a:bodyPr rtlCol="0" anchor="ctr"/>
+          <a:lstStyle/>
+          <a:p>
+            <a:pPr algn="ctr"/>
+            <a:endParaRPr lang="en-US"/>
+          </a:p>
+        </p:txBody>
+      </p:sp>
+      <p:sp>
+        <p:nvSpPr>
+          <p:cNvPr id="10" name="Rectangle 9">
+            <a:extLst>
+              <a:ext uri="{FF2B5EF4-FFF2-40B4-BE49-F238E27FC236}">
+                <a16:creationId xmlns:a16="http://schemas.microsoft.com/office/drawing/2014/main" id="{0858F0F3-C1D5-0FCC-F1FB-48C71FE7EF00}"/>
+              </a:ext>
+            </a:extLst>
+          </p:cNvPr>
+          <p:cNvSpPr/>
+          <p:nvPr/>
+        </p:nvSpPr>
+        <p:spPr>
+          <a:xfrm>
+            <a:off x="3221485" y="4335036"/>
+            <a:ext cx="2368193" cy="246580"/>
+          </a:xfrm>
+          <a:prstGeom prst="rect">
+            <a:avLst/>
+          </a:prstGeom>
+          <a:solidFill>
+            <a:schemeClr val="bg1"/>
+          </a:solidFill>
+          <a:ln>
+            <a:noFill/>
+          </a:ln>
+        </p:spPr>
+        <p:style>
+          <a:lnRef idx="2">
+            <a:schemeClr val="accent1">
+              <a:shade val="15000"/>
+            </a:schemeClr>
+          </a:lnRef>
+          <a:fillRef idx="1">
+            <a:schemeClr val="accent1"/>
+          </a:fillRef>
+          <a:effectRef idx="0">
+            <a:schemeClr val="accent1"/>
+          </a:effectRef>
+          <a:fontRef idx="minor">
+            <a:schemeClr val="lt1"/>
+          </a:fontRef>
+        </p:style>
+        <p:txBody>
+          <a:bodyPr rtlCol="0" anchor="ctr"/>
+          <a:lstStyle/>
+          <a:p>
+            <a:pPr algn="ctr"/>
+            <a:endParaRPr lang="en-US"/>
+          </a:p>
+        </p:txBody>
+      </p:sp>
+      <p:sp>
+        <p:nvSpPr>
+          <p:cNvPr id="11" name="Rectangle 10">
+            <a:extLst>
+              <a:ext uri="{FF2B5EF4-FFF2-40B4-BE49-F238E27FC236}">
+                <a16:creationId xmlns:a16="http://schemas.microsoft.com/office/drawing/2014/main" id="{C725F2DC-48A2-D3FD-92E5-0C1598156A5E}"/>
+              </a:ext>
+            </a:extLst>
+          </p:cNvPr>
+          <p:cNvSpPr/>
+          <p:nvPr/>
+        </p:nvSpPr>
+        <p:spPr>
+          <a:xfrm>
+            <a:off x="3365324" y="4793559"/>
+            <a:ext cx="2368193" cy="246580"/>
+          </a:xfrm>
+          <a:prstGeom prst="rect">
+            <a:avLst/>
+          </a:prstGeom>
+          <a:solidFill>
+            <a:schemeClr val="bg1"/>
+          </a:solidFill>
+          <a:ln>
+            <a:noFill/>
+          </a:ln>
+        </p:spPr>
+        <p:style>
+          <a:lnRef idx="2">
+            <a:schemeClr val="accent1">
+              <a:shade val="15000"/>
+            </a:schemeClr>
+          </a:lnRef>
+          <a:fillRef idx="1">
+            <a:schemeClr val="accent1"/>
+          </a:fillRef>
+          <a:effectRef idx="0">
+            <a:schemeClr val="accent1"/>
+          </a:effectRef>
+          <a:fontRef idx="minor">
+            <a:schemeClr val="lt1"/>
+          </a:fontRef>
+        </p:style>
+        <p:txBody>
+          <a:bodyPr rtlCol="0" anchor="ctr"/>
+          <a:lstStyle/>
+          <a:p>
+            <a:pPr algn="ctr"/>
+            <a:endParaRPr lang="en-US"/>
+          </a:p>
+        </p:txBody>
+      </p:sp>
+      <p:sp>
+        <p:nvSpPr>
+          <p:cNvPr id="12" name="Rectangle 11">
+            <a:extLst>
+              <a:ext uri="{FF2B5EF4-FFF2-40B4-BE49-F238E27FC236}">
+                <a16:creationId xmlns:a16="http://schemas.microsoft.com/office/drawing/2014/main" id="{6DB9F620-26F3-127C-688D-63AF26F1F4C3}"/>
+              </a:ext>
+            </a:extLst>
+          </p:cNvPr>
+          <p:cNvSpPr/>
+          <p:nvPr/>
+        </p:nvSpPr>
+        <p:spPr>
+          <a:xfrm>
+            <a:off x="3365322" y="5787939"/>
+            <a:ext cx="2368193" cy="246580"/>
+          </a:xfrm>
+          <a:prstGeom prst="rect">
+            <a:avLst/>
+          </a:prstGeom>
+          <a:solidFill>
+            <a:schemeClr val="bg1"/>
+          </a:solidFill>
+          <a:ln>
+            <a:noFill/>
+          </a:ln>
+        </p:spPr>
+        <p:style>
+          <a:lnRef idx="2">
+            <a:schemeClr val="accent1">
+              <a:shade val="15000"/>
+            </a:schemeClr>
+          </a:lnRef>
+          <a:fillRef idx="1">
+            <a:schemeClr val="accent1"/>
+          </a:fillRef>
+          <a:effectRef idx="0">
+            <a:schemeClr val="accent1"/>
+          </a:effectRef>
+          <a:fontRef idx="minor">
+            <a:schemeClr val="lt1"/>
+          </a:fontRef>
+        </p:style>
+        <p:txBody>
+          <a:bodyPr rtlCol="0" anchor="ctr"/>
+          <a:lstStyle/>
+          <a:p>
+            <a:pPr algn="ctr"/>
+            <a:endParaRPr lang="en-US"/>
+          </a:p>
+        </p:txBody>
+      </p:sp>
+      <p:sp>
+        <p:nvSpPr>
+          <p:cNvPr id="13" name="Rectangle 12">
+            <a:extLst>
+              <a:ext uri="{FF2B5EF4-FFF2-40B4-BE49-F238E27FC236}">
+                <a16:creationId xmlns:a16="http://schemas.microsoft.com/office/drawing/2014/main" id="{B9FE0B62-7F46-0CD6-4346-863ABD32DAE9}"/>
+              </a:ext>
+            </a:extLst>
+          </p:cNvPr>
+          <p:cNvSpPr/>
+          <p:nvPr/>
+        </p:nvSpPr>
+        <p:spPr>
+          <a:xfrm>
+            <a:off x="3221485" y="5279330"/>
+            <a:ext cx="2368193" cy="246580"/>
+          </a:xfrm>
+          <a:prstGeom prst="rect">
+            <a:avLst/>
+          </a:prstGeom>
+          <a:solidFill>
+            <a:schemeClr val="bg1"/>
+          </a:solidFill>
+          <a:ln>
+            <a:noFill/>
+          </a:ln>
+        </p:spPr>
+        <p:style>
+          <a:lnRef idx="2">
+            <a:schemeClr val="accent1">
+              <a:shade val="15000"/>
+            </a:schemeClr>
+          </a:lnRef>
+          <a:fillRef idx="1">
+            <a:schemeClr val="accent1"/>
+          </a:fillRef>
+          <a:effectRef idx="0">
+            <a:schemeClr val="accent1"/>
+          </a:effectRef>
+          <a:fontRef idx="minor">
+            <a:schemeClr val="lt1"/>
+          </a:fontRef>
+        </p:style>
+        <p:txBody>
+          <a:bodyPr rtlCol="0" anchor="ctr"/>
+          <a:lstStyle/>
+          <a:p>
+            <a:pPr algn="ctr"/>
+            <a:endParaRPr lang="en-US"/>
+          </a:p>
+        </p:txBody>
+      </p:sp>
+      <p:sp>
+        <p:nvSpPr>
+          <p:cNvPr id="14" name="Rectangle 13">
+            <a:extLst>
+              <a:ext uri="{FF2B5EF4-FFF2-40B4-BE49-F238E27FC236}">
+                <a16:creationId xmlns:a16="http://schemas.microsoft.com/office/drawing/2014/main" id="{1F20B2A5-8791-C455-2EC4-985DFA30A7B7}"/>
+              </a:ext>
+            </a:extLst>
+          </p:cNvPr>
+          <p:cNvSpPr/>
+          <p:nvPr/>
+        </p:nvSpPr>
+        <p:spPr>
+          <a:xfrm>
+            <a:off x="6377589" y="1869899"/>
+            <a:ext cx="2368193" cy="246580"/>
+          </a:xfrm>
+          <a:prstGeom prst="rect">
+            <a:avLst/>
+          </a:prstGeom>
+          <a:solidFill>
+            <a:schemeClr val="bg1"/>
+          </a:solidFill>
+          <a:ln>
+            <a:noFill/>
+          </a:ln>
+        </p:spPr>
+        <p:style>
+          <a:lnRef idx="2">
+            <a:schemeClr val="accent1">
+              <a:shade val="15000"/>
+            </a:schemeClr>
+          </a:lnRef>
+          <a:fillRef idx="1">
+            <a:schemeClr val="accent1"/>
+          </a:fillRef>
+          <a:effectRef idx="0">
+            <a:schemeClr val="accent1"/>
+          </a:effectRef>
+          <a:fontRef idx="minor">
+            <a:schemeClr val="lt1"/>
+          </a:fontRef>
+        </p:style>
+        <p:txBody>
+          <a:bodyPr rtlCol="0" anchor="ctr"/>
+          <a:lstStyle/>
+          <a:p>
+            <a:pPr algn="ctr"/>
+            <a:endParaRPr lang="en-US"/>
+          </a:p>
+        </p:txBody>
+      </p:sp>
+      <p:sp>
+        <p:nvSpPr>
+          <p:cNvPr id="15" name="Rectangle 14">
+            <a:extLst>
+              <a:ext uri="{FF2B5EF4-FFF2-40B4-BE49-F238E27FC236}">
+                <a16:creationId xmlns:a16="http://schemas.microsoft.com/office/drawing/2014/main" id="{5B2361ED-CDEB-90E3-2CB1-8BC92CB0133A}"/>
+              </a:ext>
+            </a:extLst>
+          </p:cNvPr>
+          <p:cNvSpPr/>
+          <p:nvPr/>
+        </p:nvSpPr>
+        <p:spPr>
+          <a:xfrm>
+            <a:off x="6358117" y="2855968"/>
+            <a:ext cx="2368193" cy="246580"/>
+          </a:xfrm>
+          <a:prstGeom prst="rect">
+            <a:avLst/>
+          </a:prstGeom>
+          <a:solidFill>
+            <a:schemeClr val="bg1"/>
+          </a:solidFill>
+          <a:ln>
+            <a:noFill/>
+          </a:ln>
+        </p:spPr>
+        <p:style>
+          <a:lnRef idx="2">
+            <a:schemeClr val="accent1">
+              <a:shade val="15000"/>
+            </a:schemeClr>
+          </a:lnRef>
+          <a:fillRef idx="1">
+            <a:schemeClr val="accent1"/>
+          </a:fillRef>
+          <a:effectRef idx="0">
+            <a:schemeClr val="accent1"/>
+          </a:effectRef>
+          <a:fontRef idx="minor">
+            <a:schemeClr val="lt1"/>
+          </a:fontRef>
+        </p:style>
+        <p:txBody>
+          <a:bodyPr rtlCol="0" anchor="ctr"/>
+          <a:lstStyle/>
+          <a:p>
+            <a:pPr algn="ctr"/>
+            <a:endParaRPr lang="en-US"/>
+          </a:p>
+        </p:txBody>
+      </p:sp>
+      <p:sp>
+        <p:nvSpPr>
+          <p:cNvPr id="16" name="Rectangle 15">
+            <a:extLst>
+              <a:ext uri="{FF2B5EF4-FFF2-40B4-BE49-F238E27FC236}">
+                <a16:creationId xmlns:a16="http://schemas.microsoft.com/office/drawing/2014/main" id="{ECE93DDA-1DC7-FF0E-E983-B17449C7FE98}"/>
+              </a:ext>
+            </a:extLst>
+          </p:cNvPr>
+          <p:cNvSpPr/>
+          <p:nvPr/>
+        </p:nvSpPr>
+        <p:spPr>
+          <a:xfrm>
+            <a:off x="6358117" y="2336547"/>
+            <a:ext cx="2368193" cy="246580"/>
+          </a:xfrm>
+          <a:prstGeom prst="rect">
+            <a:avLst/>
+          </a:prstGeom>
+          <a:solidFill>
+            <a:schemeClr val="bg1"/>
+          </a:solidFill>
+          <a:ln>
+            <a:noFill/>
+          </a:ln>
+        </p:spPr>
+        <p:style>
+          <a:lnRef idx="2">
+            <a:schemeClr val="accent1">
+              <a:shade val="15000"/>
+            </a:schemeClr>
+          </a:lnRef>
+          <a:fillRef idx="1">
+            <a:schemeClr val="accent1"/>
+          </a:fillRef>
+          <a:effectRef idx="0">
+            <a:schemeClr val="accent1"/>
+          </a:effectRef>
+          <a:fontRef idx="minor">
+            <a:schemeClr val="lt1"/>
+          </a:fontRef>
+        </p:style>
+        <p:txBody>
+          <a:bodyPr rtlCol="0" anchor="ctr"/>
+          <a:lstStyle/>
+          <a:p>
+            <a:pPr algn="ctr"/>
+            <a:endParaRPr lang="en-US"/>
+          </a:p>
+        </p:txBody>
+      </p:sp>
+      <p:sp>
+        <p:nvSpPr>
+          <p:cNvPr id="17" name="Rectangle 16">
+            <a:extLst>
+              <a:ext uri="{FF2B5EF4-FFF2-40B4-BE49-F238E27FC236}">
+                <a16:creationId xmlns:a16="http://schemas.microsoft.com/office/drawing/2014/main" id="{CAD888FD-C6F8-7B2E-6696-C79992A5C695}"/>
+              </a:ext>
+            </a:extLst>
+          </p:cNvPr>
+          <p:cNvSpPr/>
+          <p:nvPr/>
+        </p:nvSpPr>
+        <p:spPr>
+          <a:xfrm>
+            <a:off x="6358116" y="3363141"/>
+            <a:ext cx="2368193" cy="246580"/>
+          </a:xfrm>
+          <a:prstGeom prst="rect">
+            <a:avLst/>
+          </a:prstGeom>
+          <a:solidFill>
+            <a:schemeClr val="bg1"/>
+          </a:solidFill>
+          <a:ln>
+            <a:noFill/>
+          </a:ln>
+        </p:spPr>
+        <p:style>
+          <a:lnRef idx="2">
+            <a:schemeClr val="accent1">
+              <a:shade val="15000"/>
+            </a:schemeClr>
+          </a:lnRef>
+          <a:fillRef idx="1">
+            <a:schemeClr val="accent1"/>
+          </a:fillRef>
+          <a:effectRef idx="0">
+            <a:schemeClr val="accent1"/>
+          </a:effectRef>
+          <a:fontRef idx="minor">
+            <a:schemeClr val="lt1"/>
+          </a:fontRef>
+        </p:style>
+        <p:txBody>
+          <a:bodyPr rtlCol="0" anchor="ctr"/>
+          <a:lstStyle/>
+          <a:p>
+            <a:pPr algn="ctr"/>
+            <a:endParaRPr lang="en-US"/>
+          </a:p>
+        </p:txBody>
+      </p:sp>
+      <p:sp>
+        <p:nvSpPr>
+          <p:cNvPr id="18" name="Rectangle 17">
+            <a:extLst>
+              <a:ext uri="{FF2B5EF4-FFF2-40B4-BE49-F238E27FC236}">
+                <a16:creationId xmlns:a16="http://schemas.microsoft.com/office/drawing/2014/main" id="{8F1D41D9-5A27-AEAF-C962-3D888C914BCF}"/>
+              </a:ext>
+            </a:extLst>
+          </p:cNvPr>
+          <p:cNvSpPr/>
+          <p:nvPr/>
+        </p:nvSpPr>
+        <p:spPr>
+          <a:xfrm>
+            <a:off x="6358115" y="3856175"/>
+            <a:ext cx="2368193" cy="246580"/>
+          </a:xfrm>
+          <a:prstGeom prst="rect">
+            <a:avLst/>
+          </a:prstGeom>
+          <a:solidFill>
+            <a:schemeClr val="bg1"/>
+          </a:solidFill>
+          <a:ln>
+            <a:noFill/>
+          </a:ln>
+        </p:spPr>
+        <p:style>
+          <a:lnRef idx="2">
+            <a:schemeClr val="accent1">
+              <a:shade val="15000"/>
+            </a:schemeClr>
+          </a:lnRef>
+          <a:fillRef idx="1">
+            <a:schemeClr val="accent1"/>
+          </a:fillRef>
+          <a:effectRef idx="0">
+            <a:schemeClr val="accent1"/>
+          </a:effectRef>
+          <a:fontRef idx="minor">
+            <a:schemeClr val="lt1"/>
+          </a:fontRef>
+        </p:style>
+        <p:txBody>
+          <a:bodyPr rtlCol="0" anchor="ctr"/>
+          <a:lstStyle/>
+          <a:p>
+            <a:pPr algn="ctr"/>
+            <a:endParaRPr lang="en-US"/>
+          </a:p>
+        </p:txBody>
+      </p:sp>
+      <p:sp>
+        <p:nvSpPr>
+          <p:cNvPr id="19" name="Rectangle 18">
+            <a:extLst>
+              <a:ext uri="{FF2B5EF4-FFF2-40B4-BE49-F238E27FC236}">
+                <a16:creationId xmlns:a16="http://schemas.microsoft.com/office/drawing/2014/main" id="{47B87728-815C-457C-1B1F-1E11BEEBD969}"/>
+              </a:ext>
+            </a:extLst>
+          </p:cNvPr>
+          <p:cNvSpPr/>
+          <p:nvPr/>
+        </p:nvSpPr>
+        <p:spPr>
+          <a:xfrm>
+            <a:off x="6358115" y="4381647"/>
+            <a:ext cx="2368193" cy="246580"/>
+          </a:xfrm>
+          <a:prstGeom prst="rect">
+            <a:avLst/>
+          </a:prstGeom>
+          <a:solidFill>
+            <a:schemeClr val="bg1"/>
+          </a:solidFill>
+          <a:ln>
+            <a:noFill/>
+          </a:ln>
+        </p:spPr>
+        <p:style>
+          <a:lnRef idx="2">
+            <a:schemeClr val="accent1">
+              <a:shade val="15000"/>
+            </a:schemeClr>
+          </a:lnRef>
+          <a:fillRef idx="1">
+            <a:schemeClr val="accent1"/>
+          </a:fillRef>
+          <a:effectRef idx="0">
+            <a:schemeClr val="accent1"/>
+          </a:effectRef>
+          <a:fontRef idx="minor">
+            <a:schemeClr val="lt1"/>
+          </a:fontRef>
+        </p:style>
+        <p:txBody>
+          <a:bodyPr rtlCol="0" anchor="ctr"/>
+          <a:lstStyle/>
+          <a:p>
+            <a:pPr algn="ctr"/>
+            <a:endParaRPr lang="en-US"/>
+          </a:p>
+        </p:txBody>
+      </p:sp>
+      <p:sp>
+        <p:nvSpPr>
+          <p:cNvPr id="20" name="Rectangle 19">
+            <a:extLst>
+              <a:ext uri="{FF2B5EF4-FFF2-40B4-BE49-F238E27FC236}">
+                <a16:creationId xmlns:a16="http://schemas.microsoft.com/office/drawing/2014/main" id="{E1AD2978-1C8E-58BD-3157-D829F7FFFF36}"/>
+              </a:ext>
+            </a:extLst>
+          </p:cNvPr>
+          <p:cNvSpPr/>
+          <p:nvPr/>
+        </p:nvSpPr>
+        <p:spPr>
+          <a:xfrm>
+            <a:off x="6358114" y="5334484"/>
+            <a:ext cx="2368193" cy="246580"/>
+          </a:xfrm>
+          <a:prstGeom prst="rect">
+            <a:avLst/>
+          </a:prstGeom>
+          <a:solidFill>
+            <a:schemeClr val="bg1"/>
+          </a:solidFill>
+          <a:ln>
+            <a:noFill/>
+          </a:ln>
+        </p:spPr>
+        <p:style>
+          <a:lnRef idx="2">
+            <a:schemeClr val="accent1">
+              <a:shade val="15000"/>
+            </a:schemeClr>
+          </a:lnRef>
+          <a:fillRef idx="1">
+            <a:schemeClr val="accent1"/>
+          </a:fillRef>
+          <a:effectRef idx="0">
+            <a:schemeClr val="accent1"/>
+          </a:effectRef>
+          <a:fontRef idx="minor">
+            <a:schemeClr val="lt1"/>
+          </a:fontRef>
+        </p:style>
+        <p:txBody>
+          <a:bodyPr rtlCol="0" anchor="ctr"/>
+          <a:lstStyle/>
+          <a:p>
+            <a:pPr algn="ctr"/>
+            <a:endParaRPr lang="en-US"/>
+          </a:p>
+        </p:txBody>
+      </p:sp>
+      <p:sp>
+        <p:nvSpPr>
+          <p:cNvPr id="21" name="Rectangle 20">
+            <a:extLst>
+              <a:ext uri="{FF2B5EF4-FFF2-40B4-BE49-F238E27FC236}">
+                <a16:creationId xmlns:a16="http://schemas.microsoft.com/office/drawing/2014/main" id="{6A966F4D-C807-B570-EF35-8E45C8DB916C}"/>
+              </a:ext>
+            </a:extLst>
+          </p:cNvPr>
+          <p:cNvSpPr/>
+          <p:nvPr/>
+        </p:nvSpPr>
+        <p:spPr>
+          <a:xfrm>
+            <a:off x="6358113" y="5810027"/>
+            <a:ext cx="2368193" cy="246580"/>
+          </a:xfrm>
+          <a:prstGeom prst="rect">
+            <a:avLst/>
+          </a:prstGeom>
+          <a:solidFill>
+            <a:schemeClr val="bg1"/>
+          </a:solidFill>
+          <a:ln>
+            <a:noFill/>
+          </a:ln>
+        </p:spPr>
+        <p:style>
+          <a:lnRef idx="2">
+            <a:schemeClr val="accent1">
+              <a:shade val="15000"/>
+            </a:schemeClr>
+          </a:lnRef>
+          <a:fillRef idx="1">
+            <a:schemeClr val="accent1"/>
+          </a:fillRef>
+          <a:effectRef idx="0">
+            <a:schemeClr val="accent1"/>
+          </a:effectRef>
+          <a:fontRef idx="minor">
+            <a:schemeClr val="lt1"/>
+          </a:fontRef>
+        </p:style>
+        <p:txBody>
+          <a:bodyPr rtlCol="0" anchor="ctr"/>
+          <a:lstStyle/>
+          <a:p>
+            <a:pPr algn="ctr"/>
+            <a:endParaRPr lang="en-US"/>
+          </a:p>
+        </p:txBody>
+      </p:sp>
+      <p:sp>
+        <p:nvSpPr>
+          <p:cNvPr id="22" name="Rectangle 21">
+            <a:extLst>
+              <a:ext uri="{FF2B5EF4-FFF2-40B4-BE49-F238E27FC236}">
+                <a16:creationId xmlns:a16="http://schemas.microsoft.com/office/drawing/2014/main" id="{06094279-821E-A159-5896-19F9FE5DD17C}"/>
+              </a:ext>
+            </a:extLst>
+          </p:cNvPr>
+          <p:cNvSpPr/>
+          <p:nvPr/>
+        </p:nvSpPr>
+        <p:spPr>
+          <a:xfrm>
+            <a:off x="6358112" y="4758921"/>
+            <a:ext cx="2368193" cy="246580"/>
+          </a:xfrm>
+          <a:prstGeom prst="rect">
+            <a:avLst/>
+          </a:prstGeom>
+          <a:solidFill>
+            <a:schemeClr val="bg1"/>
+          </a:solidFill>
+          <a:ln>
+            <a:noFill/>
+          </a:ln>
+        </p:spPr>
+        <p:style>
+          <a:lnRef idx="2">
+            <a:schemeClr val="accent1">
+              <a:shade val="15000"/>
+            </a:schemeClr>
+          </a:lnRef>
+          <a:fillRef idx="1">
+            <a:schemeClr val="accent1"/>
+          </a:fillRef>
+          <a:effectRef idx="0">
+            <a:schemeClr val="accent1"/>
+          </a:effectRef>
+          <a:fontRef idx="minor">
+            <a:schemeClr val="lt1"/>
+          </a:fontRef>
+        </p:style>
+        <p:txBody>
+          <a:bodyPr rtlCol="0" anchor="ctr"/>
+          <a:lstStyle/>
+          <a:p>
+            <a:pPr algn="ctr"/>
+            <a:endParaRPr lang="en-US"/>
+          </a:p>
+        </p:txBody>
+      </p:sp>
     </p:spTree>
     <p:extLst>
       <p:ext uri="{BB962C8B-B14F-4D97-AF65-F5344CB8AC3E}">
         <p14:creationId xmlns:p14="http://schemas.microsoft.com/office/powerpoint/2010/main" val="2626682513"/>
+      </p:ext>
+    </p:extLst>
+  </p:cSld>
+  <p:clrMapOvr>
+    <a:masterClrMapping/>
+  </p:clrMapOvr>
+</p:sld>
+</file>
+
+<file path=ppt/slides/slide16.xml><?xml version="1.0" encoding="utf-8"?>
+<p:sld xmlns:a="http://schemas.openxmlformats.org/drawingml/2006/main" xmlns:r="http://schemas.openxmlformats.org/officeDocument/2006/relationships" xmlns:p="http://schemas.openxmlformats.org/presentationml/2006/main" show="0">
+  <p:cSld>
+    <p:spTree>
+      <p:nvGrpSpPr>
+        <p:cNvPr id="1" name="">
+          <a:extLst>
+            <a:ext uri="{FF2B5EF4-FFF2-40B4-BE49-F238E27FC236}">
+              <a16:creationId xmlns:a16="http://schemas.microsoft.com/office/drawing/2014/main" id="{D68E936B-FC7F-86FE-973E-714C38138EAB}"/>
+            </a:ext>
+          </a:extLst>
+        </p:cNvPr>
+        <p:cNvGrpSpPr/>
+        <p:nvPr/>
+      </p:nvGrpSpPr>
+      <p:grpSpPr>
+        <a:xfrm>
+          <a:off x="0" y="0"/>
+          <a:ext cx="0" cy="0"/>
+          <a:chOff x="0" y="0"/>
+          <a:chExt cx="0" cy="0"/>
+        </a:xfrm>
+      </p:grpSpPr>
+      <p:sp>
+        <p:nvSpPr>
+          <p:cNvPr id="2" name="Title 1">
+            <a:extLst>
+              <a:ext uri="{FF2B5EF4-FFF2-40B4-BE49-F238E27FC236}">
+                <a16:creationId xmlns:a16="http://schemas.microsoft.com/office/drawing/2014/main" id="{1C6E7E01-61D1-836A-C7C6-1F781C34588F}"/>
+              </a:ext>
+            </a:extLst>
+          </p:cNvPr>
+          <p:cNvSpPr>
+            <a:spLocks noGrp="1"/>
+          </p:cNvSpPr>
+          <p:nvPr>
+            <p:ph type="title"/>
+          </p:nvPr>
+        </p:nvSpPr>
+        <p:spPr>
+          <a:xfrm>
+            <a:off x="338666" y="183025"/>
+            <a:ext cx="8421512" cy="769441"/>
+          </a:xfrm>
+        </p:spPr>
+        <p:txBody>
+          <a:bodyPr/>
+          <a:lstStyle/>
+          <a:p>
+            <a:r>
+              <a:rPr lang="en-US" sz="4400" dirty="0"/>
+              <a:t>Example Data Analysis</a:t>
+            </a:r>
+          </a:p>
+        </p:txBody>
+      </p:sp>
+      <p:sp>
+        <p:nvSpPr>
+          <p:cNvPr id="6" name="Content Placeholder 5">
+            <a:extLst>
+              <a:ext uri="{FF2B5EF4-FFF2-40B4-BE49-F238E27FC236}">
+                <a16:creationId xmlns:a16="http://schemas.microsoft.com/office/drawing/2014/main" id="{EAA69B6A-D40E-BC0A-AFEC-489C662A38F9}"/>
+              </a:ext>
+            </a:extLst>
+          </p:cNvPr>
+          <p:cNvSpPr>
+            <a:spLocks noGrp="1"/>
+          </p:cNvSpPr>
+          <p:nvPr>
+            <p:ph idx="1"/>
+          </p:nvPr>
+        </p:nvSpPr>
+        <p:spPr>
+          <a:xfrm>
+            <a:off x="372533" y="952466"/>
+            <a:ext cx="8387645" cy="5595089"/>
+          </a:xfrm>
+        </p:spPr>
+        <p:txBody>
+          <a:bodyPr/>
+          <a:lstStyle/>
+          <a:p>
+            <a:pPr marL="0" indent="0">
+              <a:buNone/>
+            </a:pPr>
+            <a:r>
+              <a:rPr lang="en-US" dirty="0"/>
+              <a:t>Make sure that you use the significant digits of for the volumes in the flasks and pipets shown on p 97: 10.00 mL, 25.00 mL, 50.00 mL</a:t>
+            </a:r>
+          </a:p>
+          <a:p>
+            <a:pPr marL="457200" indent="-457200">
+              <a:buFont typeface="+mj-lt"/>
+              <a:buAutoNum type="arabicPeriod"/>
+            </a:pPr>
+            <a:endParaRPr lang="en-US" dirty="0"/>
+          </a:p>
+        </p:txBody>
+      </p:sp>
+      <p:pic>
+        <p:nvPicPr>
+          <p:cNvPr id="7" name="Picture 6">
+            <a:extLst>
+              <a:ext uri="{FF2B5EF4-FFF2-40B4-BE49-F238E27FC236}">
+                <a16:creationId xmlns:a16="http://schemas.microsoft.com/office/drawing/2014/main" id="{50657406-3CFF-D350-6839-8B3B575D7C32}"/>
+              </a:ext>
+            </a:extLst>
+          </p:cNvPr>
+          <p:cNvPicPr>
+            <a:picLocks noChangeAspect="1"/>
+          </p:cNvPicPr>
+          <p:nvPr/>
+        </p:nvPicPr>
+        <p:blipFill>
+          <a:blip r:embed="rId2"/>
+          <a:stretch>
+            <a:fillRect/>
+          </a:stretch>
+        </p:blipFill>
+        <p:spPr>
+          <a:xfrm>
+            <a:off x="691405" y="2531975"/>
+            <a:ext cx="7506748" cy="3829584"/>
+          </a:xfrm>
+          <a:prstGeom prst="rect">
+            <a:avLst/>
+          </a:prstGeom>
+        </p:spPr>
+      </p:pic>
+    </p:spTree>
+    <p:extLst>
+      <p:ext uri="{BB962C8B-B14F-4D97-AF65-F5344CB8AC3E}">
+        <p14:creationId xmlns:p14="http://schemas.microsoft.com/office/powerpoint/2010/main" val="351127700"/>
+      </p:ext>
+    </p:extLst>
+  </p:cSld>
+  <p:clrMapOvr>
+    <a:masterClrMapping/>
+  </p:clrMapOvr>
+</p:sld>
+</file>
+
+<file path=ppt/slides/slide17.xml><?xml version="1.0" encoding="utf-8"?>
+<p:sld xmlns:a="http://schemas.openxmlformats.org/drawingml/2006/main" xmlns:r="http://schemas.openxmlformats.org/officeDocument/2006/relationships" xmlns:p="http://schemas.openxmlformats.org/presentationml/2006/main" show="0">
+  <p:cSld>
+    <p:spTree>
+      <p:nvGrpSpPr>
+        <p:cNvPr id="1" name="">
+          <a:extLst>
+            <a:ext uri="{FF2B5EF4-FFF2-40B4-BE49-F238E27FC236}">
+              <a16:creationId xmlns:a16="http://schemas.microsoft.com/office/drawing/2014/main" id="{0D6444BB-8126-0D6B-B601-8B26899A0026}"/>
+            </a:ext>
+          </a:extLst>
+        </p:cNvPr>
+        <p:cNvGrpSpPr/>
+        <p:nvPr/>
+      </p:nvGrpSpPr>
+      <p:grpSpPr>
+        <a:xfrm>
+          <a:off x="0" y="0"/>
+          <a:ext cx="0" cy="0"/>
+          <a:chOff x="0" y="0"/>
+          <a:chExt cx="0" cy="0"/>
+        </a:xfrm>
+      </p:grpSpPr>
+      <p:sp>
+        <p:nvSpPr>
+          <p:cNvPr id="2" name="Title 1">
+            <a:extLst>
+              <a:ext uri="{FF2B5EF4-FFF2-40B4-BE49-F238E27FC236}">
+                <a16:creationId xmlns:a16="http://schemas.microsoft.com/office/drawing/2014/main" id="{2636F90B-149F-25CA-A506-3E338503D220}"/>
+              </a:ext>
+            </a:extLst>
+          </p:cNvPr>
+          <p:cNvSpPr>
+            <a:spLocks noGrp="1"/>
+          </p:cNvSpPr>
+          <p:nvPr>
+            <p:ph type="title"/>
+          </p:nvPr>
+        </p:nvSpPr>
+        <p:spPr>
+          <a:xfrm>
+            <a:off x="338666" y="183025"/>
+            <a:ext cx="8421512" cy="769441"/>
+          </a:xfrm>
+        </p:spPr>
+        <p:txBody>
+          <a:bodyPr/>
+          <a:lstStyle/>
+          <a:p>
+            <a:r>
+              <a:rPr lang="en-US" sz="4400" dirty="0"/>
+              <a:t>Example Data Analysis</a:t>
+            </a:r>
+          </a:p>
+        </p:txBody>
+      </p:sp>
+      <p:pic>
+        <p:nvPicPr>
+          <p:cNvPr id="4" name="Content Placeholder 3">
+            <a:extLst>
+              <a:ext uri="{FF2B5EF4-FFF2-40B4-BE49-F238E27FC236}">
+                <a16:creationId xmlns:a16="http://schemas.microsoft.com/office/drawing/2014/main" id="{AA7D202D-A38C-2FBF-6BA1-44C56DB9F522}"/>
+              </a:ext>
+            </a:extLst>
+          </p:cNvPr>
+          <p:cNvPicPr>
+            <a:picLocks noGrp="1" noChangeAspect="1"/>
+          </p:cNvPicPr>
+          <p:nvPr>
+            <p:ph idx="1"/>
+          </p:nvPr>
+        </p:nvPicPr>
+        <p:blipFill>
+          <a:blip r:embed="rId2"/>
+          <a:stretch>
+            <a:fillRect/>
+          </a:stretch>
+        </p:blipFill>
+        <p:spPr bwMode="auto">
+          <a:xfrm>
+            <a:off x="580121" y="1284109"/>
+            <a:ext cx="7983758" cy="4785010"/>
+          </a:xfrm>
+          <a:prstGeom prst="rect">
+            <a:avLst/>
+          </a:prstGeom>
+          <a:noFill/>
+          <a:ln w="9525">
+            <a:noFill/>
+            <a:miter lim="800000"/>
+            <a:headEnd/>
+            <a:tailEnd/>
+          </a:ln>
+          <a:effectLst/>
+        </p:spPr>
+      </p:pic>
+    </p:spTree>
+    <p:extLst>
+      <p:ext uri="{BB962C8B-B14F-4D97-AF65-F5344CB8AC3E}">
+        <p14:creationId xmlns:p14="http://schemas.microsoft.com/office/powerpoint/2010/main" val="1363183089"/>
+      </p:ext>
+    </p:extLst>
+  </p:cSld>
+  <p:clrMapOvr>
+    <a:masterClrMapping/>
+  </p:clrMapOvr>
+</p:sld>
+</file>
+
+<file path=ppt/slides/slide18.xml><?xml version="1.0" encoding="utf-8"?>
+<p:sld xmlns:a="http://schemas.openxmlformats.org/drawingml/2006/main" xmlns:r="http://schemas.openxmlformats.org/officeDocument/2006/relationships" xmlns:p="http://schemas.openxmlformats.org/presentationml/2006/main" show="0">
+  <p:cSld>
+    <p:spTree>
+      <p:nvGrpSpPr>
+        <p:cNvPr id="1" name="">
+          <a:extLst>
+            <a:ext uri="{FF2B5EF4-FFF2-40B4-BE49-F238E27FC236}">
+              <a16:creationId xmlns:a16="http://schemas.microsoft.com/office/drawing/2014/main" id="{4ECD0646-8121-0EDF-4C58-6052A9524020}"/>
+            </a:ext>
+          </a:extLst>
+        </p:cNvPr>
+        <p:cNvGrpSpPr/>
+        <p:nvPr/>
+      </p:nvGrpSpPr>
+      <p:grpSpPr>
+        <a:xfrm>
+          <a:off x="0" y="0"/>
+          <a:ext cx="0" cy="0"/>
+          <a:chOff x="0" y="0"/>
+          <a:chExt cx="0" cy="0"/>
+        </a:xfrm>
+      </p:grpSpPr>
+      <p:sp>
+        <p:nvSpPr>
+          <p:cNvPr id="2" name="Title 1">
+            <a:extLst>
+              <a:ext uri="{FF2B5EF4-FFF2-40B4-BE49-F238E27FC236}">
+                <a16:creationId xmlns:a16="http://schemas.microsoft.com/office/drawing/2014/main" id="{61E5FCA0-8A16-80A2-BC2D-6BB1C7AE93C7}"/>
+              </a:ext>
+            </a:extLst>
+          </p:cNvPr>
+          <p:cNvSpPr>
+            <a:spLocks noGrp="1"/>
+          </p:cNvSpPr>
+          <p:nvPr>
+            <p:ph type="title"/>
+          </p:nvPr>
+        </p:nvSpPr>
+        <p:spPr>
+          <a:xfrm>
+            <a:off x="338666" y="183025"/>
+            <a:ext cx="8421512" cy="769441"/>
+          </a:xfrm>
+        </p:spPr>
+        <p:txBody>
+          <a:bodyPr/>
+          <a:lstStyle/>
+          <a:p>
+            <a:r>
+              <a:rPr lang="en-US" sz="4400" dirty="0"/>
+              <a:t>Example Data Analysis</a:t>
+            </a:r>
+          </a:p>
+        </p:txBody>
+      </p:sp>
+      <p:sp>
+        <p:nvSpPr>
+          <p:cNvPr id="5" name="Content Placeholder 4">
+            <a:extLst>
+              <a:ext uri="{FF2B5EF4-FFF2-40B4-BE49-F238E27FC236}">
+                <a16:creationId xmlns:a16="http://schemas.microsoft.com/office/drawing/2014/main" id="{AA793AF9-77A6-D5FE-40E8-F4EBFD869662}"/>
+              </a:ext>
+            </a:extLst>
+          </p:cNvPr>
+          <p:cNvSpPr>
+            <a:spLocks noGrp="1"/>
+          </p:cNvSpPr>
+          <p:nvPr>
+            <p:ph idx="1"/>
+          </p:nvPr>
+        </p:nvSpPr>
+        <p:spPr/>
+        <p:txBody>
+          <a:bodyPr/>
+          <a:lstStyle/>
+          <a:p>
+            <a:endParaRPr lang="en-US"/>
+          </a:p>
+        </p:txBody>
+      </p:sp>
+      <p:pic>
+        <p:nvPicPr>
+          <p:cNvPr id="9" name="Picture 8">
+            <a:extLst>
+              <a:ext uri="{FF2B5EF4-FFF2-40B4-BE49-F238E27FC236}">
+                <a16:creationId xmlns:a16="http://schemas.microsoft.com/office/drawing/2014/main" id="{7050B400-586F-A68B-DCF1-221013D00BB7}"/>
+              </a:ext>
+            </a:extLst>
+          </p:cNvPr>
+          <p:cNvPicPr>
+            <a:picLocks noChangeAspect="1"/>
+          </p:cNvPicPr>
+          <p:nvPr/>
+        </p:nvPicPr>
+        <p:blipFill>
+          <a:blip r:embed="rId2"/>
+          <a:stretch>
+            <a:fillRect/>
+          </a:stretch>
+        </p:blipFill>
+        <p:spPr>
+          <a:xfrm>
+            <a:off x="940705" y="1155463"/>
+            <a:ext cx="7251299" cy="5568717"/>
+          </a:xfrm>
+          <a:prstGeom prst="rect">
+            <a:avLst/>
+          </a:prstGeom>
+        </p:spPr>
+      </p:pic>
+    </p:spTree>
+    <p:extLst>
+      <p:ext uri="{BB962C8B-B14F-4D97-AF65-F5344CB8AC3E}">
+        <p14:creationId xmlns:p14="http://schemas.microsoft.com/office/powerpoint/2010/main" val="3832066166"/>
+      </p:ext>
+    </p:extLst>
+  </p:cSld>
+  <p:clrMapOvr>
+    <a:masterClrMapping/>
+  </p:clrMapOvr>
+</p:sld>
+</file>
+
+<file path=ppt/slides/slide19.xml><?xml version="1.0" encoding="utf-8"?>
+<p:sld xmlns:a="http://schemas.openxmlformats.org/drawingml/2006/main" xmlns:r="http://schemas.openxmlformats.org/officeDocument/2006/relationships" xmlns:p="http://schemas.openxmlformats.org/presentationml/2006/main" show="0">
+  <p:cSld>
+    <p:spTree>
+      <p:nvGrpSpPr>
+        <p:cNvPr id="1" name="">
+          <a:extLst>
+            <a:ext uri="{FF2B5EF4-FFF2-40B4-BE49-F238E27FC236}">
+              <a16:creationId xmlns:a16="http://schemas.microsoft.com/office/drawing/2014/main" id="{8D6D29F5-B61D-A060-957C-279BA624942E}"/>
+            </a:ext>
+          </a:extLst>
+        </p:cNvPr>
+        <p:cNvGrpSpPr/>
+        <p:nvPr/>
+      </p:nvGrpSpPr>
+      <p:grpSpPr>
+        <a:xfrm>
+          <a:off x="0" y="0"/>
+          <a:ext cx="0" cy="0"/>
+          <a:chOff x="0" y="0"/>
+          <a:chExt cx="0" cy="0"/>
+        </a:xfrm>
+      </p:grpSpPr>
+      <p:sp>
+        <p:nvSpPr>
+          <p:cNvPr id="2" name="Title 1">
+            <a:extLst>
+              <a:ext uri="{FF2B5EF4-FFF2-40B4-BE49-F238E27FC236}">
+                <a16:creationId xmlns:a16="http://schemas.microsoft.com/office/drawing/2014/main" id="{C24E5530-9FBD-6A02-947C-36D5A2C825EF}"/>
+              </a:ext>
+            </a:extLst>
+          </p:cNvPr>
+          <p:cNvSpPr>
+            <a:spLocks noGrp="1"/>
+          </p:cNvSpPr>
+          <p:nvPr>
+            <p:ph type="title"/>
+          </p:nvPr>
+        </p:nvSpPr>
+        <p:spPr>
+          <a:xfrm>
+            <a:off x="338666" y="183025"/>
+            <a:ext cx="8421512" cy="769441"/>
+          </a:xfrm>
+        </p:spPr>
+        <p:txBody>
+          <a:bodyPr/>
+          <a:lstStyle/>
+          <a:p>
+            <a:r>
+              <a:rPr lang="en-US" sz="4400" dirty="0"/>
+              <a:t>Example Data Analysis</a:t>
+            </a:r>
+          </a:p>
+        </p:txBody>
+      </p:sp>
+      <p:sp>
+        <p:nvSpPr>
+          <p:cNvPr id="5" name="Content Placeholder 4">
+            <a:extLst>
+              <a:ext uri="{FF2B5EF4-FFF2-40B4-BE49-F238E27FC236}">
+                <a16:creationId xmlns:a16="http://schemas.microsoft.com/office/drawing/2014/main" id="{585C186E-50F2-BCBB-C489-966DFE54F37E}"/>
+              </a:ext>
+            </a:extLst>
+          </p:cNvPr>
+          <p:cNvSpPr>
+            <a:spLocks noGrp="1"/>
+          </p:cNvSpPr>
+          <p:nvPr>
+            <p:ph idx="1"/>
+          </p:nvPr>
+        </p:nvSpPr>
+        <p:spPr/>
+        <p:txBody>
+          <a:bodyPr/>
+          <a:lstStyle/>
+          <a:p>
+            <a:endParaRPr lang="en-US"/>
+          </a:p>
+        </p:txBody>
+      </p:sp>
+      <p:pic>
+        <p:nvPicPr>
+          <p:cNvPr id="4" name="Picture 3">
+            <a:extLst>
+              <a:ext uri="{FF2B5EF4-FFF2-40B4-BE49-F238E27FC236}">
+                <a16:creationId xmlns:a16="http://schemas.microsoft.com/office/drawing/2014/main" id="{CA442B48-FFCA-AD29-F02D-4D8032258972}"/>
+              </a:ext>
+            </a:extLst>
+          </p:cNvPr>
+          <p:cNvPicPr>
+            <a:picLocks noChangeAspect="1"/>
+          </p:cNvPicPr>
+          <p:nvPr/>
+        </p:nvPicPr>
+        <p:blipFill>
+          <a:blip r:embed="rId2"/>
+          <a:stretch>
+            <a:fillRect/>
+          </a:stretch>
+        </p:blipFill>
+        <p:spPr>
+          <a:xfrm>
+            <a:off x="806823" y="1104861"/>
+            <a:ext cx="7810052" cy="5570114"/>
+          </a:xfrm>
+          <a:prstGeom prst="rect">
+            <a:avLst/>
+          </a:prstGeom>
+        </p:spPr>
+      </p:pic>
+    </p:spTree>
+    <p:extLst>
+      <p:ext uri="{BB962C8B-B14F-4D97-AF65-F5344CB8AC3E}">
+        <p14:creationId xmlns:p14="http://schemas.microsoft.com/office/powerpoint/2010/main" val="3155784204"/>
       </p:ext>
     </p:extLst>
   </p:cSld>
@@ -11466,6 +14264,254 @@
     <p:extLst>
       <p:ext uri="{BB962C8B-B14F-4D97-AF65-F5344CB8AC3E}">
         <p14:creationId xmlns:p14="http://schemas.microsoft.com/office/powerpoint/2010/main" val="114929422"/>
+      </p:ext>
+    </p:extLst>
+  </p:cSld>
+  <p:clrMapOvr>
+    <a:masterClrMapping/>
+  </p:clrMapOvr>
+</p:sld>
+</file>
+
+<file path=ppt/slides/slide20.xml><?xml version="1.0" encoding="utf-8"?>
+<p:sld xmlns:a="http://schemas.openxmlformats.org/drawingml/2006/main" xmlns:r="http://schemas.openxmlformats.org/officeDocument/2006/relationships" xmlns:p="http://schemas.openxmlformats.org/presentationml/2006/main" show="0">
+  <p:cSld>
+    <p:spTree>
+      <p:nvGrpSpPr>
+        <p:cNvPr id="1" name="">
+          <a:extLst>
+            <a:ext uri="{FF2B5EF4-FFF2-40B4-BE49-F238E27FC236}">
+              <a16:creationId xmlns:a16="http://schemas.microsoft.com/office/drawing/2014/main" id="{F5ED0DEE-55A3-82C0-1B01-5C0D06611721}"/>
+            </a:ext>
+          </a:extLst>
+        </p:cNvPr>
+        <p:cNvGrpSpPr/>
+        <p:nvPr/>
+      </p:nvGrpSpPr>
+      <p:grpSpPr>
+        <a:xfrm>
+          <a:off x="0" y="0"/>
+          <a:ext cx="0" cy="0"/>
+          <a:chOff x="0" y="0"/>
+          <a:chExt cx="0" cy="0"/>
+        </a:xfrm>
+      </p:grpSpPr>
+      <p:sp>
+        <p:nvSpPr>
+          <p:cNvPr id="2" name="Title 1">
+            <a:extLst>
+              <a:ext uri="{FF2B5EF4-FFF2-40B4-BE49-F238E27FC236}">
+                <a16:creationId xmlns:a16="http://schemas.microsoft.com/office/drawing/2014/main" id="{C0D135AD-1A79-9684-4897-2A78084A215D}"/>
+              </a:ext>
+            </a:extLst>
+          </p:cNvPr>
+          <p:cNvSpPr>
+            <a:spLocks noGrp="1"/>
+          </p:cNvSpPr>
+          <p:nvPr>
+            <p:ph type="title"/>
+          </p:nvPr>
+        </p:nvSpPr>
+        <p:spPr>
+          <a:xfrm>
+            <a:off x="338666" y="183025"/>
+            <a:ext cx="8421512" cy="769441"/>
+          </a:xfrm>
+        </p:spPr>
+        <p:txBody>
+          <a:bodyPr/>
+          <a:lstStyle/>
+          <a:p>
+            <a:r>
+              <a:rPr lang="en-US" sz="4400" dirty="0"/>
+              <a:t>Example Data Analysis</a:t>
+            </a:r>
+          </a:p>
+        </p:txBody>
+      </p:sp>
+      <p:sp>
+        <p:nvSpPr>
+          <p:cNvPr id="5" name="Content Placeholder 4">
+            <a:extLst>
+              <a:ext uri="{FF2B5EF4-FFF2-40B4-BE49-F238E27FC236}">
+                <a16:creationId xmlns:a16="http://schemas.microsoft.com/office/drawing/2014/main" id="{8633D99E-CE64-0B68-04FA-9465CA527F4B}"/>
+              </a:ext>
+            </a:extLst>
+          </p:cNvPr>
+          <p:cNvSpPr>
+            <a:spLocks noGrp="1"/>
+          </p:cNvSpPr>
+          <p:nvPr>
+            <p:ph idx="1"/>
+          </p:nvPr>
+        </p:nvSpPr>
+        <p:spPr/>
+        <p:txBody>
+          <a:bodyPr/>
+          <a:lstStyle/>
+          <a:p>
+            <a:endParaRPr lang="en-US"/>
+          </a:p>
+        </p:txBody>
+      </p:sp>
+      <p:pic>
+        <p:nvPicPr>
+          <p:cNvPr id="6" name="Picture 5">
+            <a:extLst>
+              <a:ext uri="{FF2B5EF4-FFF2-40B4-BE49-F238E27FC236}">
+                <a16:creationId xmlns:a16="http://schemas.microsoft.com/office/drawing/2014/main" id="{0B2F9108-9872-6499-3CFB-CE325091B05E}"/>
+              </a:ext>
+            </a:extLst>
+          </p:cNvPr>
+          <p:cNvPicPr>
+            <a:picLocks noChangeAspect="1"/>
+          </p:cNvPicPr>
+          <p:nvPr/>
+        </p:nvPicPr>
+        <p:blipFill>
+          <a:blip r:embed="rId2"/>
+          <a:stretch>
+            <a:fillRect/>
+          </a:stretch>
+        </p:blipFill>
+        <p:spPr>
+          <a:xfrm>
+            <a:off x="1011218" y="1194394"/>
+            <a:ext cx="6883574" cy="5353161"/>
+          </a:xfrm>
+          <a:prstGeom prst="rect">
+            <a:avLst/>
+          </a:prstGeom>
+        </p:spPr>
+      </p:pic>
+    </p:spTree>
+    <p:extLst>
+      <p:ext uri="{BB962C8B-B14F-4D97-AF65-F5344CB8AC3E}">
+        <p14:creationId xmlns:p14="http://schemas.microsoft.com/office/powerpoint/2010/main" val="3307270266"/>
+      </p:ext>
+    </p:extLst>
+  </p:cSld>
+  <p:clrMapOvr>
+    <a:masterClrMapping/>
+  </p:clrMapOvr>
+</p:sld>
+</file>
+
+<file path=ppt/slides/slide21.xml><?xml version="1.0" encoding="utf-8"?>
+<p:sld xmlns:a="http://schemas.openxmlformats.org/drawingml/2006/main" xmlns:r="http://schemas.openxmlformats.org/officeDocument/2006/relationships" xmlns:p="http://schemas.openxmlformats.org/presentationml/2006/main" show="0">
+  <p:cSld>
+    <p:spTree>
+      <p:nvGrpSpPr>
+        <p:cNvPr id="1" name="">
+          <a:extLst>
+            <a:ext uri="{FF2B5EF4-FFF2-40B4-BE49-F238E27FC236}">
+              <a16:creationId xmlns:a16="http://schemas.microsoft.com/office/drawing/2014/main" id="{0B8C3CDD-A8AB-3E67-8090-60DB2C17D78C}"/>
+            </a:ext>
+          </a:extLst>
+        </p:cNvPr>
+        <p:cNvGrpSpPr/>
+        <p:nvPr/>
+      </p:nvGrpSpPr>
+      <p:grpSpPr>
+        <a:xfrm>
+          <a:off x="0" y="0"/>
+          <a:ext cx="0" cy="0"/>
+          <a:chOff x="0" y="0"/>
+          <a:chExt cx="0" cy="0"/>
+        </a:xfrm>
+      </p:grpSpPr>
+      <p:sp>
+        <p:nvSpPr>
+          <p:cNvPr id="2" name="Title 1">
+            <a:extLst>
+              <a:ext uri="{FF2B5EF4-FFF2-40B4-BE49-F238E27FC236}">
+                <a16:creationId xmlns:a16="http://schemas.microsoft.com/office/drawing/2014/main" id="{99C99993-C21A-40EA-4480-156EAC2C3E3E}"/>
+              </a:ext>
+            </a:extLst>
+          </p:cNvPr>
+          <p:cNvSpPr>
+            <a:spLocks noGrp="1"/>
+          </p:cNvSpPr>
+          <p:nvPr>
+            <p:ph type="title"/>
+          </p:nvPr>
+        </p:nvSpPr>
+        <p:spPr>
+          <a:xfrm>
+            <a:off x="338666" y="183025"/>
+            <a:ext cx="8421512" cy="769441"/>
+          </a:xfrm>
+        </p:spPr>
+        <p:txBody>
+          <a:bodyPr/>
+          <a:lstStyle/>
+          <a:p>
+            <a:r>
+              <a:rPr lang="en-US" sz="4400" dirty="0"/>
+              <a:t>Example Data Analysis</a:t>
+            </a:r>
+          </a:p>
+        </p:txBody>
+      </p:sp>
+      <p:sp>
+        <p:nvSpPr>
+          <p:cNvPr id="5" name="Content Placeholder 4">
+            <a:extLst>
+              <a:ext uri="{FF2B5EF4-FFF2-40B4-BE49-F238E27FC236}">
+                <a16:creationId xmlns:a16="http://schemas.microsoft.com/office/drawing/2014/main" id="{4853E697-57D1-8864-6DAF-43C0A62CD960}"/>
+              </a:ext>
+            </a:extLst>
+          </p:cNvPr>
+          <p:cNvSpPr>
+            <a:spLocks noGrp="1"/>
+          </p:cNvSpPr>
+          <p:nvPr>
+            <p:ph idx="1"/>
+          </p:nvPr>
+        </p:nvSpPr>
+        <p:spPr/>
+        <p:txBody>
+          <a:bodyPr/>
+          <a:lstStyle/>
+          <a:p>
+            <a:endParaRPr lang="en-US"/>
+          </a:p>
+        </p:txBody>
+      </p:sp>
+      <p:pic>
+        <p:nvPicPr>
+          <p:cNvPr id="4" name="Picture 3">
+            <a:extLst>
+              <a:ext uri="{FF2B5EF4-FFF2-40B4-BE49-F238E27FC236}">
+                <a16:creationId xmlns:a16="http://schemas.microsoft.com/office/drawing/2014/main" id="{5F7F1D84-71E0-697C-971F-48FF1DC9214D}"/>
+              </a:ext>
+            </a:extLst>
+          </p:cNvPr>
+          <p:cNvPicPr>
+            <a:picLocks noChangeAspect="1"/>
+          </p:cNvPicPr>
+          <p:nvPr/>
+        </p:nvPicPr>
+        <p:blipFill>
+          <a:blip r:embed="rId2"/>
+          <a:stretch>
+            <a:fillRect/>
+          </a:stretch>
+        </p:blipFill>
+        <p:spPr>
+          <a:xfrm>
+            <a:off x="228600" y="1172534"/>
+            <a:ext cx="8648700" cy="5163078"/>
+          </a:xfrm>
+          <a:prstGeom prst="rect">
+            <a:avLst/>
+          </a:prstGeom>
+        </p:spPr>
+      </p:pic>
+    </p:spTree>
+    <p:extLst>
+      <p:ext uri="{BB962C8B-B14F-4D97-AF65-F5344CB8AC3E}">
+        <p14:creationId xmlns:p14="http://schemas.microsoft.com/office/powerpoint/2010/main" val="2402619723"/>
       </p:ext>
     </p:extLst>
   </p:cSld>
@@ -12888,16 +15934,7 @@
                           <a:rPr lang="en-US" sz="2000">
                             <a:latin typeface="Cambria Math" panose="02040503050406030204" pitchFamily="18" charset="0"/>
                           </a:rPr>
-                          <m:t>solutio</m:t>
-                        </m:r>
-                        <m:r>
-                          <m:rPr>
-                            <m:sty m:val="p"/>
-                          </m:rPr>
-                          <a:rPr lang="en-US" sz="2000" b="0" i="0" smtClean="0">
-                            <a:latin typeface="Cambria Math" panose="02040503050406030204" pitchFamily="18" charset="0"/>
-                          </a:rPr>
-                          <m:t>n</m:t>
+                          <m:t>solution</m:t>
                         </m:r>
                       </m:num>
                       <m:den>
